--- a/KDD-2024/Slides/part9_hybrids.pptx
+++ b/KDD-2024/Slides/part9_hybrids.pptx
@@ -5,7 +5,7 @@
     <p:sldMasterId id="2147483648" r:id="rId1"/>
   </p:sldMasterIdLst>
   <p:notesMasterIdLst>
-    <p:notesMasterId r:id="rId15"/>
+    <p:notesMasterId r:id="rId16"/>
   </p:notesMasterIdLst>
   <p:sldIdLst>
     <p:sldId id="260" r:id="rId2"/>
@@ -20,7 +20,8 @@
     <p:sldId id="343" r:id="rId11"/>
     <p:sldId id="344" r:id="rId12"/>
     <p:sldId id="345" r:id="rId13"/>
-    <p:sldId id="346" r:id="rId14"/>
+    <p:sldId id="347" r:id="rId14"/>
+    <p:sldId id="346" r:id="rId15"/>
   </p:sldIdLst>
   <p:sldSz cx="12192000" cy="6858000"/>
   <p:notesSz cx="6858000" cy="9144000"/>
@@ -4065,7 +4066,1648 @@
           <a:p>
             <a:r>
               <a:rPr lang="en-GB" dirty="0"/>
-              <a:t>HC2 Module 2: Temporal Dictionary Ensemble (TDE)</a:t>
+              <a:t>Interval Based: Temporal Dictionary Ensemble (TDE)</a:t>
+            </a:r>
+          </a:p>
+        </p:txBody>
+      </p:sp>
+      <p:sp>
+        <p:nvSpPr>
+          <p:cNvPr id="3" name="Rectangle 2">
+            <a:extLst>
+              <a:ext uri="{FF2B5EF4-FFF2-40B4-BE49-F238E27FC236}">
+                <a16:creationId xmlns:a16="http://schemas.microsoft.com/office/drawing/2014/main" id="{BAE0A6B5-3C9C-B103-59DC-B33D87E84E45}"/>
+              </a:ext>
+            </a:extLst>
+          </p:cNvPr>
+          <p:cNvSpPr/>
+          <p:nvPr/>
+        </p:nvSpPr>
+        <p:spPr>
+          <a:xfrm>
+            <a:off x="992829" y="2224098"/>
+            <a:ext cx="1298611" cy="690646"/>
+          </a:xfrm>
+          <a:prstGeom prst="rect">
+            <a:avLst/>
+          </a:prstGeom>
+          <a:solidFill>
+            <a:srgbClr val="500064"/>
+          </a:solidFill>
+          <a:ln>
+            <a:noFill/>
+          </a:ln>
+        </p:spPr>
+        <p:style>
+          <a:lnRef idx="2">
+            <a:schemeClr val="accent1">
+              <a:shade val="50000"/>
+            </a:schemeClr>
+          </a:lnRef>
+          <a:fillRef idx="1">
+            <a:schemeClr val="accent1"/>
+          </a:fillRef>
+          <a:effectRef idx="0">
+            <a:schemeClr val="accent1"/>
+          </a:effectRef>
+          <a:fontRef idx="minor">
+            <a:schemeClr val="lt1"/>
+          </a:fontRef>
+        </p:style>
+        <p:txBody>
+          <a:bodyPr rtlCol="0" anchor="ctr"/>
+          <a:lstStyle/>
+          <a:p>
+            <a:pPr algn="ctr"/>
+            <a:r>
+              <a:rPr lang="en-US" sz="1600" b="1" dirty="0" err="1">
+                <a:solidFill>
+                  <a:schemeClr val="bg1"/>
+                </a:solidFill>
+              </a:rPr>
+              <a:t>cBOSS</a:t>
+            </a:r>
+            <a:endParaRPr lang="en-GB" sz="1600" b="1" dirty="0">
+              <a:solidFill>
+                <a:schemeClr val="bg1"/>
+              </a:solidFill>
+            </a:endParaRPr>
+          </a:p>
+        </p:txBody>
+      </p:sp>
+      <p:sp>
+        <p:nvSpPr>
+          <p:cNvPr id="4" name="Rectangle 3">
+            <a:extLst>
+              <a:ext uri="{FF2B5EF4-FFF2-40B4-BE49-F238E27FC236}">
+                <a16:creationId xmlns:a16="http://schemas.microsoft.com/office/drawing/2014/main" id="{8817A6CD-906F-6731-5827-4F3B7EFD04B6}"/>
+              </a:ext>
+            </a:extLst>
+          </p:cNvPr>
+          <p:cNvSpPr/>
+          <p:nvPr/>
+        </p:nvSpPr>
+        <p:spPr>
+          <a:xfrm>
+            <a:off x="2739525" y="2224098"/>
+            <a:ext cx="1298611" cy="690646"/>
+          </a:xfrm>
+          <a:prstGeom prst="rect">
+            <a:avLst/>
+          </a:prstGeom>
+          <a:solidFill>
+            <a:srgbClr val="500064"/>
+          </a:solidFill>
+          <a:ln>
+            <a:noFill/>
+          </a:ln>
+        </p:spPr>
+        <p:style>
+          <a:lnRef idx="2">
+            <a:schemeClr val="accent1">
+              <a:shade val="50000"/>
+            </a:schemeClr>
+          </a:lnRef>
+          <a:fillRef idx="1">
+            <a:schemeClr val="accent1"/>
+          </a:fillRef>
+          <a:effectRef idx="0">
+            <a:schemeClr val="accent1"/>
+          </a:effectRef>
+          <a:fontRef idx="minor">
+            <a:schemeClr val="lt1"/>
+          </a:fontRef>
+        </p:style>
+        <p:txBody>
+          <a:bodyPr rtlCol="0" anchor="ctr"/>
+          <a:lstStyle/>
+          <a:p>
+            <a:pPr algn="ctr"/>
+            <a:r>
+              <a:rPr lang="en-US" sz="1600" b="1" dirty="0">
+                <a:solidFill>
+                  <a:schemeClr val="bg1"/>
+                </a:solidFill>
+              </a:rPr>
+              <a:t>S-BOSS</a:t>
+            </a:r>
+            <a:endParaRPr lang="en-GB" sz="1600" b="1" dirty="0">
+              <a:solidFill>
+                <a:schemeClr val="bg1"/>
+              </a:solidFill>
+            </a:endParaRPr>
+          </a:p>
+        </p:txBody>
+      </p:sp>
+      <p:sp>
+        <p:nvSpPr>
+          <p:cNvPr id="5" name="Rectangle 4">
+            <a:extLst>
+              <a:ext uri="{FF2B5EF4-FFF2-40B4-BE49-F238E27FC236}">
+                <a16:creationId xmlns:a16="http://schemas.microsoft.com/office/drawing/2014/main" id="{C0298E81-98FE-427A-0DED-8FB30A1B95B1}"/>
+              </a:ext>
+            </a:extLst>
+          </p:cNvPr>
+          <p:cNvSpPr/>
+          <p:nvPr/>
+        </p:nvSpPr>
+        <p:spPr>
+          <a:xfrm>
+            <a:off x="4486221" y="2215129"/>
+            <a:ext cx="1300755" cy="690646"/>
+          </a:xfrm>
+          <a:prstGeom prst="rect">
+            <a:avLst/>
+          </a:prstGeom>
+          <a:solidFill>
+            <a:srgbClr val="500064"/>
+          </a:solidFill>
+          <a:ln>
+            <a:noFill/>
+          </a:ln>
+        </p:spPr>
+        <p:style>
+          <a:lnRef idx="2">
+            <a:schemeClr val="accent1">
+              <a:shade val="50000"/>
+            </a:schemeClr>
+          </a:lnRef>
+          <a:fillRef idx="1">
+            <a:schemeClr val="accent1"/>
+          </a:fillRef>
+          <a:effectRef idx="0">
+            <a:schemeClr val="accent1"/>
+          </a:effectRef>
+          <a:fontRef idx="minor">
+            <a:schemeClr val="lt1"/>
+          </a:fontRef>
+        </p:style>
+        <p:txBody>
+          <a:bodyPr rtlCol="0" anchor="ctr"/>
+          <a:lstStyle/>
+          <a:p>
+            <a:pPr algn="ctr"/>
+            <a:r>
+              <a:rPr lang="en-US" sz="1600" b="1" dirty="0">
+                <a:solidFill>
+                  <a:schemeClr val="bg1"/>
+                </a:solidFill>
+              </a:rPr>
+              <a:t>WEASEL</a:t>
+            </a:r>
+            <a:endParaRPr lang="en-GB" sz="1600" b="1" dirty="0">
+              <a:solidFill>
+                <a:schemeClr val="bg1"/>
+              </a:solidFill>
+            </a:endParaRPr>
+          </a:p>
+        </p:txBody>
+      </p:sp>
+      <p:sp>
+        <p:nvSpPr>
+          <p:cNvPr id="6" name="Text Placeholder 1">
+            <a:extLst>
+              <a:ext uri="{FF2B5EF4-FFF2-40B4-BE49-F238E27FC236}">
+                <a16:creationId xmlns:a16="http://schemas.microsoft.com/office/drawing/2014/main" id="{612F30B5-EE40-C724-FC3C-E25166015C44}"/>
+              </a:ext>
+            </a:extLst>
+          </p:cNvPr>
+          <p:cNvSpPr txBox="1">
+            <a:spLocks/>
+          </p:cNvSpPr>
+          <p:nvPr/>
+        </p:nvSpPr>
+        <p:spPr>
+          <a:xfrm>
+            <a:off x="843710" y="2898123"/>
+            <a:ext cx="1405849" cy="1277957"/>
+          </a:xfrm>
+          <a:prstGeom prst="rect">
+            <a:avLst/>
+          </a:prstGeom>
+        </p:spPr>
+        <p:txBody>
+          <a:bodyPr spcFirstLastPara="1" wrap="square" lIns="91425" tIns="91425" rIns="91425" bIns="91425" anchor="t" anchorCtr="0"/>
+          <a:lstStyle>
+            <a:defPPr marR="0" lvl="0" algn="l" rtl="0">
+              <a:lnSpc>
+                <a:spcPct val="100000"/>
+              </a:lnSpc>
+              <a:spcBef>
+                <a:spcPts val="0"/>
+              </a:spcBef>
+              <a:spcAft>
+                <a:spcPts val="0"/>
+              </a:spcAft>
+            </a:defPPr>
+            <a:lvl1pPr marL="457200" marR="0" lvl="0" indent="-342900" algn="l" rtl="0">
+              <a:lnSpc>
+                <a:spcPct val="100000"/>
+              </a:lnSpc>
+              <a:spcBef>
+                <a:spcPts val="0"/>
+              </a:spcBef>
+              <a:spcAft>
+                <a:spcPts val="0"/>
+              </a:spcAft>
+              <a:buClr>
+                <a:srgbClr val="000000"/>
+              </a:buClr>
+              <a:buSzPts val="1800"/>
+              <a:buFont typeface="Arial"/>
+              <a:buChar char="●"/>
+              <a:defRPr sz="1800" b="0" i="0" u="none" strike="noStrike" cap="none">
+                <a:solidFill>
+                  <a:srgbClr val="460046"/>
+                </a:solidFill>
+                <a:latin typeface="Arial"/>
+                <a:ea typeface="Arial"/>
+                <a:cs typeface="Arial"/>
+                <a:sym typeface="Arial"/>
+              </a:defRPr>
+            </a:lvl1pPr>
+            <a:lvl2pPr marL="914400" marR="0" lvl="1" indent="-317500" algn="l" rtl="0">
+              <a:lnSpc>
+                <a:spcPct val="100000"/>
+              </a:lnSpc>
+              <a:spcBef>
+                <a:spcPts val="1600"/>
+              </a:spcBef>
+              <a:spcAft>
+                <a:spcPts val="0"/>
+              </a:spcAft>
+              <a:buClr>
+                <a:srgbClr val="000000"/>
+              </a:buClr>
+              <a:buSzPts val="1400"/>
+              <a:buFont typeface="Arial"/>
+              <a:buChar char="○"/>
+              <a:defRPr sz="1400" b="0" i="0" u="none" strike="noStrike" cap="none">
+                <a:solidFill>
+                  <a:srgbClr val="000000"/>
+                </a:solidFill>
+                <a:latin typeface="Arial"/>
+                <a:ea typeface="Arial"/>
+                <a:cs typeface="Arial"/>
+                <a:sym typeface="Arial"/>
+              </a:defRPr>
+            </a:lvl2pPr>
+            <a:lvl3pPr marL="1371600" marR="0" lvl="2" indent="-317500" algn="l" rtl="0">
+              <a:lnSpc>
+                <a:spcPct val="100000"/>
+              </a:lnSpc>
+              <a:spcBef>
+                <a:spcPts val="1600"/>
+              </a:spcBef>
+              <a:spcAft>
+                <a:spcPts val="0"/>
+              </a:spcAft>
+              <a:buClr>
+                <a:srgbClr val="000000"/>
+              </a:buClr>
+              <a:buSzPts val="1400"/>
+              <a:buFont typeface="Arial"/>
+              <a:buChar char="■"/>
+              <a:defRPr sz="1400" b="0" i="0" u="none" strike="noStrike" cap="none">
+                <a:solidFill>
+                  <a:srgbClr val="000000"/>
+                </a:solidFill>
+                <a:latin typeface="Arial"/>
+                <a:ea typeface="Arial"/>
+                <a:cs typeface="Arial"/>
+                <a:sym typeface="Arial"/>
+              </a:defRPr>
+            </a:lvl3pPr>
+            <a:lvl4pPr marL="1828800" marR="0" lvl="3" indent="-317500" algn="l" rtl="0">
+              <a:lnSpc>
+                <a:spcPct val="100000"/>
+              </a:lnSpc>
+              <a:spcBef>
+                <a:spcPts val="1600"/>
+              </a:spcBef>
+              <a:spcAft>
+                <a:spcPts val="0"/>
+              </a:spcAft>
+              <a:buClr>
+                <a:srgbClr val="000000"/>
+              </a:buClr>
+              <a:buSzPts val="1400"/>
+              <a:buFont typeface="Arial"/>
+              <a:buChar char="●"/>
+              <a:defRPr sz="1400" b="0" i="0" u="none" strike="noStrike" cap="none">
+                <a:solidFill>
+                  <a:srgbClr val="000000"/>
+                </a:solidFill>
+                <a:latin typeface="Arial"/>
+                <a:ea typeface="Arial"/>
+                <a:cs typeface="Arial"/>
+                <a:sym typeface="Arial"/>
+              </a:defRPr>
+            </a:lvl4pPr>
+            <a:lvl5pPr marL="2286000" marR="0" lvl="4" indent="-317500" algn="l" rtl="0">
+              <a:lnSpc>
+                <a:spcPct val="100000"/>
+              </a:lnSpc>
+              <a:spcBef>
+                <a:spcPts val="1600"/>
+              </a:spcBef>
+              <a:spcAft>
+                <a:spcPts val="0"/>
+              </a:spcAft>
+              <a:buClr>
+                <a:srgbClr val="000000"/>
+              </a:buClr>
+              <a:buSzPts val="1400"/>
+              <a:buFont typeface="Arial"/>
+              <a:buChar char="○"/>
+              <a:defRPr sz="1400" b="0" i="0" u="none" strike="noStrike" cap="none">
+                <a:solidFill>
+                  <a:srgbClr val="000000"/>
+                </a:solidFill>
+                <a:latin typeface="Arial"/>
+                <a:ea typeface="Arial"/>
+                <a:cs typeface="Arial"/>
+                <a:sym typeface="Arial"/>
+              </a:defRPr>
+            </a:lvl5pPr>
+            <a:lvl6pPr marL="2743200" marR="0" lvl="5" indent="-317500" algn="l" rtl="0">
+              <a:lnSpc>
+                <a:spcPct val="100000"/>
+              </a:lnSpc>
+              <a:spcBef>
+                <a:spcPts val="1600"/>
+              </a:spcBef>
+              <a:spcAft>
+                <a:spcPts val="0"/>
+              </a:spcAft>
+              <a:buClr>
+                <a:srgbClr val="000000"/>
+              </a:buClr>
+              <a:buSzPts val="1400"/>
+              <a:buFont typeface="Arial"/>
+              <a:buChar char="■"/>
+              <a:defRPr sz="1400" b="0" i="0" u="none" strike="noStrike" cap="none">
+                <a:solidFill>
+                  <a:srgbClr val="000000"/>
+                </a:solidFill>
+                <a:latin typeface="Arial"/>
+                <a:ea typeface="Arial"/>
+                <a:cs typeface="Arial"/>
+                <a:sym typeface="Arial"/>
+              </a:defRPr>
+            </a:lvl6pPr>
+            <a:lvl7pPr marL="3200400" marR="0" lvl="6" indent="-317500" algn="l" rtl="0">
+              <a:lnSpc>
+                <a:spcPct val="100000"/>
+              </a:lnSpc>
+              <a:spcBef>
+                <a:spcPts val="1600"/>
+              </a:spcBef>
+              <a:spcAft>
+                <a:spcPts val="0"/>
+              </a:spcAft>
+              <a:buClr>
+                <a:srgbClr val="000000"/>
+              </a:buClr>
+              <a:buSzPts val="1400"/>
+              <a:buFont typeface="Arial"/>
+              <a:buChar char="●"/>
+              <a:defRPr sz="1400" b="0" i="0" u="none" strike="noStrike" cap="none">
+                <a:solidFill>
+                  <a:srgbClr val="000000"/>
+                </a:solidFill>
+                <a:latin typeface="Arial"/>
+                <a:ea typeface="Arial"/>
+                <a:cs typeface="Arial"/>
+                <a:sym typeface="Arial"/>
+              </a:defRPr>
+            </a:lvl7pPr>
+            <a:lvl8pPr marL="3657600" marR="0" lvl="7" indent="-317500" algn="l" rtl="0">
+              <a:lnSpc>
+                <a:spcPct val="100000"/>
+              </a:lnSpc>
+              <a:spcBef>
+                <a:spcPts val="1600"/>
+              </a:spcBef>
+              <a:spcAft>
+                <a:spcPts val="0"/>
+              </a:spcAft>
+              <a:buClr>
+                <a:srgbClr val="000000"/>
+              </a:buClr>
+              <a:buSzPts val="1400"/>
+              <a:buFont typeface="Arial"/>
+              <a:buChar char="○"/>
+              <a:defRPr sz="1400" b="0" i="0" u="none" strike="noStrike" cap="none">
+                <a:solidFill>
+                  <a:srgbClr val="000000"/>
+                </a:solidFill>
+                <a:latin typeface="Arial"/>
+                <a:ea typeface="Arial"/>
+                <a:cs typeface="Arial"/>
+                <a:sym typeface="Arial"/>
+              </a:defRPr>
+            </a:lvl8pPr>
+            <a:lvl9pPr marL="4114800" marR="0" lvl="8" indent="-317500" algn="l" rtl="0">
+              <a:lnSpc>
+                <a:spcPct val="100000"/>
+              </a:lnSpc>
+              <a:spcBef>
+                <a:spcPts val="1600"/>
+              </a:spcBef>
+              <a:spcAft>
+                <a:spcPts val="1600"/>
+              </a:spcAft>
+              <a:buClr>
+                <a:srgbClr val="000000"/>
+              </a:buClr>
+              <a:buSzPts val="1400"/>
+              <a:buFont typeface="Arial"/>
+              <a:buChar char="■"/>
+              <a:defRPr sz="1400" b="0" i="0" u="none" strike="noStrike" cap="none">
+                <a:solidFill>
+                  <a:srgbClr val="000000"/>
+                </a:solidFill>
+                <a:latin typeface="Arial"/>
+                <a:ea typeface="Arial"/>
+                <a:cs typeface="Arial"/>
+                <a:sym typeface="Arial"/>
+              </a:defRPr>
+            </a:lvl9pPr>
+          </a:lstStyle>
+          <a:p>
+            <a:pPr marL="114300" indent="0">
+              <a:buNone/>
+            </a:pPr>
+            <a:r>
+              <a:rPr lang="en-US" sz="1600" dirty="0"/>
+              <a:t>Revised ensemble structure.</a:t>
+            </a:r>
+            <a:endParaRPr lang="en-GB" sz="1600" dirty="0"/>
+          </a:p>
+        </p:txBody>
+      </p:sp>
+      <p:sp>
+        <p:nvSpPr>
+          <p:cNvPr id="7" name="Text Placeholder 1">
+            <a:extLst>
+              <a:ext uri="{FF2B5EF4-FFF2-40B4-BE49-F238E27FC236}">
+                <a16:creationId xmlns:a16="http://schemas.microsoft.com/office/drawing/2014/main" id="{747AE32B-473E-7AD1-2035-A44C83203EB0}"/>
+              </a:ext>
+            </a:extLst>
+          </p:cNvPr>
+          <p:cNvSpPr txBox="1">
+            <a:spLocks/>
+          </p:cNvSpPr>
+          <p:nvPr/>
+        </p:nvSpPr>
+        <p:spPr>
+          <a:xfrm>
+            <a:off x="2434033" y="2898123"/>
+            <a:ext cx="2118289" cy="1277957"/>
+          </a:xfrm>
+          <a:prstGeom prst="rect">
+            <a:avLst/>
+          </a:prstGeom>
+        </p:spPr>
+        <p:txBody>
+          <a:bodyPr spcFirstLastPara="1" wrap="square" lIns="91425" tIns="91425" rIns="91425" bIns="91425" anchor="t" anchorCtr="0"/>
+          <a:lstStyle>
+            <a:defPPr marR="0" lvl="0" algn="l" rtl="0">
+              <a:lnSpc>
+                <a:spcPct val="100000"/>
+              </a:lnSpc>
+              <a:spcBef>
+                <a:spcPts val="0"/>
+              </a:spcBef>
+              <a:spcAft>
+                <a:spcPts val="0"/>
+              </a:spcAft>
+            </a:defPPr>
+            <a:lvl1pPr marL="457200" marR="0" lvl="0" indent="-342900" algn="l" rtl="0">
+              <a:lnSpc>
+                <a:spcPct val="100000"/>
+              </a:lnSpc>
+              <a:spcBef>
+                <a:spcPts val="0"/>
+              </a:spcBef>
+              <a:spcAft>
+                <a:spcPts val="0"/>
+              </a:spcAft>
+              <a:buClr>
+                <a:srgbClr val="000000"/>
+              </a:buClr>
+              <a:buSzPts val="1800"/>
+              <a:buFont typeface="Arial"/>
+              <a:buChar char="●"/>
+              <a:defRPr sz="1800" b="0" i="0" u="none" strike="noStrike" cap="none">
+                <a:solidFill>
+                  <a:srgbClr val="460046"/>
+                </a:solidFill>
+                <a:latin typeface="Arial"/>
+                <a:ea typeface="Arial"/>
+                <a:cs typeface="Arial"/>
+                <a:sym typeface="Arial"/>
+              </a:defRPr>
+            </a:lvl1pPr>
+            <a:lvl2pPr marL="914400" marR="0" lvl="1" indent="-317500" algn="l" rtl="0">
+              <a:lnSpc>
+                <a:spcPct val="100000"/>
+              </a:lnSpc>
+              <a:spcBef>
+                <a:spcPts val="1600"/>
+              </a:spcBef>
+              <a:spcAft>
+                <a:spcPts val="0"/>
+              </a:spcAft>
+              <a:buClr>
+                <a:srgbClr val="000000"/>
+              </a:buClr>
+              <a:buSzPts val="1400"/>
+              <a:buFont typeface="Arial"/>
+              <a:buChar char="○"/>
+              <a:defRPr sz="1400" b="0" i="0" u="none" strike="noStrike" cap="none">
+                <a:solidFill>
+                  <a:srgbClr val="000000"/>
+                </a:solidFill>
+                <a:latin typeface="Arial"/>
+                <a:ea typeface="Arial"/>
+                <a:cs typeface="Arial"/>
+                <a:sym typeface="Arial"/>
+              </a:defRPr>
+            </a:lvl2pPr>
+            <a:lvl3pPr marL="1371600" marR="0" lvl="2" indent="-317500" algn="l" rtl="0">
+              <a:lnSpc>
+                <a:spcPct val="100000"/>
+              </a:lnSpc>
+              <a:spcBef>
+                <a:spcPts val="1600"/>
+              </a:spcBef>
+              <a:spcAft>
+                <a:spcPts val="0"/>
+              </a:spcAft>
+              <a:buClr>
+                <a:srgbClr val="000000"/>
+              </a:buClr>
+              <a:buSzPts val="1400"/>
+              <a:buFont typeface="Arial"/>
+              <a:buChar char="■"/>
+              <a:defRPr sz="1400" b="0" i="0" u="none" strike="noStrike" cap="none">
+                <a:solidFill>
+                  <a:srgbClr val="000000"/>
+                </a:solidFill>
+                <a:latin typeface="Arial"/>
+                <a:ea typeface="Arial"/>
+                <a:cs typeface="Arial"/>
+                <a:sym typeface="Arial"/>
+              </a:defRPr>
+            </a:lvl3pPr>
+            <a:lvl4pPr marL="1828800" marR="0" lvl="3" indent="-317500" algn="l" rtl="0">
+              <a:lnSpc>
+                <a:spcPct val="100000"/>
+              </a:lnSpc>
+              <a:spcBef>
+                <a:spcPts val="1600"/>
+              </a:spcBef>
+              <a:spcAft>
+                <a:spcPts val="0"/>
+              </a:spcAft>
+              <a:buClr>
+                <a:srgbClr val="000000"/>
+              </a:buClr>
+              <a:buSzPts val="1400"/>
+              <a:buFont typeface="Arial"/>
+              <a:buChar char="●"/>
+              <a:defRPr sz="1400" b="0" i="0" u="none" strike="noStrike" cap="none">
+                <a:solidFill>
+                  <a:srgbClr val="000000"/>
+                </a:solidFill>
+                <a:latin typeface="Arial"/>
+                <a:ea typeface="Arial"/>
+                <a:cs typeface="Arial"/>
+                <a:sym typeface="Arial"/>
+              </a:defRPr>
+            </a:lvl4pPr>
+            <a:lvl5pPr marL="2286000" marR="0" lvl="4" indent="-317500" algn="l" rtl="0">
+              <a:lnSpc>
+                <a:spcPct val="100000"/>
+              </a:lnSpc>
+              <a:spcBef>
+                <a:spcPts val="1600"/>
+              </a:spcBef>
+              <a:spcAft>
+                <a:spcPts val="0"/>
+              </a:spcAft>
+              <a:buClr>
+                <a:srgbClr val="000000"/>
+              </a:buClr>
+              <a:buSzPts val="1400"/>
+              <a:buFont typeface="Arial"/>
+              <a:buChar char="○"/>
+              <a:defRPr sz="1400" b="0" i="0" u="none" strike="noStrike" cap="none">
+                <a:solidFill>
+                  <a:srgbClr val="000000"/>
+                </a:solidFill>
+                <a:latin typeface="Arial"/>
+                <a:ea typeface="Arial"/>
+                <a:cs typeface="Arial"/>
+                <a:sym typeface="Arial"/>
+              </a:defRPr>
+            </a:lvl5pPr>
+            <a:lvl6pPr marL="2743200" marR="0" lvl="5" indent="-317500" algn="l" rtl="0">
+              <a:lnSpc>
+                <a:spcPct val="100000"/>
+              </a:lnSpc>
+              <a:spcBef>
+                <a:spcPts val="1600"/>
+              </a:spcBef>
+              <a:spcAft>
+                <a:spcPts val="0"/>
+              </a:spcAft>
+              <a:buClr>
+                <a:srgbClr val="000000"/>
+              </a:buClr>
+              <a:buSzPts val="1400"/>
+              <a:buFont typeface="Arial"/>
+              <a:buChar char="■"/>
+              <a:defRPr sz="1400" b="0" i="0" u="none" strike="noStrike" cap="none">
+                <a:solidFill>
+                  <a:srgbClr val="000000"/>
+                </a:solidFill>
+                <a:latin typeface="Arial"/>
+                <a:ea typeface="Arial"/>
+                <a:cs typeface="Arial"/>
+                <a:sym typeface="Arial"/>
+              </a:defRPr>
+            </a:lvl6pPr>
+            <a:lvl7pPr marL="3200400" marR="0" lvl="6" indent="-317500" algn="l" rtl="0">
+              <a:lnSpc>
+                <a:spcPct val="100000"/>
+              </a:lnSpc>
+              <a:spcBef>
+                <a:spcPts val="1600"/>
+              </a:spcBef>
+              <a:spcAft>
+                <a:spcPts val="0"/>
+              </a:spcAft>
+              <a:buClr>
+                <a:srgbClr val="000000"/>
+              </a:buClr>
+              <a:buSzPts val="1400"/>
+              <a:buFont typeface="Arial"/>
+              <a:buChar char="●"/>
+              <a:defRPr sz="1400" b="0" i="0" u="none" strike="noStrike" cap="none">
+                <a:solidFill>
+                  <a:srgbClr val="000000"/>
+                </a:solidFill>
+                <a:latin typeface="Arial"/>
+                <a:ea typeface="Arial"/>
+                <a:cs typeface="Arial"/>
+                <a:sym typeface="Arial"/>
+              </a:defRPr>
+            </a:lvl7pPr>
+            <a:lvl8pPr marL="3657600" marR="0" lvl="7" indent="-317500" algn="l" rtl="0">
+              <a:lnSpc>
+                <a:spcPct val="100000"/>
+              </a:lnSpc>
+              <a:spcBef>
+                <a:spcPts val="1600"/>
+              </a:spcBef>
+              <a:spcAft>
+                <a:spcPts val="0"/>
+              </a:spcAft>
+              <a:buClr>
+                <a:srgbClr val="000000"/>
+              </a:buClr>
+              <a:buSzPts val="1400"/>
+              <a:buFont typeface="Arial"/>
+              <a:buChar char="○"/>
+              <a:defRPr sz="1400" b="0" i="0" u="none" strike="noStrike" cap="none">
+                <a:solidFill>
+                  <a:srgbClr val="000000"/>
+                </a:solidFill>
+                <a:latin typeface="Arial"/>
+                <a:ea typeface="Arial"/>
+                <a:cs typeface="Arial"/>
+                <a:sym typeface="Arial"/>
+              </a:defRPr>
+            </a:lvl8pPr>
+            <a:lvl9pPr marL="4114800" marR="0" lvl="8" indent="-317500" algn="l" rtl="0">
+              <a:lnSpc>
+                <a:spcPct val="100000"/>
+              </a:lnSpc>
+              <a:spcBef>
+                <a:spcPts val="1600"/>
+              </a:spcBef>
+              <a:spcAft>
+                <a:spcPts val="1600"/>
+              </a:spcAft>
+              <a:buClr>
+                <a:srgbClr val="000000"/>
+              </a:buClr>
+              <a:buSzPts val="1400"/>
+              <a:buFont typeface="Arial"/>
+              <a:buChar char="■"/>
+              <a:defRPr sz="1400" b="0" i="0" u="none" strike="noStrike" cap="none">
+                <a:solidFill>
+                  <a:srgbClr val="000000"/>
+                </a:solidFill>
+                <a:latin typeface="Arial"/>
+                <a:ea typeface="Arial"/>
+                <a:cs typeface="Arial"/>
+                <a:sym typeface="Arial"/>
+              </a:defRPr>
+            </a:lvl9pPr>
+          </a:lstStyle>
+          <a:p>
+            <a:pPr marL="114300" indent="0">
+              <a:buNone/>
+            </a:pPr>
+            <a:r>
+              <a:rPr lang="en-US" sz="1600" dirty="0"/>
+              <a:t>Addition of spatial pyramids, new distance measure.</a:t>
+            </a:r>
+            <a:endParaRPr lang="en-GB" sz="1600" dirty="0"/>
+          </a:p>
+        </p:txBody>
+      </p:sp>
+      <p:sp>
+        <p:nvSpPr>
+          <p:cNvPr id="8" name="Text Placeholder 1">
+            <a:extLst>
+              <a:ext uri="{FF2B5EF4-FFF2-40B4-BE49-F238E27FC236}">
+                <a16:creationId xmlns:a16="http://schemas.microsoft.com/office/drawing/2014/main" id="{471996E6-AEB5-8968-DC51-444A83054D74}"/>
+              </a:ext>
+            </a:extLst>
+          </p:cNvPr>
+          <p:cNvSpPr txBox="1">
+            <a:spLocks/>
+          </p:cNvSpPr>
+          <p:nvPr/>
+        </p:nvSpPr>
+        <p:spPr>
+          <a:xfrm>
+            <a:off x="4597974" y="2872725"/>
+            <a:ext cx="1795985" cy="1277957"/>
+          </a:xfrm>
+          <a:prstGeom prst="rect">
+            <a:avLst/>
+          </a:prstGeom>
+        </p:spPr>
+        <p:txBody>
+          <a:bodyPr spcFirstLastPara="1" wrap="square" lIns="91425" tIns="91425" rIns="91425" bIns="91425" anchor="t" anchorCtr="0"/>
+          <a:lstStyle>
+            <a:defPPr marR="0" lvl="0" algn="l" rtl="0">
+              <a:lnSpc>
+                <a:spcPct val="100000"/>
+              </a:lnSpc>
+              <a:spcBef>
+                <a:spcPts val="0"/>
+              </a:spcBef>
+              <a:spcAft>
+                <a:spcPts val="0"/>
+              </a:spcAft>
+            </a:defPPr>
+            <a:lvl1pPr marL="457200" marR="0" lvl="0" indent="-342900" algn="l" rtl="0">
+              <a:lnSpc>
+                <a:spcPct val="100000"/>
+              </a:lnSpc>
+              <a:spcBef>
+                <a:spcPts val="0"/>
+              </a:spcBef>
+              <a:spcAft>
+                <a:spcPts val="0"/>
+              </a:spcAft>
+              <a:buClr>
+                <a:srgbClr val="000000"/>
+              </a:buClr>
+              <a:buSzPts val="1800"/>
+              <a:buFont typeface="Arial"/>
+              <a:buChar char="●"/>
+              <a:defRPr sz="1800" b="0" i="0" u="none" strike="noStrike" cap="none">
+                <a:solidFill>
+                  <a:srgbClr val="460046"/>
+                </a:solidFill>
+                <a:latin typeface="Arial"/>
+                <a:ea typeface="Arial"/>
+                <a:cs typeface="Arial"/>
+                <a:sym typeface="Arial"/>
+              </a:defRPr>
+            </a:lvl1pPr>
+            <a:lvl2pPr marL="914400" marR="0" lvl="1" indent="-317500" algn="l" rtl="0">
+              <a:lnSpc>
+                <a:spcPct val="100000"/>
+              </a:lnSpc>
+              <a:spcBef>
+                <a:spcPts val="1600"/>
+              </a:spcBef>
+              <a:spcAft>
+                <a:spcPts val="0"/>
+              </a:spcAft>
+              <a:buClr>
+                <a:srgbClr val="000000"/>
+              </a:buClr>
+              <a:buSzPts val="1400"/>
+              <a:buFont typeface="Arial"/>
+              <a:buChar char="○"/>
+              <a:defRPr sz="1400" b="0" i="0" u="none" strike="noStrike" cap="none">
+                <a:solidFill>
+                  <a:srgbClr val="000000"/>
+                </a:solidFill>
+                <a:latin typeface="Arial"/>
+                <a:ea typeface="Arial"/>
+                <a:cs typeface="Arial"/>
+                <a:sym typeface="Arial"/>
+              </a:defRPr>
+            </a:lvl2pPr>
+            <a:lvl3pPr marL="1371600" marR="0" lvl="2" indent="-317500" algn="l" rtl="0">
+              <a:lnSpc>
+                <a:spcPct val="100000"/>
+              </a:lnSpc>
+              <a:spcBef>
+                <a:spcPts val="1600"/>
+              </a:spcBef>
+              <a:spcAft>
+                <a:spcPts val="0"/>
+              </a:spcAft>
+              <a:buClr>
+                <a:srgbClr val="000000"/>
+              </a:buClr>
+              <a:buSzPts val="1400"/>
+              <a:buFont typeface="Arial"/>
+              <a:buChar char="■"/>
+              <a:defRPr sz="1400" b="0" i="0" u="none" strike="noStrike" cap="none">
+                <a:solidFill>
+                  <a:srgbClr val="000000"/>
+                </a:solidFill>
+                <a:latin typeface="Arial"/>
+                <a:ea typeface="Arial"/>
+                <a:cs typeface="Arial"/>
+                <a:sym typeface="Arial"/>
+              </a:defRPr>
+            </a:lvl3pPr>
+            <a:lvl4pPr marL="1828800" marR="0" lvl="3" indent="-317500" algn="l" rtl="0">
+              <a:lnSpc>
+                <a:spcPct val="100000"/>
+              </a:lnSpc>
+              <a:spcBef>
+                <a:spcPts val="1600"/>
+              </a:spcBef>
+              <a:spcAft>
+                <a:spcPts val="0"/>
+              </a:spcAft>
+              <a:buClr>
+                <a:srgbClr val="000000"/>
+              </a:buClr>
+              <a:buSzPts val="1400"/>
+              <a:buFont typeface="Arial"/>
+              <a:buChar char="●"/>
+              <a:defRPr sz="1400" b="0" i="0" u="none" strike="noStrike" cap="none">
+                <a:solidFill>
+                  <a:srgbClr val="000000"/>
+                </a:solidFill>
+                <a:latin typeface="Arial"/>
+                <a:ea typeface="Arial"/>
+                <a:cs typeface="Arial"/>
+                <a:sym typeface="Arial"/>
+              </a:defRPr>
+            </a:lvl4pPr>
+            <a:lvl5pPr marL="2286000" marR="0" lvl="4" indent="-317500" algn="l" rtl="0">
+              <a:lnSpc>
+                <a:spcPct val="100000"/>
+              </a:lnSpc>
+              <a:spcBef>
+                <a:spcPts val="1600"/>
+              </a:spcBef>
+              <a:spcAft>
+                <a:spcPts val="0"/>
+              </a:spcAft>
+              <a:buClr>
+                <a:srgbClr val="000000"/>
+              </a:buClr>
+              <a:buSzPts val="1400"/>
+              <a:buFont typeface="Arial"/>
+              <a:buChar char="○"/>
+              <a:defRPr sz="1400" b="0" i="0" u="none" strike="noStrike" cap="none">
+                <a:solidFill>
+                  <a:srgbClr val="000000"/>
+                </a:solidFill>
+                <a:latin typeface="Arial"/>
+                <a:ea typeface="Arial"/>
+                <a:cs typeface="Arial"/>
+                <a:sym typeface="Arial"/>
+              </a:defRPr>
+            </a:lvl5pPr>
+            <a:lvl6pPr marL="2743200" marR="0" lvl="5" indent="-317500" algn="l" rtl="0">
+              <a:lnSpc>
+                <a:spcPct val="100000"/>
+              </a:lnSpc>
+              <a:spcBef>
+                <a:spcPts val="1600"/>
+              </a:spcBef>
+              <a:spcAft>
+                <a:spcPts val="0"/>
+              </a:spcAft>
+              <a:buClr>
+                <a:srgbClr val="000000"/>
+              </a:buClr>
+              <a:buSzPts val="1400"/>
+              <a:buFont typeface="Arial"/>
+              <a:buChar char="■"/>
+              <a:defRPr sz="1400" b="0" i="0" u="none" strike="noStrike" cap="none">
+                <a:solidFill>
+                  <a:srgbClr val="000000"/>
+                </a:solidFill>
+                <a:latin typeface="Arial"/>
+                <a:ea typeface="Arial"/>
+                <a:cs typeface="Arial"/>
+                <a:sym typeface="Arial"/>
+              </a:defRPr>
+            </a:lvl6pPr>
+            <a:lvl7pPr marL="3200400" marR="0" lvl="6" indent="-317500" algn="l" rtl="0">
+              <a:lnSpc>
+                <a:spcPct val="100000"/>
+              </a:lnSpc>
+              <a:spcBef>
+                <a:spcPts val="1600"/>
+              </a:spcBef>
+              <a:spcAft>
+                <a:spcPts val="0"/>
+              </a:spcAft>
+              <a:buClr>
+                <a:srgbClr val="000000"/>
+              </a:buClr>
+              <a:buSzPts val="1400"/>
+              <a:buFont typeface="Arial"/>
+              <a:buChar char="●"/>
+              <a:defRPr sz="1400" b="0" i="0" u="none" strike="noStrike" cap="none">
+                <a:solidFill>
+                  <a:srgbClr val="000000"/>
+                </a:solidFill>
+                <a:latin typeface="Arial"/>
+                <a:ea typeface="Arial"/>
+                <a:cs typeface="Arial"/>
+                <a:sym typeface="Arial"/>
+              </a:defRPr>
+            </a:lvl7pPr>
+            <a:lvl8pPr marL="3657600" marR="0" lvl="7" indent="-317500" algn="l" rtl="0">
+              <a:lnSpc>
+                <a:spcPct val="100000"/>
+              </a:lnSpc>
+              <a:spcBef>
+                <a:spcPts val="1600"/>
+              </a:spcBef>
+              <a:spcAft>
+                <a:spcPts val="0"/>
+              </a:spcAft>
+              <a:buClr>
+                <a:srgbClr val="000000"/>
+              </a:buClr>
+              <a:buSzPts val="1400"/>
+              <a:buFont typeface="Arial"/>
+              <a:buChar char="○"/>
+              <a:defRPr sz="1400" b="0" i="0" u="none" strike="noStrike" cap="none">
+                <a:solidFill>
+                  <a:srgbClr val="000000"/>
+                </a:solidFill>
+                <a:latin typeface="Arial"/>
+                <a:ea typeface="Arial"/>
+                <a:cs typeface="Arial"/>
+                <a:sym typeface="Arial"/>
+              </a:defRPr>
+            </a:lvl8pPr>
+            <a:lvl9pPr marL="4114800" marR="0" lvl="8" indent="-317500" algn="l" rtl="0">
+              <a:lnSpc>
+                <a:spcPct val="100000"/>
+              </a:lnSpc>
+              <a:spcBef>
+                <a:spcPts val="1600"/>
+              </a:spcBef>
+              <a:spcAft>
+                <a:spcPts val="1600"/>
+              </a:spcAft>
+              <a:buClr>
+                <a:srgbClr val="000000"/>
+              </a:buClr>
+              <a:buSzPts val="1400"/>
+              <a:buFont typeface="Arial"/>
+              <a:buChar char="■"/>
+              <a:defRPr sz="1400" b="0" i="0" u="none" strike="noStrike" cap="none">
+                <a:solidFill>
+                  <a:srgbClr val="000000"/>
+                </a:solidFill>
+                <a:latin typeface="Arial"/>
+                <a:ea typeface="Arial"/>
+                <a:cs typeface="Arial"/>
+                <a:sym typeface="Arial"/>
+              </a:defRPr>
+            </a:lvl9pPr>
+          </a:lstStyle>
+          <a:p>
+            <a:pPr marL="114300" indent="0">
+              <a:buNone/>
+            </a:pPr>
+            <a:r>
+              <a:rPr lang="en-US" sz="1600" dirty="0"/>
+              <a:t>New word extraction techniques.</a:t>
+            </a:r>
+            <a:endParaRPr lang="en-GB" sz="1600" dirty="0"/>
+          </a:p>
+        </p:txBody>
+      </p:sp>
+      <p:sp>
+        <p:nvSpPr>
+          <p:cNvPr id="9" name="Rectangle 8">
+            <a:extLst>
+              <a:ext uri="{FF2B5EF4-FFF2-40B4-BE49-F238E27FC236}">
+                <a16:creationId xmlns:a16="http://schemas.microsoft.com/office/drawing/2014/main" id="{683F5F08-030E-D215-72AA-4C9BD2F158A5}"/>
+              </a:ext>
+            </a:extLst>
+          </p:cNvPr>
+          <p:cNvSpPr/>
+          <p:nvPr/>
+        </p:nvSpPr>
+        <p:spPr>
+          <a:xfrm>
+            <a:off x="3762540" y="4530616"/>
+            <a:ext cx="1608462" cy="771180"/>
+          </a:xfrm>
+          <a:prstGeom prst="rect">
+            <a:avLst/>
+          </a:prstGeom>
+          <a:solidFill>
+            <a:srgbClr val="500064"/>
+          </a:solidFill>
+          <a:ln>
+            <a:noFill/>
+          </a:ln>
+        </p:spPr>
+        <p:style>
+          <a:lnRef idx="2">
+            <a:schemeClr val="accent1">
+              <a:shade val="50000"/>
+            </a:schemeClr>
+          </a:lnRef>
+          <a:fillRef idx="1">
+            <a:schemeClr val="accent1"/>
+          </a:fillRef>
+          <a:effectRef idx="0">
+            <a:schemeClr val="accent1"/>
+          </a:effectRef>
+          <a:fontRef idx="minor">
+            <a:schemeClr val="lt1"/>
+          </a:fontRef>
+        </p:style>
+        <p:txBody>
+          <a:bodyPr rtlCol="0" anchor="ctr"/>
+          <a:lstStyle/>
+          <a:p>
+            <a:pPr algn="ctr"/>
+            <a:r>
+              <a:rPr lang="en-US" sz="1800" b="1" dirty="0">
+                <a:solidFill>
+                  <a:schemeClr val="bg1"/>
+                </a:solidFill>
+              </a:rPr>
+              <a:t>TDE</a:t>
+            </a:r>
+            <a:endParaRPr lang="en-GB" sz="1800" b="1" dirty="0">
+              <a:solidFill>
+                <a:schemeClr val="bg1"/>
+              </a:solidFill>
+            </a:endParaRPr>
+          </a:p>
+        </p:txBody>
+      </p:sp>
+      <p:cxnSp>
+        <p:nvCxnSpPr>
+          <p:cNvPr id="10" name="Straight Arrow Connector 9">
+            <a:extLst>
+              <a:ext uri="{FF2B5EF4-FFF2-40B4-BE49-F238E27FC236}">
+                <a16:creationId xmlns:a16="http://schemas.microsoft.com/office/drawing/2014/main" id="{D8C094FE-1801-1FB3-73E2-21A10016E31D}"/>
+              </a:ext>
+            </a:extLst>
+          </p:cNvPr>
+          <p:cNvCxnSpPr>
+            <a:endCxn id="9" idx="0"/>
+          </p:cNvCxnSpPr>
+          <p:nvPr/>
+        </p:nvCxnSpPr>
+        <p:spPr>
+          <a:xfrm>
+            <a:off x="3397082" y="3764970"/>
+            <a:ext cx="1169689" cy="765646"/>
+          </a:xfrm>
+          <a:prstGeom prst="straightConnector1">
+            <a:avLst/>
+          </a:prstGeom>
+          <a:ln>
+            <a:solidFill>
+              <a:srgbClr val="00AEEF"/>
+            </a:solidFill>
+            <a:tailEnd type="triangle"/>
+          </a:ln>
+        </p:spPr>
+        <p:style>
+          <a:lnRef idx="1">
+            <a:schemeClr val="accent1"/>
+          </a:lnRef>
+          <a:fillRef idx="0">
+            <a:schemeClr val="accent1"/>
+          </a:fillRef>
+          <a:effectRef idx="0">
+            <a:schemeClr val="accent1"/>
+          </a:effectRef>
+          <a:fontRef idx="minor">
+            <a:schemeClr val="tx1"/>
+          </a:fontRef>
+        </p:style>
+      </p:cxnSp>
+      <p:cxnSp>
+        <p:nvCxnSpPr>
+          <p:cNvPr id="11" name="Straight Arrow Connector 10">
+            <a:extLst>
+              <a:ext uri="{FF2B5EF4-FFF2-40B4-BE49-F238E27FC236}">
+                <a16:creationId xmlns:a16="http://schemas.microsoft.com/office/drawing/2014/main" id="{2BBBCB34-EF5E-900B-B0CA-B12653B33B15}"/>
+              </a:ext>
+            </a:extLst>
+          </p:cNvPr>
+          <p:cNvCxnSpPr>
+            <a:endCxn id="9" idx="0"/>
+          </p:cNvCxnSpPr>
+          <p:nvPr/>
+        </p:nvCxnSpPr>
+        <p:spPr>
+          <a:xfrm>
+            <a:off x="1642133" y="3764970"/>
+            <a:ext cx="2924638" cy="765647"/>
+          </a:xfrm>
+          <a:prstGeom prst="straightConnector1">
+            <a:avLst/>
+          </a:prstGeom>
+          <a:ln>
+            <a:solidFill>
+              <a:srgbClr val="00AEEF"/>
+            </a:solidFill>
+            <a:tailEnd type="triangle"/>
+          </a:ln>
+        </p:spPr>
+        <p:style>
+          <a:lnRef idx="1">
+            <a:schemeClr val="accent1"/>
+          </a:lnRef>
+          <a:fillRef idx="0">
+            <a:schemeClr val="accent1"/>
+          </a:fillRef>
+          <a:effectRef idx="0">
+            <a:schemeClr val="accent1"/>
+          </a:effectRef>
+          <a:fontRef idx="minor">
+            <a:schemeClr val="tx1"/>
+          </a:fontRef>
+        </p:style>
+      </p:cxnSp>
+      <p:cxnSp>
+        <p:nvCxnSpPr>
+          <p:cNvPr id="12" name="Straight Arrow Connector 11">
+            <a:extLst>
+              <a:ext uri="{FF2B5EF4-FFF2-40B4-BE49-F238E27FC236}">
+                <a16:creationId xmlns:a16="http://schemas.microsoft.com/office/drawing/2014/main" id="{9A48B241-4023-EB1B-FFDE-43D61809B6E7}"/>
+              </a:ext>
+            </a:extLst>
+          </p:cNvPr>
+          <p:cNvCxnSpPr>
+            <a:endCxn id="9" idx="0"/>
+          </p:cNvCxnSpPr>
+          <p:nvPr/>
+        </p:nvCxnSpPr>
+        <p:spPr>
+          <a:xfrm flipH="1">
+            <a:off x="4566771" y="3764970"/>
+            <a:ext cx="569828" cy="765646"/>
+          </a:xfrm>
+          <a:prstGeom prst="straightConnector1">
+            <a:avLst/>
+          </a:prstGeom>
+          <a:ln>
+            <a:solidFill>
+              <a:srgbClr val="00AEEF"/>
+            </a:solidFill>
+            <a:tailEnd type="triangle"/>
+          </a:ln>
+        </p:spPr>
+        <p:style>
+          <a:lnRef idx="1">
+            <a:schemeClr val="accent1"/>
+          </a:lnRef>
+          <a:fillRef idx="0">
+            <a:schemeClr val="accent1"/>
+          </a:fillRef>
+          <a:effectRef idx="0">
+            <a:schemeClr val="accent1"/>
+          </a:effectRef>
+          <a:fontRef idx="minor">
+            <a:schemeClr val="tx1"/>
+          </a:fontRef>
+        </p:style>
+      </p:cxnSp>
+      <p:cxnSp>
+        <p:nvCxnSpPr>
+          <p:cNvPr id="13" name="Straight Arrow Connector 12">
+            <a:extLst>
+              <a:ext uri="{FF2B5EF4-FFF2-40B4-BE49-F238E27FC236}">
+                <a16:creationId xmlns:a16="http://schemas.microsoft.com/office/drawing/2014/main" id="{7432F48F-EC94-FD54-8938-306226D6B589}"/>
+              </a:ext>
+            </a:extLst>
+          </p:cNvPr>
+          <p:cNvCxnSpPr>
+            <a:cxnSpLocks/>
+            <a:endCxn id="9" idx="1"/>
+          </p:cNvCxnSpPr>
+          <p:nvPr/>
+        </p:nvCxnSpPr>
+        <p:spPr>
+          <a:xfrm flipV="1">
+            <a:off x="2857539" y="4916206"/>
+            <a:ext cx="905001" cy="182901"/>
+          </a:xfrm>
+          <a:prstGeom prst="straightConnector1">
+            <a:avLst/>
+          </a:prstGeom>
+          <a:ln>
+            <a:solidFill>
+              <a:srgbClr val="00AEEF"/>
+            </a:solidFill>
+            <a:tailEnd type="triangle"/>
+          </a:ln>
+        </p:spPr>
+        <p:style>
+          <a:lnRef idx="1">
+            <a:schemeClr val="accent1"/>
+          </a:lnRef>
+          <a:fillRef idx="0">
+            <a:schemeClr val="accent1"/>
+          </a:fillRef>
+          <a:effectRef idx="0">
+            <a:schemeClr val="accent1"/>
+          </a:effectRef>
+          <a:fontRef idx="minor">
+            <a:schemeClr val="tx1"/>
+          </a:fontRef>
+        </p:style>
+      </p:cxnSp>
+      <p:sp>
+        <p:nvSpPr>
+          <p:cNvPr id="14" name="Rectangle 13">
+            <a:extLst>
+              <a:ext uri="{FF2B5EF4-FFF2-40B4-BE49-F238E27FC236}">
+                <a16:creationId xmlns:a16="http://schemas.microsoft.com/office/drawing/2014/main" id="{7DC9822D-3758-D4F8-D36D-A68EEC07F2DD}"/>
+              </a:ext>
+            </a:extLst>
+          </p:cNvPr>
+          <p:cNvSpPr/>
+          <p:nvPr/>
+        </p:nvSpPr>
+        <p:spPr>
+          <a:xfrm>
+            <a:off x="2756027" y="905164"/>
+            <a:ext cx="1282109" cy="692966"/>
+          </a:xfrm>
+          <a:prstGeom prst="rect">
+            <a:avLst/>
+          </a:prstGeom>
+          <a:solidFill>
+            <a:srgbClr val="500064"/>
+          </a:solidFill>
+          <a:ln>
+            <a:noFill/>
+          </a:ln>
+        </p:spPr>
+        <p:style>
+          <a:lnRef idx="2">
+            <a:schemeClr val="accent1">
+              <a:shade val="50000"/>
+            </a:schemeClr>
+          </a:lnRef>
+          <a:fillRef idx="1">
+            <a:schemeClr val="accent1"/>
+          </a:fillRef>
+          <a:effectRef idx="0">
+            <a:schemeClr val="accent1"/>
+          </a:effectRef>
+          <a:fontRef idx="minor">
+            <a:schemeClr val="lt1"/>
+          </a:fontRef>
+        </p:style>
+        <p:txBody>
+          <a:bodyPr rtlCol="0" anchor="ctr"/>
+          <a:lstStyle/>
+          <a:p>
+            <a:pPr algn="ctr"/>
+            <a:r>
+              <a:rPr lang="en-US" sz="1600" b="1" dirty="0">
+                <a:solidFill>
+                  <a:schemeClr val="bg1"/>
+                </a:solidFill>
+              </a:rPr>
+              <a:t>BOSS</a:t>
+            </a:r>
+            <a:endParaRPr lang="en-GB" sz="1600" b="1" dirty="0">
+              <a:solidFill>
+                <a:schemeClr val="bg1"/>
+              </a:solidFill>
+            </a:endParaRPr>
+          </a:p>
+        </p:txBody>
+      </p:sp>
+      <p:cxnSp>
+        <p:nvCxnSpPr>
+          <p:cNvPr id="15" name="Straight Arrow Connector 14">
+            <a:extLst>
+              <a:ext uri="{FF2B5EF4-FFF2-40B4-BE49-F238E27FC236}">
+                <a16:creationId xmlns:a16="http://schemas.microsoft.com/office/drawing/2014/main" id="{B646B39A-5176-799B-F054-ACEF9D7A75F9}"/>
+              </a:ext>
+            </a:extLst>
+          </p:cNvPr>
+          <p:cNvCxnSpPr>
+            <a:stCxn id="14" idx="2"/>
+            <a:endCxn id="5" idx="0"/>
+          </p:cNvCxnSpPr>
+          <p:nvPr/>
+        </p:nvCxnSpPr>
+        <p:spPr>
+          <a:xfrm>
+            <a:off x="3397082" y="1598131"/>
+            <a:ext cx="1739517" cy="616999"/>
+          </a:xfrm>
+          <a:prstGeom prst="straightConnector1">
+            <a:avLst/>
+          </a:prstGeom>
+          <a:ln>
+            <a:solidFill>
+              <a:srgbClr val="00AEEF"/>
+            </a:solidFill>
+            <a:tailEnd type="triangle"/>
+          </a:ln>
+        </p:spPr>
+        <p:style>
+          <a:lnRef idx="1">
+            <a:schemeClr val="accent1"/>
+          </a:lnRef>
+          <a:fillRef idx="0">
+            <a:schemeClr val="accent1"/>
+          </a:fillRef>
+          <a:effectRef idx="0">
+            <a:schemeClr val="accent1"/>
+          </a:effectRef>
+          <a:fontRef idx="minor">
+            <a:schemeClr val="tx1"/>
+          </a:fontRef>
+        </p:style>
+      </p:cxnSp>
+      <p:cxnSp>
+        <p:nvCxnSpPr>
+          <p:cNvPr id="16" name="Straight Arrow Connector 15">
+            <a:extLst>
+              <a:ext uri="{FF2B5EF4-FFF2-40B4-BE49-F238E27FC236}">
+                <a16:creationId xmlns:a16="http://schemas.microsoft.com/office/drawing/2014/main" id="{789B75B1-48E8-6E67-1CC7-FB8606E7DCC2}"/>
+              </a:ext>
+            </a:extLst>
+          </p:cNvPr>
+          <p:cNvCxnSpPr>
+            <a:stCxn id="14" idx="2"/>
+            <a:endCxn id="4" idx="0"/>
+          </p:cNvCxnSpPr>
+          <p:nvPr/>
+        </p:nvCxnSpPr>
+        <p:spPr>
+          <a:xfrm flipH="1">
+            <a:off x="3388831" y="1598130"/>
+            <a:ext cx="8251" cy="625968"/>
+          </a:xfrm>
+          <a:prstGeom prst="straightConnector1">
+            <a:avLst/>
+          </a:prstGeom>
+          <a:ln>
+            <a:solidFill>
+              <a:srgbClr val="00AEEF"/>
+            </a:solidFill>
+            <a:tailEnd type="triangle"/>
+          </a:ln>
+        </p:spPr>
+        <p:style>
+          <a:lnRef idx="1">
+            <a:schemeClr val="accent1"/>
+          </a:lnRef>
+          <a:fillRef idx="0">
+            <a:schemeClr val="accent1"/>
+          </a:fillRef>
+          <a:effectRef idx="0">
+            <a:schemeClr val="accent1"/>
+          </a:effectRef>
+          <a:fontRef idx="minor">
+            <a:schemeClr val="tx1"/>
+          </a:fontRef>
+        </p:style>
+      </p:cxnSp>
+      <p:cxnSp>
+        <p:nvCxnSpPr>
+          <p:cNvPr id="17" name="Straight Arrow Connector 16">
+            <a:extLst>
+              <a:ext uri="{FF2B5EF4-FFF2-40B4-BE49-F238E27FC236}">
+                <a16:creationId xmlns:a16="http://schemas.microsoft.com/office/drawing/2014/main" id="{E5843CB8-D7E6-EF01-EF2A-B0A12C9723FE}"/>
+              </a:ext>
+            </a:extLst>
+          </p:cNvPr>
+          <p:cNvCxnSpPr>
+            <a:stCxn id="14" idx="2"/>
+            <a:endCxn id="3" idx="0"/>
+          </p:cNvCxnSpPr>
+          <p:nvPr/>
+        </p:nvCxnSpPr>
+        <p:spPr>
+          <a:xfrm flipH="1">
+            <a:off x="1642135" y="1598130"/>
+            <a:ext cx="1754947" cy="625968"/>
+          </a:xfrm>
+          <a:prstGeom prst="straightConnector1">
+            <a:avLst/>
+          </a:prstGeom>
+          <a:ln>
+            <a:solidFill>
+              <a:srgbClr val="00AEEF"/>
+            </a:solidFill>
+            <a:tailEnd type="triangle"/>
+          </a:ln>
+        </p:spPr>
+        <p:style>
+          <a:lnRef idx="1">
+            <a:schemeClr val="accent1"/>
+          </a:lnRef>
+          <a:fillRef idx="0">
+            <a:schemeClr val="accent1"/>
+          </a:fillRef>
+          <a:effectRef idx="0">
+            <a:schemeClr val="accent1"/>
+          </a:effectRef>
+          <a:fontRef idx="minor">
+            <a:schemeClr val="tx1"/>
+          </a:fontRef>
+        </p:style>
+      </p:cxnSp>
+      <p:sp>
+        <p:nvSpPr>
+          <p:cNvPr id="18" name="Rectangle 17">
+            <a:extLst>
+              <a:ext uri="{FF2B5EF4-FFF2-40B4-BE49-F238E27FC236}">
+                <a16:creationId xmlns:a16="http://schemas.microsoft.com/office/drawing/2014/main" id="{3BB909CA-E887-4BC2-EFA0-DA23931E2C89}"/>
+              </a:ext>
+            </a:extLst>
+          </p:cNvPr>
+          <p:cNvSpPr/>
+          <p:nvPr/>
+        </p:nvSpPr>
+        <p:spPr>
+          <a:xfrm>
+            <a:off x="766618" y="5099107"/>
+            <a:ext cx="2090921" cy="966337"/>
+          </a:xfrm>
+          <a:prstGeom prst="rect">
+            <a:avLst/>
+          </a:prstGeom>
+          <a:solidFill>
+            <a:schemeClr val="bg1"/>
+          </a:solidFill>
+          <a:ln>
+            <a:solidFill>
+              <a:srgbClr val="500064"/>
+            </a:solidFill>
+            <a:prstDash val="dash"/>
+          </a:ln>
+        </p:spPr>
+        <p:style>
+          <a:lnRef idx="2">
+            <a:schemeClr val="accent1">
+              <a:shade val="50000"/>
+            </a:schemeClr>
+          </a:lnRef>
+          <a:fillRef idx="1">
+            <a:schemeClr val="accent1"/>
+          </a:fillRef>
+          <a:effectRef idx="0">
+            <a:schemeClr val="accent1"/>
+          </a:effectRef>
+          <a:fontRef idx="minor">
+            <a:schemeClr val="lt1"/>
+          </a:fontRef>
+        </p:style>
+        <p:txBody>
+          <a:bodyPr rtlCol="0" anchor="ctr"/>
+          <a:lstStyle/>
+          <a:p>
+            <a:pPr algn="ctr"/>
+            <a:r>
+              <a:rPr lang="en-US" sz="1600" dirty="0">
+                <a:solidFill>
+                  <a:srgbClr val="500064"/>
+                </a:solidFill>
+              </a:rPr>
+              <a:t>Gaussian process based parameter selection.</a:t>
+            </a:r>
+            <a:endParaRPr lang="en-GB" sz="1600" dirty="0">
+              <a:solidFill>
+                <a:srgbClr val="500064"/>
+              </a:solidFill>
+            </a:endParaRPr>
+          </a:p>
+        </p:txBody>
+      </p:sp>
+      <p:sp>
+        <p:nvSpPr>
+          <p:cNvPr id="20" name="Title 1">
+            <a:extLst>
+              <a:ext uri="{FF2B5EF4-FFF2-40B4-BE49-F238E27FC236}">
+                <a16:creationId xmlns:a16="http://schemas.microsoft.com/office/drawing/2014/main" id="{E8D9A5AE-C5F7-8727-0984-2BFD3EF7B4C2}"/>
+              </a:ext>
+            </a:extLst>
+          </p:cNvPr>
+          <p:cNvSpPr txBox="1">
+            <a:spLocks/>
+          </p:cNvSpPr>
+          <p:nvPr/>
+        </p:nvSpPr>
+        <p:spPr>
+          <a:xfrm>
+            <a:off x="6491496" y="905164"/>
+            <a:ext cx="5353016" cy="4417408"/>
+          </a:xfrm>
+          <a:prstGeom prst="rect">
+            <a:avLst/>
+          </a:prstGeom>
+        </p:spPr>
+        <p:txBody>
+          <a:bodyPr vert="horz" lIns="91440" tIns="45720" rIns="91440" bIns="45720" rtlCol="0" anchor="b">
+            <a:noAutofit/>
+          </a:bodyPr>
+          <a:lstStyle>
+            <a:lvl1pPr algn="ctr" defTabSz="914400" rtl="0" eaLnBrk="1" latinLnBrk="0" hangingPunct="1">
+              <a:lnSpc>
+                <a:spcPct val="90000"/>
+              </a:lnSpc>
+              <a:spcBef>
+                <a:spcPct val="0"/>
+              </a:spcBef>
+              <a:buNone/>
+              <a:defRPr sz="6000" kern="1200">
+                <a:solidFill>
+                  <a:schemeClr val="tx1"/>
+                </a:solidFill>
+                <a:latin typeface="+mj-lt"/>
+                <a:ea typeface="+mj-ea"/>
+                <a:cs typeface="+mj-cs"/>
+              </a:defRPr>
+            </a:lvl1pPr>
+          </a:lstStyle>
+          <a:p>
+            <a:pPr marL="342900" indent="-342900" algn="l">
+              <a:buFont typeface="Arial" panose="020B0604020202020204" pitchFamily="34" charset="0"/>
+              <a:buChar char="•"/>
+            </a:pPr>
+            <a:r>
+              <a:rPr lang="en-AU" sz="2400" b="1" dirty="0"/>
+              <a:t>Design: Ensemble</a:t>
+            </a:r>
+            <a:r>
+              <a:rPr lang="en-AU" sz="2400" dirty="0"/>
+              <a:t> of nearest neighbour classifiers using distance between histograms</a:t>
+            </a:r>
+          </a:p>
+          <a:p>
+            <a:pPr marL="342900" indent="-342900" algn="l">
+              <a:buFont typeface="Arial" panose="020B0604020202020204" pitchFamily="34" charset="0"/>
+              <a:buChar char="•"/>
+            </a:pPr>
+            <a:r>
+              <a:rPr lang="en-AU" sz="2400" b="1" dirty="0"/>
+              <a:t>Accuracy weighting:</a:t>
+            </a:r>
+            <a:r>
+              <a:rPr lang="en-AU" sz="2400" dirty="0"/>
+              <a:t> when fitting model, each base classifier produces a LOOCV estimate. These are combined to produce the overall estimate</a:t>
+            </a:r>
+          </a:p>
+          <a:p>
+            <a:pPr marL="342900" indent="-342900" algn="l">
+              <a:buFont typeface="Arial" panose="020B0604020202020204" pitchFamily="34" charset="0"/>
+              <a:buChar char="•"/>
+            </a:pPr>
+            <a:r>
+              <a:rPr lang="en-AU" sz="2400" b="1" dirty="0"/>
+              <a:t>Positive Bias? </a:t>
+            </a:r>
+            <a:r>
+              <a:rPr lang="en-AU" sz="2400" dirty="0"/>
+              <a:t>likely to be optimistic since weight found after optimisation process</a:t>
             </a:r>
           </a:p>
         </p:txBody>
@@ -4124,11 +5766,3229 @@
           <a:p>
             <a:r>
               <a:rPr lang="en-GB" dirty="0"/>
-              <a:t>HC2 Module 3: The Arsenal</a:t>
+              <a:t>Convolution based: The Arsenal</a:t>
             </a:r>
           </a:p>
         </p:txBody>
       </p:sp>
+      <p:sp>
+        <p:nvSpPr>
+          <p:cNvPr id="3" name="Rectangle 2">
+            <a:extLst>
+              <a:ext uri="{FF2B5EF4-FFF2-40B4-BE49-F238E27FC236}">
+                <a16:creationId xmlns:a16="http://schemas.microsoft.com/office/drawing/2014/main" id="{5CC338E7-F802-4DFB-BF3B-35384B9920D0}"/>
+              </a:ext>
+            </a:extLst>
+          </p:cNvPr>
+          <p:cNvSpPr/>
+          <p:nvPr/>
+        </p:nvSpPr>
+        <p:spPr>
+          <a:xfrm>
+            <a:off x="1240406" y="1131180"/>
+            <a:ext cx="4045478" cy="2503604"/>
+          </a:xfrm>
+          <a:prstGeom prst="rect">
+            <a:avLst/>
+          </a:prstGeom>
+          <a:noFill/>
+          <a:ln w="38100">
+            <a:solidFill>
+              <a:srgbClr val="500064"/>
+            </a:solidFill>
+            <a:prstDash val="sysDash"/>
+          </a:ln>
+        </p:spPr>
+        <p:style>
+          <a:lnRef idx="2">
+            <a:schemeClr val="accent1">
+              <a:shade val="50000"/>
+            </a:schemeClr>
+          </a:lnRef>
+          <a:fillRef idx="1">
+            <a:schemeClr val="accent1"/>
+          </a:fillRef>
+          <a:effectRef idx="0">
+            <a:schemeClr val="accent1"/>
+          </a:effectRef>
+          <a:fontRef idx="minor">
+            <a:schemeClr val="lt1"/>
+          </a:fontRef>
+        </p:style>
+        <p:txBody>
+          <a:bodyPr rtlCol="0" anchor="ctr"/>
+          <a:lstStyle>
+            <a:defPPr marR="0" lvl="0" algn="l" rtl="0">
+              <a:lnSpc>
+                <a:spcPct val="100000"/>
+              </a:lnSpc>
+              <a:spcBef>
+                <a:spcPts val="0"/>
+              </a:spcBef>
+              <a:spcAft>
+                <a:spcPts val="0"/>
+              </a:spcAft>
+            </a:defPPr>
+            <a:lvl1pPr marR="0" lvl="0" algn="l" rtl="0">
+              <a:lnSpc>
+                <a:spcPct val="100000"/>
+              </a:lnSpc>
+              <a:spcBef>
+                <a:spcPts val="0"/>
+              </a:spcBef>
+              <a:spcAft>
+                <a:spcPts val="0"/>
+              </a:spcAft>
+              <a:buClr>
+                <a:srgbClr val="000000"/>
+              </a:buClr>
+              <a:buFont typeface="Arial"/>
+              <a:defRPr sz="1400" b="0" i="0" u="none" strike="noStrike" cap="none">
+                <a:solidFill>
+                  <a:schemeClr val="lt1"/>
+                </a:solidFill>
+                <a:latin typeface="+mn-lt"/>
+                <a:ea typeface="+mn-ea"/>
+                <a:cs typeface="+mn-cs"/>
+                <a:sym typeface="Arial"/>
+              </a:defRPr>
+            </a:lvl1pPr>
+            <a:lvl2pPr marR="0" lvl="1" algn="l" rtl="0">
+              <a:lnSpc>
+                <a:spcPct val="100000"/>
+              </a:lnSpc>
+              <a:spcBef>
+                <a:spcPts val="0"/>
+              </a:spcBef>
+              <a:spcAft>
+                <a:spcPts val="0"/>
+              </a:spcAft>
+              <a:buClr>
+                <a:srgbClr val="000000"/>
+              </a:buClr>
+              <a:buFont typeface="Arial"/>
+              <a:defRPr sz="1400" b="0" i="0" u="none" strike="noStrike" cap="none">
+                <a:solidFill>
+                  <a:schemeClr val="lt1"/>
+                </a:solidFill>
+                <a:latin typeface="+mn-lt"/>
+                <a:ea typeface="+mn-ea"/>
+                <a:cs typeface="+mn-cs"/>
+                <a:sym typeface="Arial"/>
+              </a:defRPr>
+            </a:lvl2pPr>
+            <a:lvl3pPr marR="0" lvl="2" algn="l" rtl="0">
+              <a:lnSpc>
+                <a:spcPct val="100000"/>
+              </a:lnSpc>
+              <a:spcBef>
+                <a:spcPts val="0"/>
+              </a:spcBef>
+              <a:spcAft>
+                <a:spcPts val="0"/>
+              </a:spcAft>
+              <a:buClr>
+                <a:srgbClr val="000000"/>
+              </a:buClr>
+              <a:buFont typeface="Arial"/>
+              <a:defRPr sz="1400" b="0" i="0" u="none" strike="noStrike" cap="none">
+                <a:solidFill>
+                  <a:schemeClr val="lt1"/>
+                </a:solidFill>
+                <a:latin typeface="+mn-lt"/>
+                <a:ea typeface="+mn-ea"/>
+                <a:cs typeface="+mn-cs"/>
+                <a:sym typeface="Arial"/>
+              </a:defRPr>
+            </a:lvl3pPr>
+            <a:lvl4pPr marR="0" lvl="3" algn="l" rtl="0">
+              <a:lnSpc>
+                <a:spcPct val="100000"/>
+              </a:lnSpc>
+              <a:spcBef>
+                <a:spcPts val="0"/>
+              </a:spcBef>
+              <a:spcAft>
+                <a:spcPts val="0"/>
+              </a:spcAft>
+              <a:buClr>
+                <a:srgbClr val="000000"/>
+              </a:buClr>
+              <a:buFont typeface="Arial"/>
+              <a:defRPr sz="1400" b="0" i="0" u="none" strike="noStrike" cap="none">
+                <a:solidFill>
+                  <a:schemeClr val="lt1"/>
+                </a:solidFill>
+                <a:latin typeface="+mn-lt"/>
+                <a:ea typeface="+mn-ea"/>
+                <a:cs typeface="+mn-cs"/>
+                <a:sym typeface="Arial"/>
+              </a:defRPr>
+            </a:lvl4pPr>
+            <a:lvl5pPr marR="0" lvl="4" algn="l" rtl="0">
+              <a:lnSpc>
+                <a:spcPct val="100000"/>
+              </a:lnSpc>
+              <a:spcBef>
+                <a:spcPts val="0"/>
+              </a:spcBef>
+              <a:spcAft>
+                <a:spcPts val="0"/>
+              </a:spcAft>
+              <a:buClr>
+                <a:srgbClr val="000000"/>
+              </a:buClr>
+              <a:buFont typeface="Arial"/>
+              <a:defRPr sz="1400" b="0" i="0" u="none" strike="noStrike" cap="none">
+                <a:solidFill>
+                  <a:schemeClr val="lt1"/>
+                </a:solidFill>
+                <a:latin typeface="+mn-lt"/>
+                <a:ea typeface="+mn-ea"/>
+                <a:cs typeface="+mn-cs"/>
+                <a:sym typeface="Arial"/>
+              </a:defRPr>
+            </a:lvl5pPr>
+            <a:lvl6pPr marR="0" lvl="5" algn="l" rtl="0">
+              <a:lnSpc>
+                <a:spcPct val="100000"/>
+              </a:lnSpc>
+              <a:spcBef>
+                <a:spcPts val="0"/>
+              </a:spcBef>
+              <a:spcAft>
+                <a:spcPts val="0"/>
+              </a:spcAft>
+              <a:buClr>
+                <a:srgbClr val="000000"/>
+              </a:buClr>
+              <a:buFont typeface="Arial"/>
+              <a:defRPr sz="1400" b="0" i="0" u="none" strike="noStrike" cap="none">
+                <a:solidFill>
+                  <a:schemeClr val="lt1"/>
+                </a:solidFill>
+                <a:latin typeface="+mn-lt"/>
+                <a:ea typeface="+mn-ea"/>
+                <a:cs typeface="+mn-cs"/>
+                <a:sym typeface="Arial"/>
+              </a:defRPr>
+            </a:lvl6pPr>
+            <a:lvl7pPr marR="0" lvl="6" algn="l" rtl="0">
+              <a:lnSpc>
+                <a:spcPct val="100000"/>
+              </a:lnSpc>
+              <a:spcBef>
+                <a:spcPts val="0"/>
+              </a:spcBef>
+              <a:spcAft>
+                <a:spcPts val="0"/>
+              </a:spcAft>
+              <a:buClr>
+                <a:srgbClr val="000000"/>
+              </a:buClr>
+              <a:buFont typeface="Arial"/>
+              <a:defRPr sz="1400" b="0" i="0" u="none" strike="noStrike" cap="none">
+                <a:solidFill>
+                  <a:schemeClr val="lt1"/>
+                </a:solidFill>
+                <a:latin typeface="+mn-lt"/>
+                <a:ea typeface="+mn-ea"/>
+                <a:cs typeface="+mn-cs"/>
+                <a:sym typeface="Arial"/>
+              </a:defRPr>
+            </a:lvl7pPr>
+            <a:lvl8pPr marR="0" lvl="7" algn="l" rtl="0">
+              <a:lnSpc>
+                <a:spcPct val="100000"/>
+              </a:lnSpc>
+              <a:spcBef>
+                <a:spcPts val="0"/>
+              </a:spcBef>
+              <a:spcAft>
+                <a:spcPts val="0"/>
+              </a:spcAft>
+              <a:buClr>
+                <a:srgbClr val="000000"/>
+              </a:buClr>
+              <a:buFont typeface="Arial"/>
+              <a:defRPr sz="1400" b="0" i="0" u="none" strike="noStrike" cap="none">
+                <a:solidFill>
+                  <a:schemeClr val="lt1"/>
+                </a:solidFill>
+                <a:latin typeface="+mn-lt"/>
+                <a:ea typeface="+mn-ea"/>
+                <a:cs typeface="+mn-cs"/>
+                <a:sym typeface="Arial"/>
+              </a:defRPr>
+            </a:lvl8pPr>
+            <a:lvl9pPr marR="0" lvl="8" algn="l" rtl="0">
+              <a:lnSpc>
+                <a:spcPct val="100000"/>
+              </a:lnSpc>
+              <a:spcBef>
+                <a:spcPts val="0"/>
+              </a:spcBef>
+              <a:spcAft>
+                <a:spcPts val="0"/>
+              </a:spcAft>
+              <a:buClr>
+                <a:srgbClr val="000000"/>
+              </a:buClr>
+              <a:buFont typeface="Arial"/>
+              <a:defRPr sz="1400" b="0" i="0" u="none" strike="noStrike" cap="none">
+                <a:solidFill>
+                  <a:schemeClr val="lt1"/>
+                </a:solidFill>
+                <a:latin typeface="+mn-lt"/>
+                <a:ea typeface="+mn-ea"/>
+                <a:cs typeface="+mn-cs"/>
+                <a:sym typeface="Arial"/>
+              </a:defRPr>
+            </a:lvl9pPr>
+          </a:lstStyle>
+          <a:p>
+            <a:pPr algn="ctr"/>
+            <a:endParaRPr lang="en-GB">
+              <a:solidFill>
+                <a:srgbClr val="0070C0"/>
+              </a:solidFill>
+            </a:endParaRPr>
+          </a:p>
+        </p:txBody>
+      </p:sp>
+      <p:sp>
+        <p:nvSpPr>
+          <p:cNvPr id="5" name="Rectangle 4">
+            <a:extLst>
+              <a:ext uri="{FF2B5EF4-FFF2-40B4-BE49-F238E27FC236}">
+                <a16:creationId xmlns:a16="http://schemas.microsoft.com/office/drawing/2014/main" id="{37B7EEFC-A5CA-428F-8542-E9CD4E13BD2B}"/>
+              </a:ext>
+            </a:extLst>
+          </p:cNvPr>
+          <p:cNvSpPr/>
+          <p:nvPr/>
+        </p:nvSpPr>
+        <p:spPr>
+          <a:xfrm>
+            <a:off x="1392774" y="1811342"/>
+            <a:ext cx="801555" cy="582209"/>
+          </a:xfrm>
+          <a:prstGeom prst="rect">
+            <a:avLst/>
+          </a:prstGeom>
+          <a:solidFill>
+            <a:srgbClr val="500064"/>
+          </a:solidFill>
+          <a:ln>
+            <a:noFill/>
+          </a:ln>
+        </p:spPr>
+        <p:style>
+          <a:lnRef idx="2">
+            <a:schemeClr val="accent1">
+              <a:shade val="50000"/>
+            </a:schemeClr>
+          </a:lnRef>
+          <a:fillRef idx="1">
+            <a:schemeClr val="accent1"/>
+          </a:fillRef>
+          <a:effectRef idx="0">
+            <a:schemeClr val="accent1"/>
+          </a:effectRef>
+          <a:fontRef idx="minor">
+            <a:schemeClr val="lt1"/>
+          </a:fontRef>
+        </p:style>
+        <p:txBody>
+          <a:bodyPr rtlCol="0" anchor="ctr"/>
+          <a:lstStyle>
+            <a:defPPr marR="0" lvl="0" algn="l" rtl="0">
+              <a:lnSpc>
+                <a:spcPct val="100000"/>
+              </a:lnSpc>
+              <a:spcBef>
+                <a:spcPts val="0"/>
+              </a:spcBef>
+              <a:spcAft>
+                <a:spcPts val="0"/>
+              </a:spcAft>
+            </a:defPPr>
+            <a:lvl1pPr marR="0" lvl="0" algn="l" rtl="0">
+              <a:lnSpc>
+                <a:spcPct val="100000"/>
+              </a:lnSpc>
+              <a:spcBef>
+                <a:spcPts val="0"/>
+              </a:spcBef>
+              <a:spcAft>
+                <a:spcPts val="0"/>
+              </a:spcAft>
+              <a:buClr>
+                <a:srgbClr val="000000"/>
+              </a:buClr>
+              <a:buFont typeface="Arial"/>
+              <a:defRPr sz="1400" b="0" i="0" u="none" strike="noStrike" cap="none">
+                <a:solidFill>
+                  <a:schemeClr val="lt1"/>
+                </a:solidFill>
+                <a:latin typeface="+mn-lt"/>
+                <a:ea typeface="+mn-ea"/>
+                <a:cs typeface="+mn-cs"/>
+                <a:sym typeface="Arial"/>
+              </a:defRPr>
+            </a:lvl1pPr>
+            <a:lvl2pPr marR="0" lvl="1" algn="l" rtl="0">
+              <a:lnSpc>
+                <a:spcPct val="100000"/>
+              </a:lnSpc>
+              <a:spcBef>
+                <a:spcPts val="0"/>
+              </a:spcBef>
+              <a:spcAft>
+                <a:spcPts val="0"/>
+              </a:spcAft>
+              <a:buClr>
+                <a:srgbClr val="000000"/>
+              </a:buClr>
+              <a:buFont typeface="Arial"/>
+              <a:defRPr sz="1400" b="0" i="0" u="none" strike="noStrike" cap="none">
+                <a:solidFill>
+                  <a:schemeClr val="lt1"/>
+                </a:solidFill>
+                <a:latin typeface="+mn-lt"/>
+                <a:ea typeface="+mn-ea"/>
+                <a:cs typeface="+mn-cs"/>
+                <a:sym typeface="Arial"/>
+              </a:defRPr>
+            </a:lvl2pPr>
+            <a:lvl3pPr marR="0" lvl="2" algn="l" rtl="0">
+              <a:lnSpc>
+                <a:spcPct val="100000"/>
+              </a:lnSpc>
+              <a:spcBef>
+                <a:spcPts val="0"/>
+              </a:spcBef>
+              <a:spcAft>
+                <a:spcPts val="0"/>
+              </a:spcAft>
+              <a:buClr>
+                <a:srgbClr val="000000"/>
+              </a:buClr>
+              <a:buFont typeface="Arial"/>
+              <a:defRPr sz="1400" b="0" i="0" u="none" strike="noStrike" cap="none">
+                <a:solidFill>
+                  <a:schemeClr val="lt1"/>
+                </a:solidFill>
+                <a:latin typeface="+mn-lt"/>
+                <a:ea typeface="+mn-ea"/>
+                <a:cs typeface="+mn-cs"/>
+                <a:sym typeface="Arial"/>
+              </a:defRPr>
+            </a:lvl3pPr>
+            <a:lvl4pPr marR="0" lvl="3" algn="l" rtl="0">
+              <a:lnSpc>
+                <a:spcPct val="100000"/>
+              </a:lnSpc>
+              <a:spcBef>
+                <a:spcPts val="0"/>
+              </a:spcBef>
+              <a:spcAft>
+                <a:spcPts val="0"/>
+              </a:spcAft>
+              <a:buClr>
+                <a:srgbClr val="000000"/>
+              </a:buClr>
+              <a:buFont typeface="Arial"/>
+              <a:defRPr sz="1400" b="0" i="0" u="none" strike="noStrike" cap="none">
+                <a:solidFill>
+                  <a:schemeClr val="lt1"/>
+                </a:solidFill>
+                <a:latin typeface="+mn-lt"/>
+                <a:ea typeface="+mn-ea"/>
+                <a:cs typeface="+mn-cs"/>
+                <a:sym typeface="Arial"/>
+              </a:defRPr>
+            </a:lvl4pPr>
+            <a:lvl5pPr marR="0" lvl="4" algn="l" rtl="0">
+              <a:lnSpc>
+                <a:spcPct val="100000"/>
+              </a:lnSpc>
+              <a:spcBef>
+                <a:spcPts val="0"/>
+              </a:spcBef>
+              <a:spcAft>
+                <a:spcPts val="0"/>
+              </a:spcAft>
+              <a:buClr>
+                <a:srgbClr val="000000"/>
+              </a:buClr>
+              <a:buFont typeface="Arial"/>
+              <a:defRPr sz="1400" b="0" i="0" u="none" strike="noStrike" cap="none">
+                <a:solidFill>
+                  <a:schemeClr val="lt1"/>
+                </a:solidFill>
+                <a:latin typeface="+mn-lt"/>
+                <a:ea typeface="+mn-ea"/>
+                <a:cs typeface="+mn-cs"/>
+                <a:sym typeface="Arial"/>
+              </a:defRPr>
+            </a:lvl5pPr>
+            <a:lvl6pPr marR="0" lvl="5" algn="l" rtl="0">
+              <a:lnSpc>
+                <a:spcPct val="100000"/>
+              </a:lnSpc>
+              <a:spcBef>
+                <a:spcPts val="0"/>
+              </a:spcBef>
+              <a:spcAft>
+                <a:spcPts val="0"/>
+              </a:spcAft>
+              <a:buClr>
+                <a:srgbClr val="000000"/>
+              </a:buClr>
+              <a:buFont typeface="Arial"/>
+              <a:defRPr sz="1400" b="0" i="0" u="none" strike="noStrike" cap="none">
+                <a:solidFill>
+                  <a:schemeClr val="lt1"/>
+                </a:solidFill>
+                <a:latin typeface="+mn-lt"/>
+                <a:ea typeface="+mn-ea"/>
+                <a:cs typeface="+mn-cs"/>
+                <a:sym typeface="Arial"/>
+              </a:defRPr>
+            </a:lvl6pPr>
+            <a:lvl7pPr marR="0" lvl="6" algn="l" rtl="0">
+              <a:lnSpc>
+                <a:spcPct val="100000"/>
+              </a:lnSpc>
+              <a:spcBef>
+                <a:spcPts val="0"/>
+              </a:spcBef>
+              <a:spcAft>
+                <a:spcPts val="0"/>
+              </a:spcAft>
+              <a:buClr>
+                <a:srgbClr val="000000"/>
+              </a:buClr>
+              <a:buFont typeface="Arial"/>
+              <a:defRPr sz="1400" b="0" i="0" u="none" strike="noStrike" cap="none">
+                <a:solidFill>
+                  <a:schemeClr val="lt1"/>
+                </a:solidFill>
+                <a:latin typeface="+mn-lt"/>
+                <a:ea typeface="+mn-ea"/>
+                <a:cs typeface="+mn-cs"/>
+                <a:sym typeface="Arial"/>
+              </a:defRPr>
+            </a:lvl7pPr>
+            <a:lvl8pPr marR="0" lvl="7" algn="l" rtl="0">
+              <a:lnSpc>
+                <a:spcPct val="100000"/>
+              </a:lnSpc>
+              <a:spcBef>
+                <a:spcPts val="0"/>
+              </a:spcBef>
+              <a:spcAft>
+                <a:spcPts val="0"/>
+              </a:spcAft>
+              <a:buClr>
+                <a:srgbClr val="000000"/>
+              </a:buClr>
+              <a:buFont typeface="Arial"/>
+              <a:defRPr sz="1400" b="0" i="0" u="none" strike="noStrike" cap="none">
+                <a:solidFill>
+                  <a:schemeClr val="lt1"/>
+                </a:solidFill>
+                <a:latin typeface="+mn-lt"/>
+                <a:ea typeface="+mn-ea"/>
+                <a:cs typeface="+mn-cs"/>
+                <a:sym typeface="Arial"/>
+              </a:defRPr>
+            </a:lvl8pPr>
+            <a:lvl9pPr marR="0" lvl="8" algn="l" rtl="0">
+              <a:lnSpc>
+                <a:spcPct val="100000"/>
+              </a:lnSpc>
+              <a:spcBef>
+                <a:spcPts val="0"/>
+              </a:spcBef>
+              <a:spcAft>
+                <a:spcPts val="0"/>
+              </a:spcAft>
+              <a:buClr>
+                <a:srgbClr val="000000"/>
+              </a:buClr>
+              <a:buFont typeface="Arial"/>
+              <a:defRPr sz="1400" b="0" i="0" u="none" strike="noStrike" cap="none">
+                <a:solidFill>
+                  <a:schemeClr val="lt1"/>
+                </a:solidFill>
+                <a:latin typeface="+mn-lt"/>
+                <a:ea typeface="+mn-ea"/>
+                <a:cs typeface="+mn-cs"/>
+                <a:sym typeface="Arial"/>
+              </a:defRPr>
+            </a:lvl9pPr>
+          </a:lstStyle>
+          <a:p>
+            <a:pPr algn="ctr"/>
+            <a:r>
+              <a:rPr lang="en-US" sz="1100" dirty="0"/>
+              <a:t>ROCKET 1</a:t>
+            </a:r>
+            <a:endParaRPr lang="en-GB" sz="1100" dirty="0"/>
+          </a:p>
+        </p:txBody>
+      </p:sp>
+      <p:cxnSp>
+        <p:nvCxnSpPr>
+          <p:cNvPr id="7" name="Straight Arrow Connector 6">
+            <a:extLst>
+              <a:ext uri="{FF2B5EF4-FFF2-40B4-BE49-F238E27FC236}">
+                <a16:creationId xmlns:a16="http://schemas.microsoft.com/office/drawing/2014/main" id="{D5FE31F1-A358-4C42-A3BE-74580C0C923F}"/>
+              </a:ext>
+            </a:extLst>
+          </p:cNvPr>
+          <p:cNvCxnSpPr>
+            <a:cxnSpLocks/>
+          </p:cNvCxnSpPr>
+          <p:nvPr/>
+        </p:nvCxnSpPr>
+        <p:spPr>
+          <a:xfrm>
+            <a:off x="1796061" y="2414729"/>
+            <a:ext cx="0" cy="374613"/>
+          </a:xfrm>
+          <a:prstGeom prst="straightConnector1">
+            <a:avLst/>
+          </a:prstGeom>
+          <a:ln w="28575">
+            <a:solidFill>
+              <a:srgbClr val="00AEEF"/>
+            </a:solidFill>
+            <a:tailEnd type="triangle"/>
+          </a:ln>
+        </p:spPr>
+        <p:style>
+          <a:lnRef idx="1">
+            <a:schemeClr val="accent1"/>
+          </a:lnRef>
+          <a:fillRef idx="0">
+            <a:schemeClr val="accent1"/>
+          </a:fillRef>
+          <a:effectRef idx="0">
+            <a:schemeClr val="accent1"/>
+          </a:effectRef>
+          <a:fontRef idx="minor">
+            <a:schemeClr val="tx1"/>
+          </a:fontRef>
+        </p:style>
+      </p:cxnSp>
+      <p:sp>
+        <p:nvSpPr>
+          <p:cNvPr id="8" name="Rectangle 7">
+            <a:extLst>
+              <a:ext uri="{FF2B5EF4-FFF2-40B4-BE49-F238E27FC236}">
+                <a16:creationId xmlns:a16="http://schemas.microsoft.com/office/drawing/2014/main" id="{CABDBD59-2287-475A-9D32-D5D95D636378}"/>
+              </a:ext>
+            </a:extLst>
+          </p:cNvPr>
+          <p:cNvSpPr/>
+          <p:nvPr/>
+        </p:nvSpPr>
+        <p:spPr>
+          <a:xfrm>
+            <a:off x="1649949" y="2823922"/>
+            <a:ext cx="308102" cy="374613"/>
+          </a:xfrm>
+          <a:prstGeom prst="rect">
+            <a:avLst/>
+          </a:prstGeom>
+          <a:solidFill>
+            <a:schemeClr val="bg1"/>
+          </a:solidFill>
+          <a:ln>
+            <a:solidFill>
+              <a:srgbClr val="500064"/>
+            </a:solidFill>
+          </a:ln>
+        </p:spPr>
+        <p:style>
+          <a:lnRef idx="2">
+            <a:schemeClr val="accent1">
+              <a:shade val="50000"/>
+            </a:schemeClr>
+          </a:lnRef>
+          <a:fillRef idx="1">
+            <a:schemeClr val="accent1"/>
+          </a:fillRef>
+          <a:effectRef idx="0">
+            <a:schemeClr val="accent1"/>
+          </a:effectRef>
+          <a:fontRef idx="minor">
+            <a:schemeClr val="lt1"/>
+          </a:fontRef>
+        </p:style>
+        <p:txBody>
+          <a:bodyPr rtlCol="0" anchor="ctr"/>
+          <a:lstStyle>
+            <a:defPPr marR="0" lvl="0" algn="l" rtl="0">
+              <a:lnSpc>
+                <a:spcPct val="100000"/>
+              </a:lnSpc>
+              <a:spcBef>
+                <a:spcPts val="0"/>
+              </a:spcBef>
+              <a:spcAft>
+                <a:spcPts val="0"/>
+              </a:spcAft>
+            </a:defPPr>
+            <a:lvl1pPr marR="0" lvl="0" algn="l" rtl="0">
+              <a:lnSpc>
+                <a:spcPct val="100000"/>
+              </a:lnSpc>
+              <a:spcBef>
+                <a:spcPts val="0"/>
+              </a:spcBef>
+              <a:spcAft>
+                <a:spcPts val="0"/>
+              </a:spcAft>
+              <a:buClr>
+                <a:srgbClr val="000000"/>
+              </a:buClr>
+              <a:buFont typeface="Arial"/>
+              <a:defRPr sz="1400" b="0" i="0" u="none" strike="noStrike" cap="none">
+                <a:solidFill>
+                  <a:schemeClr val="lt1"/>
+                </a:solidFill>
+                <a:latin typeface="+mn-lt"/>
+                <a:ea typeface="+mn-ea"/>
+                <a:cs typeface="+mn-cs"/>
+                <a:sym typeface="Arial"/>
+              </a:defRPr>
+            </a:lvl1pPr>
+            <a:lvl2pPr marR="0" lvl="1" algn="l" rtl="0">
+              <a:lnSpc>
+                <a:spcPct val="100000"/>
+              </a:lnSpc>
+              <a:spcBef>
+                <a:spcPts val="0"/>
+              </a:spcBef>
+              <a:spcAft>
+                <a:spcPts val="0"/>
+              </a:spcAft>
+              <a:buClr>
+                <a:srgbClr val="000000"/>
+              </a:buClr>
+              <a:buFont typeface="Arial"/>
+              <a:defRPr sz="1400" b="0" i="0" u="none" strike="noStrike" cap="none">
+                <a:solidFill>
+                  <a:schemeClr val="lt1"/>
+                </a:solidFill>
+                <a:latin typeface="+mn-lt"/>
+                <a:ea typeface="+mn-ea"/>
+                <a:cs typeface="+mn-cs"/>
+                <a:sym typeface="Arial"/>
+              </a:defRPr>
+            </a:lvl2pPr>
+            <a:lvl3pPr marR="0" lvl="2" algn="l" rtl="0">
+              <a:lnSpc>
+                <a:spcPct val="100000"/>
+              </a:lnSpc>
+              <a:spcBef>
+                <a:spcPts val="0"/>
+              </a:spcBef>
+              <a:spcAft>
+                <a:spcPts val="0"/>
+              </a:spcAft>
+              <a:buClr>
+                <a:srgbClr val="000000"/>
+              </a:buClr>
+              <a:buFont typeface="Arial"/>
+              <a:defRPr sz="1400" b="0" i="0" u="none" strike="noStrike" cap="none">
+                <a:solidFill>
+                  <a:schemeClr val="lt1"/>
+                </a:solidFill>
+                <a:latin typeface="+mn-lt"/>
+                <a:ea typeface="+mn-ea"/>
+                <a:cs typeface="+mn-cs"/>
+                <a:sym typeface="Arial"/>
+              </a:defRPr>
+            </a:lvl3pPr>
+            <a:lvl4pPr marR="0" lvl="3" algn="l" rtl="0">
+              <a:lnSpc>
+                <a:spcPct val="100000"/>
+              </a:lnSpc>
+              <a:spcBef>
+                <a:spcPts val="0"/>
+              </a:spcBef>
+              <a:spcAft>
+                <a:spcPts val="0"/>
+              </a:spcAft>
+              <a:buClr>
+                <a:srgbClr val="000000"/>
+              </a:buClr>
+              <a:buFont typeface="Arial"/>
+              <a:defRPr sz="1400" b="0" i="0" u="none" strike="noStrike" cap="none">
+                <a:solidFill>
+                  <a:schemeClr val="lt1"/>
+                </a:solidFill>
+                <a:latin typeface="+mn-lt"/>
+                <a:ea typeface="+mn-ea"/>
+                <a:cs typeface="+mn-cs"/>
+                <a:sym typeface="Arial"/>
+              </a:defRPr>
+            </a:lvl4pPr>
+            <a:lvl5pPr marR="0" lvl="4" algn="l" rtl="0">
+              <a:lnSpc>
+                <a:spcPct val="100000"/>
+              </a:lnSpc>
+              <a:spcBef>
+                <a:spcPts val="0"/>
+              </a:spcBef>
+              <a:spcAft>
+                <a:spcPts val="0"/>
+              </a:spcAft>
+              <a:buClr>
+                <a:srgbClr val="000000"/>
+              </a:buClr>
+              <a:buFont typeface="Arial"/>
+              <a:defRPr sz="1400" b="0" i="0" u="none" strike="noStrike" cap="none">
+                <a:solidFill>
+                  <a:schemeClr val="lt1"/>
+                </a:solidFill>
+                <a:latin typeface="+mn-lt"/>
+                <a:ea typeface="+mn-ea"/>
+                <a:cs typeface="+mn-cs"/>
+                <a:sym typeface="Arial"/>
+              </a:defRPr>
+            </a:lvl5pPr>
+            <a:lvl6pPr marR="0" lvl="5" algn="l" rtl="0">
+              <a:lnSpc>
+                <a:spcPct val="100000"/>
+              </a:lnSpc>
+              <a:spcBef>
+                <a:spcPts val="0"/>
+              </a:spcBef>
+              <a:spcAft>
+                <a:spcPts val="0"/>
+              </a:spcAft>
+              <a:buClr>
+                <a:srgbClr val="000000"/>
+              </a:buClr>
+              <a:buFont typeface="Arial"/>
+              <a:defRPr sz="1400" b="0" i="0" u="none" strike="noStrike" cap="none">
+                <a:solidFill>
+                  <a:schemeClr val="lt1"/>
+                </a:solidFill>
+                <a:latin typeface="+mn-lt"/>
+                <a:ea typeface="+mn-ea"/>
+                <a:cs typeface="+mn-cs"/>
+                <a:sym typeface="Arial"/>
+              </a:defRPr>
+            </a:lvl6pPr>
+            <a:lvl7pPr marR="0" lvl="6" algn="l" rtl="0">
+              <a:lnSpc>
+                <a:spcPct val="100000"/>
+              </a:lnSpc>
+              <a:spcBef>
+                <a:spcPts val="0"/>
+              </a:spcBef>
+              <a:spcAft>
+                <a:spcPts val="0"/>
+              </a:spcAft>
+              <a:buClr>
+                <a:srgbClr val="000000"/>
+              </a:buClr>
+              <a:buFont typeface="Arial"/>
+              <a:defRPr sz="1400" b="0" i="0" u="none" strike="noStrike" cap="none">
+                <a:solidFill>
+                  <a:schemeClr val="lt1"/>
+                </a:solidFill>
+                <a:latin typeface="+mn-lt"/>
+                <a:ea typeface="+mn-ea"/>
+                <a:cs typeface="+mn-cs"/>
+                <a:sym typeface="Arial"/>
+              </a:defRPr>
+            </a:lvl7pPr>
+            <a:lvl8pPr marR="0" lvl="7" algn="l" rtl="0">
+              <a:lnSpc>
+                <a:spcPct val="100000"/>
+              </a:lnSpc>
+              <a:spcBef>
+                <a:spcPts val="0"/>
+              </a:spcBef>
+              <a:spcAft>
+                <a:spcPts val="0"/>
+              </a:spcAft>
+              <a:buClr>
+                <a:srgbClr val="000000"/>
+              </a:buClr>
+              <a:buFont typeface="Arial"/>
+              <a:defRPr sz="1400" b="0" i="0" u="none" strike="noStrike" cap="none">
+                <a:solidFill>
+                  <a:schemeClr val="lt1"/>
+                </a:solidFill>
+                <a:latin typeface="+mn-lt"/>
+                <a:ea typeface="+mn-ea"/>
+                <a:cs typeface="+mn-cs"/>
+                <a:sym typeface="Arial"/>
+              </a:defRPr>
+            </a:lvl8pPr>
+            <a:lvl9pPr marR="0" lvl="8" algn="l" rtl="0">
+              <a:lnSpc>
+                <a:spcPct val="100000"/>
+              </a:lnSpc>
+              <a:spcBef>
+                <a:spcPts val="0"/>
+              </a:spcBef>
+              <a:spcAft>
+                <a:spcPts val="0"/>
+              </a:spcAft>
+              <a:buClr>
+                <a:srgbClr val="000000"/>
+              </a:buClr>
+              <a:buFont typeface="Arial"/>
+              <a:defRPr sz="1400" b="0" i="0" u="none" strike="noStrike" cap="none">
+                <a:solidFill>
+                  <a:schemeClr val="lt1"/>
+                </a:solidFill>
+                <a:latin typeface="+mn-lt"/>
+                <a:ea typeface="+mn-ea"/>
+                <a:cs typeface="+mn-cs"/>
+                <a:sym typeface="Arial"/>
+              </a:defRPr>
+            </a:lvl9pPr>
+          </a:lstStyle>
+          <a:p>
+            <a:pPr algn="ctr"/>
+            <a:r>
+              <a:rPr lang="en-US" dirty="0">
+                <a:solidFill>
+                  <a:srgbClr val="500064"/>
+                </a:solidFill>
+              </a:rPr>
+              <a:t>2</a:t>
+            </a:r>
+            <a:endParaRPr lang="en-GB" dirty="0">
+              <a:solidFill>
+                <a:srgbClr val="500064"/>
+              </a:solidFill>
+            </a:endParaRPr>
+          </a:p>
+        </p:txBody>
+      </p:sp>
+      <p:sp>
+        <p:nvSpPr>
+          <p:cNvPr id="9" name="Rectangle 8">
+            <a:extLst>
+              <a:ext uri="{FF2B5EF4-FFF2-40B4-BE49-F238E27FC236}">
+                <a16:creationId xmlns:a16="http://schemas.microsoft.com/office/drawing/2014/main" id="{509A6D20-B7CA-4155-ABE3-41919FF6FD3D}"/>
+              </a:ext>
+            </a:extLst>
+          </p:cNvPr>
+          <p:cNvSpPr/>
+          <p:nvPr/>
+        </p:nvSpPr>
+        <p:spPr>
+          <a:xfrm>
+            <a:off x="2338954" y="1811342"/>
+            <a:ext cx="801555" cy="582209"/>
+          </a:xfrm>
+          <a:prstGeom prst="rect">
+            <a:avLst/>
+          </a:prstGeom>
+          <a:solidFill>
+            <a:srgbClr val="500064"/>
+          </a:solidFill>
+          <a:ln>
+            <a:noFill/>
+          </a:ln>
+        </p:spPr>
+        <p:style>
+          <a:lnRef idx="2">
+            <a:schemeClr val="accent1">
+              <a:shade val="50000"/>
+            </a:schemeClr>
+          </a:lnRef>
+          <a:fillRef idx="1">
+            <a:schemeClr val="accent1"/>
+          </a:fillRef>
+          <a:effectRef idx="0">
+            <a:schemeClr val="accent1"/>
+          </a:effectRef>
+          <a:fontRef idx="minor">
+            <a:schemeClr val="lt1"/>
+          </a:fontRef>
+        </p:style>
+        <p:txBody>
+          <a:bodyPr rtlCol="0" anchor="ctr"/>
+          <a:lstStyle>
+            <a:defPPr marR="0" lvl="0" algn="l" rtl="0">
+              <a:lnSpc>
+                <a:spcPct val="100000"/>
+              </a:lnSpc>
+              <a:spcBef>
+                <a:spcPts val="0"/>
+              </a:spcBef>
+              <a:spcAft>
+                <a:spcPts val="0"/>
+              </a:spcAft>
+            </a:defPPr>
+            <a:lvl1pPr marR="0" lvl="0" algn="l" rtl="0">
+              <a:lnSpc>
+                <a:spcPct val="100000"/>
+              </a:lnSpc>
+              <a:spcBef>
+                <a:spcPts val="0"/>
+              </a:spcBef>
+              <a:spcAft>
+                <a:spcPts val="0"/>
+              </a:spcAft>
+              <a:buClr>
+                <a:srgbClr val="000000"/>
+              </a:buClr>
+              <a:buFont typeface="Arial"/>
+              <a:defRPr sz="1400" b="0" i="0" u="none" strike="noStrike" cap="none">
+                <a:solidFill>
+                  <a:schemeClr val="lt1"/>
+                </a:solidFill>
+                <a:latin typeface="+mn-lt"/>
+                <a:ea typeface="+mn-ea"/>
+                <a:cs typeface="+mn-cs"/>
+                <a:sym typeface="Arial"/>
+              </a:defRPr>
+            </a:lvl1pPr>
+            <a:lvl2pPr marR="0" lvl="1" algn="l" rtl="0">
+              <a:lnSpc>
+                <a:spcPct val="100000"/>
+              </a:lnSpc>
+              <a:spcBef>
+                <a:spcPts val="0"/>
+              </a:spcBef>
+              <a:spcAft>
+                <a:spcPts val="0"/>
+              </a:spcAft>
+              <a:buClr>
+                <a:srgbClr val="000000"/>
+              </a:buClr>
+              <a:buFont typeface="Arial"/>
+              <a:defRPr sz="1400" b="0" i="0" u="none" strike="noStrike" cap="none">
+                <a:solidFill>
+                  <a:schemeClr val="lt1"/>
+                </a:solidFill>
+                <a:latin typeface="+mn-lt"/>
+                <a:ea typeface="+mn-ea"/>
+                <a:cs typeface="+mn-cs"/>
+                <a:sym typeface="Arial"/>
+              </a:defRPr>
+            </a:lvl2pPr>
+            <a:lvl3pPr marR="0" lvl="2" algn="l" rtl="0">
+              <a:lnSpc>
+                <a:spcPct val="100000"/>
+              </a:lnSpc>
+              <a:spcBef>
+                <a:spcPts val="0"/>
+              </a:spcBef>
+              <a:spcAft>
+                <a:spcPts val="0"/>
+              </a:spcAft>
+              <a:buClr>
+                <a:srgbClr val="000000"/>
+              </a:buClr>
+              <a:buFont typeface="Arial"/>
+              <a:defRPr sz="1400" b="0" i="0" u="none" strike="noStrike" cap="none">
+                <a:solidFill>
+                  <a:schemeClr val="lt1"/>
+                </a:solidFill>
+                <a:latin typeface="+mn-lt"/>
+                <a:ea typeface="+mn-ea"/>
+                <a:cs typeface="+mn-cs"/>
+                <a:sym typeface="Arial"/>
+              </a:defRPr>
+            </a:lvl3pPr>
+            <a:lvl4pPr marR="0" lvl="3" algn="l" rtl="0">
+              <a:lnSpc>
+                <a:spcPct val="100000"/>
+              </a:lnSpc>
+              <a:spcBef>
+                <a:spcPts val="0"/>
+              </a:spcBef>
+              <a:spcAft>
+                <a:spcPts val="0"/>
+              </a:spcAft>
+              <a:buClr>
+                <a:srgbClr val="000000"/>
+              </a:buClr>
+              <a:buFont typeface="Arial"/>
+              <a:defRPr sz="1400" b="0" i="0" u="none" strike="noStrike" cap="none">
+                <a:solidFill>
+                  <a:schemeClr val="lt1"/>
+                </a:solidFill>
+                <a:latin typeface="+mn-lt"/>
+                <a:ea typeface="+mn-ea"/>
+                <a:cs typeface="+mn-cs"/>
+                <a:sym typeface="Arial"/>
+              </a:defRPr>
+            </a:lvl4pPr>
+            <a:lvl5pPr marR="0" lvl="4" algn="l" rtl="0">
+              <a:lnSpc>
+                <a:spcPct val="100000"/>
+              </a:lnSpc>
+              <a:spcBef>
+                <a:spcPts val="0"/>
+              </a:spcBef>
+              <a:spcAft>
+                <a:spcPts val="0"/>
+              </a:spcAft>
+              <a:buClr>
+                <a:srgbClr val="000000"/>
+              </a:buClr>
+              <a:buFont typeface="Arial"/>
+              <a:defRPr sz="1400" b="0" i="0" u="none" strike="noStrike" cap="none">
+                <a:solidFill>
+                  <a:schemeClr val="lt1"/>
+                </a:solidFill>
+                <a:latin typeface="+mn-lt"/>
+                <a:ea typeface="+mn-ea"/>
+                <a:cs typeface="+mn-cs"/>
+                <a:sym typeface="Arial"/>
+              </a:defRPr>
+            </a:lvl5pPr>
+            <a:lvl6pPr marR="0" lvl="5" algn="l" rtl="0">
+              <a:lnSpc>
+                <a:spcPct val="100000"/>
+              </a:lnSpc>
+              <a:spcBef>
+                <a:spcPts val="0"/>
+              </a:spcBef>
+              <a:spcAft>
+                <a:spcPts val="0"/>
+              </a:spcAft>
+              <a:buClr>
+                <a:srgbClr val="000000"/>
+              </a:buClr>
+              <a:buFont typeface="Arial"/>
+              <a:defRPr sz="1400" b="0" i="0" u="none" strike="noStrike" cap="none">
+                <a:solidFill>
+                  <a:schemeClr val="lt1"/>
+                </a:solidFill>
+                <a:latin typeface="+mn-lt"/>
+                <a:ea typeface="+mn-ea"/>
+                <a:cs typeface="+mn-cs"/>
+                <a:sym typeface="Arial"/>
+              </a:defRPr>
+            </a:lvl6pPr>
+            <a:lvl7pPr marR="0" lvl="6" algn="l" rtl="0">
+              <a:lnSpc>
+                <a:spcPct val="100000"/>
+              </a:lnSpc>
+              <a:spcBef>
+                <a:spcPts val="0"/>
+              </a:spcBef>
+              <a:spcAft>
+                <a:spcPts val="0"/>
+              </a:spcAft>
+              <a:buClr>
+                <a:srgbClr val="000000"/>
+              </a:buClr>
+              <a:buFont typeface="Arial"/>
+              <a:defRPr sz="1400" b="0" i="0" u="none" strike="noStrike" cap="none">
+                <a:solidFill>
+                  <a:schemeClr val="lt1"/>
+                </a:solidFill>
+                <a:latin typeface="+mn-lt"/>
+                <a:ea typeface="+mn-ea"/>
+                <a:cs typeface="+mn-cs"/>
+                <a:sym typeface="Arial"/>
+              </a:defRPr>
+            </a:lvl7pPr>
+            <a:lvl8pPr marR="0" lvl="7" algn="l" rtl="0">
+              <a:lnSpc>
+                <a:spcPct val="100000"/>
+              </a:lnSpc>
+              <a:spcBef>
+                <a:spcPts val="0"/>
+              </a:spcBef>
+              <a:spcAft>
+                <a:spcPts val="0"/>
+              </a:spcAft>
+              <a:buClr>
+                <a:srgbClr val="000000"/>
+              </a:buClr>
+              <a:buFont typeface="Arial"/>
+              <a:defRPr sz="1400" b="0" i="0" u="none" strike="noStrike" cap="none">
+                <a:solidFill>
+                  <a:schemeClr val="lt1"/>
+                </a:solidFill>
+                <a:latin typeface="+mn-lt"/>
+                <a:ea typeface="+mn-ea"/>
+                <a:cs typeface="+mn-cs"/>
+                <a:sym typeface="Arial"/>
+              </a:defRPr>
+            </a:lvl8pPr>
+            <a:lvl9pPr marR="0" lvl="8" algn="l" rtl="0">
+              <a:lnSpc>
+                <a:spcPct val="100000"/>
+              </a:lnSpc>
+              <a:spcBef>
+                <a:spcPts val="0"/>
+              </a:spcBef>
+              <a:spcAft>
+                <a:spcPts val="0"/>
+              </a:spcAft>
+              <a:buClr>
+                <a:srgbClr val="000000"/>
+              </a:buClr>
+              <a:buFont typeface="Arial"/>
+              <a:defRPr sz="1400" b="0" i="0" u="none" strike="noStrike" cap="none">
+                <a:solidFill>
+                  <a:schemeClr val="lt1"/>
+                </a:solidFill>
+                <a:latin typeface="+mn-lt"/>
+                <a:ea typeface="+mn-ea"/>
+                <a:cs typeface="+mn-cs"/>
+                <a:sym typeface="Arial"/>
+              </a:defRPr>
+            </a:lvl9pPr>
+          </a:lstStyle>
+          <a:p>
+            <a:pPr algn="ctr"/>
+            <a:r>
+              <a:rPr lang="en-US" sz="1100" dirty="0"/>
+              <a:t>ROCKET 2</a:t>
+            </a:r>
+            <a:endParaRPr lang="en-GB" sz="1100" dirty="0"/>
+          </a:p>
+        </p:txBody>
+      </p:sp>
+      <p:sp>
+        <p:nvSpPr>
+          <p:cNvPr id="10" name="Rectangle 9">
+            <a:extLst>
+              <a:ext uri="{FF2B5EF4-FFF2-40B4-BE49-F238E27FC236}">
+                <a16:creationId xmlns:a16="http://schemas.microsoft.com/office/drawing/2014/main" id="{04B85F12-3910-4CD1-A462-79F5130EEB7D}"/>
+              </a:ext>
+            </a:extLst>
+          </p:cNvPr>
+          <p:cNvSpPr/>
+          <p:nvPr/>
+        </p:nvSpPr>
+        <p:spPr>
+          <a:xfrm>
+            <a:off x="3285134" y="1811342"/>
+            <a:ext cx="801555" cy="582209"/>
+          </a:xfrm>
+          <a:prstGeom prst="rect">
+            <a:avLst/>
+          </a:prstGeom>
+          <a:solidFill>
+            <a:srgbClr val="500064"/>
+          </a:solidFill>
+          <a:ln>
+            <a:noFill/>
+          </a:ln>
+        </p:spPr>
+        <p:style>
+          <a:lnRef idx="2">
+            <a:schemeClr val="accent1">
+              <a:shade val="50000"/>
+            </a:schemeClr>
+          </a:lnRef>
+          <a:fillRef idx="1">
+            <a:schemeClr val="accent1"/>
+          </a:fillRef>
+          <a:effectRef idx="0">
+            <a:schemeClr val="accent1"/>
+          </a:effectRef>
+          <a:fontRef idx="minor">
+            <a:schemeClr val="lt1"/>
+          </a:fontRef>
+        </p:style>
+        <p:txBody>
+          <a:bodyPr rtlCol="0" anchor="ctr"/>
+          <a:lstStyle>
+            <a:defPPr marR="0" lvl="0" algn="l" rtl="0">
+              <a:lnSpc>
+                <a:spcPct val="100000"/>
+              </a:lnSpc>
+              <a:spcBef>
+                <a:spcPts val="0"/>
+              </a:spcBef>
+              <a:spcAft>
+                <a:spcPts val="0"/>
+              </a:spcAft>
+            </a:defPPr>
+            <a:lvl1pPr marR="0" lvl="0" algn="l" rtl="0">
+              <a:lnSpc>
+                <a:spcPct val="100000"/>
+              </a:lnSpc>
+              <a:spcBef>
+                <a:spcPts val="0"/>
+              </a:spcBef>
+              <a:spcAft>
+                <a:spcPts val="0"/>
+              </a:spcAft>
+              <a:buClr>
+                <a:srgbClr val="000000"/>
+              </a:buClr>
+              <a:buFont typeface="Arial"/>
+              <a:defRPr sz="1400" b="0" i="0" u="none" strike="noStrike" cap="none">
+                <a:solidFill>
+                  <a:schemeClr val="lt1"/>
+                </a:solidFill>
+                <a:latin typeface="+mn-lt"/>
+                <a:ea typeface="+mn-ea"/>
+                <a:cs typeface="+mn-cs"/>
+                <a:sym typeface="Arial"/>
+              </a:defRPr>
+            </a:lvl1pPr>
+            <a:lvl2pPr marR="0" lvl="1" algn="l" rtl="0">
+              <a:lnSpc>
+                <a:spcPct val="100000"/>
+              </a:lnSpc>
+              <a:spcBef>
+                <a:spcPts val="0"/>
+              </a:spcBef>
+              <a:spcAft>
+                <a:spcPts val="0"/>
+              </a:spcAft>
+              <a:buClr>
+                <a:srgbClr val="000000"/>
+              </a:buClr>
+              <a:buFont typeface="Arial"/>
+              <a:defRPr sz="1400" b="0" i="0" u="none" strike="noStrike" cap="none">
+                <a:solidFill>
+                  <a:schemeClr val="lt1"/>
+                </a:solidFill>
+                <a:latin typeface="+mn-lt"/>
+                <a:ea typeface="+mn-ea"/>
+                <a:cs typeface="+mn-cs"/>
+                <a:sym typeface="Arial"/>
+              </a:defRPr>
+            </a:lvl2pPr>
+            <a:lvl3pPr marR="0" lvl="2" algn="l" rtl="0">
+              <a:lnSpc>
+                <a:spcPct val="100000"/>
+              </a:lnSpc>
+              <a:spcBef>
+                <a:spcPts val="0"/>
+              </a:spcBef>
+              <a:spcAft>
+                <a:spcPts val="0"/>
+              </a:spcAft>
+              <a:buClr>
+                <a:srgbClr val="000000"/>
+              </a:buClr>
+              <a:buFont typeface="Arial"/>
+              <a:defRPr sz="1400" b="0" i="0" u="none" strike="noStrike" cap="none">
+                <a:solidFill>
+                  <a:schemeClr val="lt1"/>
+                </a:solidFill>
+                <a:latin typeface="+mn-lt"/>
+                <a:ea typeface="+mn-ea"/>
+                <a:cs typeface="+mn-cs"/>
+                <a:sym typeface="Arial"/>
+              </a:defRPr>
+            </a:lvl3pPr>
+            <a:lvl4pPr marR="0" lvl="3" algn="l" rtl="0">
+              <a:lnSpc>
+                <a:spcPct val="100000"/>
+              </a:lnSpc>
+              <a:spcBef>
+                <a:spcPts val="0"/>
+              </a:spcBef>
+              <a:spcAft>
+                <a:spcPts val="0"/>
+              </a:spcAft>
+              <a:buClr>
+                <a:srgbClr val="000000"/>
+              </a:buClr>
+              <a:buFont typeface="Arial"/>
+              <a:defRPr sz="1400" b="0" i="0" u="none" strike="noStrike" cap="none">
+                <a:solidFill>
+                  <a:schemeClr val="lt1"/>
+                </a:solidFill>
+                <a:latin typeface="+mn-lt"/>
+                <a:ea typeface="+mn-ea"/>
+                <a:cs typeface="+mn-cs"/>
+                <a:sym typeface="Arial"/>
+              </a:defRPr>
+            </a:lvl4pPr>
+            <a:lvl5pPr marR="0" lvl="4" algn="l" rtl="0">
+              <a:lnSpc>
+                <a:spcPct val="100000"/>
+              </a:lnSpc>
+              <a:spcBef>
+                <a:spcPts val="0"/>
+              </a:spcBef>
+              <a:spcAft>
+                <a:spcPts val="0"/>
+              </a:spcAft>
+              <a:buClr>
+                <a:srgbClr val="000000"/>
+              </a:buClr>
+              <a:buFont typeface="Arial"/>
+              <a:defRPr sz="1400" b="0" i="0" u="none" strike="noStrike" cap="none">
+                <a:solidFill>
+                  <a:schemeClr val="lt1"/>
+                </a:solidFill>
+                <a:latin typeface="+mn-lt"/>
+                <a:ea typeface="+mn-ea"/>
+                <a:cs typeface="+mn-cs"/>
+                <a:sym typeface="Arial"/>
+              </a:defRPr>
+            </a:lvl5pPr>
+            <a:lvl6pPr marR="0" lvl="5" algn="l" rtl="0">
+              <a:lnSpc>
+                <a:spcPct val="100000"/>
+              </a:lnSpc>
+              <a:spcBef>
+                <a:spcPts val="0"/>
+              </a:spcBef>
+              <a:spcAft>
+                <a:spcPts val="0"/>
+              </a:spcAft>
+              <a:buClr>
+                <a:srgbClr val="000000"/>
+              </a:buClr>
+              <a:buFont typeface="Arial"/>
+              <a:defRPr sz="1400" b="0" i="0" u="none" strike="noStrike" cap="none">
+                <a:solidFill>
+                  <a:schemeClr val="lt1"/>
+                </a:solidFill>
+                <a:latin typeface="+mn-lt"/>
+                <a:ea typeface="+mn-ea"/>
+                <a:cs typeface="+mn-cs"/>
+                <a:sym typeface="Arial"/>
+              </a:defRPr>
+            </a:lvl6pPr>
+            <a:lvl7pPr marR="0" lvl="6" algn="l" rtl="0">
+              <a:lnSpc>
+                <a:spcPct val="100000"/>
+              </a:lnSpc>
+              <a:spcBef>
+                <a:spcPts val="0"/>
+              </a:spcBef>
+              <a:spcAft>
+                <a:spcPts val="0"/>
+              </a:spcAft>
+              <a:buClr>
+                <a:srgbClr val="000000"/>
+              </a:buClr>
+              <a:buFont typeface="Arial"/>
+              <a:defRPr sz="1400" b="0" i="0" u="none" strike="noStrike" cap="none">
+                <a:solidFill>
+                  <a:schemeClr val="lt1"/>
+                </a:solidFill>
+                <a:latin typeface="+mn-lt"/>
+                <a:ea typeface="+mn-ea"/>
+                <a:cs typeface="+mn-cs"/>
+                <a:sym typeface="Arial"/>
+              </a:defRPr>
+            </a:lvl7pPr>
+            <a:lvl8pPr marR="0" lvl="7" algn="l" rtl="0">
+              <a:lnSpc>
+                <a:spcPct val="100000"/>
+              </a:lnSpc>
+              <a:spcBef>
+                <a:spcPts val="0"/>
+              </a:spcBef>
+              <a:spcAft>
+                <a:spcPts val="0"/>
+              </a:spcAft>
+              <a:buClr>
+                <a:srgbClr val="000000"/>
+              </a:buClr>
+              <a:buFont typeface="Arial"/>
+              <a:defRPr sz="1400" b="0" i="0" u="none" strike="noStrike" cap="none">
+                <a:solidFill>
+                  <a:schemeClr val="lt1"/>
+                </a:solidFill>
+                <a:latin typeface="+mn-lt"/>
+                <a:ea typeface="+mn-ea"/>
+                <a:cs typeface="+mn-cs"/>
+                <a:sym typeface="Arial"/>
+              </a:defRPr>
+            </a:lvl8pPr>
+            <a:lvl9pPr marR="0" lvl="8" algn="l" rtl="0">
+              <a:lnSpc>
+                <a:spcPct val="100000"/>
+              </a:lnSpc>
+              <a:spcBef>
+                <a:spcPts val="0"/>
+              </a:spcBef>
+              <a:spcAft>
+                <a:spcPts val="0"/>
+              </a:spcAft>
+              <a:buClr>
+                <a:srgbClr val="000000"/>
+              </a:buClr>
+              <a:buFont typeface="Arial"/>
+              <a:defRPr sz="1400" b="0" i="0" u="none" strike="noStrike" cap="none">
+                <a:solidFill>
+                  <a:schemeClr val="lt1"/>
+                </a:solidFill>
+                <a:latin typeface="+mn-lt"/>
+                <a:ea typeface="+mn-ea"/>
+                <a:cs typeface="+mn-cs"/>
+                <a:sym typeface="Arial"/>
+              </a:defRPr>
+            </a:lvl9pPr>
+          </a:lstStyle>
+          <a:p>
+            <a:pPr algn="ctr"/>
+            <a:r>
+              <a:rPr lang="en-US" sz="1100" dirty="0"/>
+              <a:t>ROCKET 3</a:t>
+            </a:r>
+            <a:endParaRPr lang="en-GB" sz="1100" dirty="0"/>
+          </a:p>
+        </p:txBody>
+      </p:sp>
+      <p:sp>
+        <p:nvSpPr>
+          <p:cNvPr id="11" name="Rectangle 10">
+            <a:extLst>
+              <a:ext uri="{FF2B5EF4-FFF2-40B4-BE49-F238E27FC236}">
+                <a16:creationId xmlns:a16="http://schemas.microsoft.com/office/drawing/2014/main" id="{7BC2CF6A-F058-468F-BCB7-3ABDA6ECB8FB}"/>
+              </a:ext>
+            </a:extLst>
+          </p:cNvPr>
+          <p:cNvSpPr/>
+          <p:nvPr/>
+        </p:nvSpPr>
+        <p:spPr>
+          <a:xfrm>
+            <a:off x="4208371" y="1811342"/>
+            <a:ext cx="801555" cy="582209"/>
+          </a:xfrm>
+          <a:prstGeom prst="rect">
+            <a:avLst/>
+          </a:prstGeom>
+          <a:solidFill>
+            <a:srgbClr val="500064"/>
+          </a:solidFill>
+          <a:ln>
+            <a:noFill/>
+          </a:ln>
+        </p:spPr>
+        <p:style>
+          <a:lnRef idx="2">
+            <a:schemeClr val="accent1">
+              <a:shade val="50000"/>
+            </a:schemeClr>
+          </a:lnRef>
+          <a:fillRef idx="1">
+            <a:schemeClr val="accent1"/>
+          </a:fillRef>
+          <a:effectRef idx="0">
+            <a:schemeClr val="accent1"/>
+          </a:effectRef>
+          <a:fontRef idx="minor">
+            <a:schemeClr val="lt1"/>
+          </a:fontRef>
+        </p:style>
+        <p:txBody>
+          <a:bodyPr rtlCol="0" anchor="ctr"/>
+          <a:lstStyle>
+            <a:defPPr marR="0" lvl="0" algn="l" rtl="0">
+              <a:lnSpc>
+                <a:spcPct val="100000"/>
+              </a:lnSpc>
+              <a:spcBef>
+                <a:spcPts val="0"/>
+              </a:spcBef>
+              <a:spcAft>
+                <a:spcPts val="0"/>
+              </a:spcAft>
+            </a:defPPr>
+            <a:lvl1pPr marR="0" lvl="0" algn="l" rtl="0">
+              <a:lnSpc>
+                <a:spcPct val="100000"/>
+              </a:lnSpc>
+              <a:spcBef>
+                <a:spcPts val="0"/>
+              </a:spcBef>
+              <a:spcAft>
+                <a:spcPts val="0"/>
+              </a:spcAft>
+              <a:buClr>
+                <a:srgbClr val="000000"/>
+              </a:buClr>
+              <a:buFont typeface="Arial"/>
+              <a:defRPr sz="1400" b="0" i="0" u="none" strike="noStrike" cap="none">
+                <a:solidFill>
+                  <a:schemeClr val="lt1"/>
+                </a:solidFill>
+                <a:latin typeface="+mn-lt"/>
+                <a:ea typeface="+mn-ea"/>
+                <a:cs typeface="+mn-cs"/>
+                <a:sym typeface="Arial"/>
+              </a:defRPr>
+            </a:lvl1pPr>
+            <a:lvl2pPr marR="0" lvl="1" algn="l" rtl="0">
+              <a:lnSpc>
+                <a:spcPct val="100000"/>
+              </a:lnSpc>
+              <a:spcBef>
+                <a:spcPts val="0"/>
+              </a:spcBef>
+              <a:spcAft>
+                <a:spcPts val="0"/>
+              </a:spcAft>
+              <a:buClr>
+                <a:srgbClr val="000000"/>
+              </a:buClr>
+              <a:buFont typeface="Arial"/>
+              <a:defRPr sz="1400" b="0" i="0" u="none" strike="noStrike" cap="none">
+                <a:solidFill>
+                  <a:schemeClr val="lt1"/>
+                </a:solidFill>
+                <a:latin typeface="+mn-lt"/>
+                <a:ea typeface="+mn-ea"/>
+                <a:cs typeface="+mn-cs"/>
+                <a:sym typeface="Arial"/>
+              </a:defRPr>
+            </a:lvl2pPr>
+            <a:lvl3pPr marR="0" lvl="2" algn="l" rtl="0">
+              <a:lnSpc>
+                <a:spcPct val="100000"/>
+              </a:lnSpc>
+              <a:spcBef>
+                <a:spcPts val="0"/>
+              </a:spcBef>
+              <a:spcAft>
+                <a:spcPts val="0"/>
+              </a:spcAft>
+              <a:buClr>
+                <a:srgbClr val="000000"/>
+              </a:buClr>
+              <a:buFont typeface="Arial"/>
+              <a:defRPr sz="1400" b="0" i="0" u="none" strike="noStrike" cap="none">
+                <a:solidFill>
+                  <a:schemeClr val="lt1"/>
+                </a:solidFill>
+                <a:latin typeface="+mn-lt"/>
+                <a:ea typeface="+mn-ea"/>
+                <a:cs typeface="+mn-cs"/>
+                <a:sym typeface="Arial"/>
+              </a:defRPr>
+            </a:lvl3pPr>
+            <a:lvl4pPr marR="0" lvl="3" algn="l" rtl="0">
+              <a:lnSpc>
+                <a:spcPct val="100000"/>
+              </a:lnSpc>
+              <a:spcBef>
+                <a:spcPts val="0"/>
+              </a:spcBef>
+              <a:spcAft>
+                <a:spcPts val="0"/>
+              </a:spcAft>
+              <a:buClr>
+                <a:srgbClr val="000000"/>
+              </a:buClr>
+              <a:buFont typeface="Arial"/>
+              <a:defRPr sz="1400" b="0" i="0" u="none" strike="noStrike" cap="none">
+                <a:solidFill>
+                  <a:schemeClr val="lt1"/>
+                </a:solidFill>
+                <a:latin typeface="+mn-lt"/>
+                <a:ea typeface="+mn-ea"/>
+                <a:cs typeface="+mn-cs"/>
+                <a:sym typeface="Arial"/>
+              </a:defRPr>
+            </a:lvl4pPr>
+            <a:lvl5pPr marR="0" lvl="4" algn="l" rtl="0">
+              <a:lnSpc>
+                <a:spcPct val="100000"/>
+              </a:lnSpc>
+              <a:spcBef>
+                <a:spcPts val="0"/>
+              </a:spcBef>
+              <a:spcAft>
+                <a:spcPts val="0"/>
+              </a:spcAft>
+              <a:buClr>
+                <a:srgbClr val="000000"/>
+              </a:buClr>
+              <a:buFont typeface="Arial"/>
+              <a:defRPr sz="1400" b="0" i="0" u="none" strike="noStrike" cap="none">
+                <a:solidFill>
+                  <a:schemeClr val="lt1"/>
+                </a:solidFill>
+                <a:latin typeface="+mn-lt"/>
+                <a:ea typeface="+mn-ea"/>
+                <a:cs typeface="+mn-cs"/>
+                <a:sym typeface="Arial"/>
+              </a:defRPr>
+            </a:lvl5pPr>
+            <a:lvl6pPr marR="0" lvl="5" algn="l" rtl="0">
+              <a:lnSpc>
+                <a:spcPct val="100000"/>
+              </a:lnSpc>
+              <a:spcBef>
+                <a:spcPts val="0"/>
+              </a:spcBef>
+              <a:spcAft>
+                <a:spcPts val="0"/>
+              </a:spcAft>
+              <a:buClr>
+                <a:srgbClr val="000000"/>
+              </a:buClr>
+              <a:buFont typeface="Arial"/>
+              <a:defRPr sz="1400" b="0" i="0" u="none" strike="noStrike" cap="none">
+                <a:solidFill>
+                  <a:schemeClr val="lt1"/>
+                </a:solidFill>
+                <a:latin typeface="+mn-lt"/>
+                <a:ea typeface="+mn-ea"/>
+                <a:cs typeface="+mn-cs"/>
+                <a:sym typeface="Arial"/>
+              </a:defRPr>
+            </a:lvl6pPr>
+            <a:lvl7pPr marR="0" lvl="6" algn="l" rtl="0">
+              <a:lnSpc>
+                <a:spcPct val="100000"/>
+              </a:lnSpc>
+              <a:spcBef>
+                <a:spcPts val="0"/>
+              </a:spcBef>
+              <a:spcAft>
+                <a:spcPts val="0"/>
+              </a:spcAft>
+              <a:buClr>
+                <a:srgbClr val="000000"/>
+              </a:buClr>
+              <a:buFont typeface="Arial"/>
+              <a:defRPr sz="1400" b="0" i="0" u="none" strike="noStrike" cap="none">
+                <a:solidFill>
+                  <a:schemeClr val="lt1"/>
+                </a:solidFill>
+                <a:latin typeface="+mn-lt"/>
+                <a:ea typeface="+mn-ea"/>
+                <a:cs typeface="+mn-cs"/>
+                <a:sym typeface="Arial"/>
+              </a:defRPr>
+            </a:lvl7pPr>
+            <a:lvl8pPr marR="0" lvl="7" algn="l" rtl="0">
+              <a:lnSpc>
+                <a:spcPct val="100000"/>
+              </a:lnSpc>
+              <a:spcBef>
+                <a:spcPts val="0"/>
+              </a:spcBef>
+              <a:spcAft>
+                <a:spcPts val="0"/>
+              </a:spcAft>
+              <a:buClr>
+                <a:srgbClr val="000000"/>
+              </a:buClr>
+              <a:buFont typeface="Arial"/>
+              <a:defRPr sz="1400" b="0" i="0" u="none" strike="noStrike" cap="none">
+                <a:solidFill>
+                  <a:schemeClr val="lt1"/>
+                </a:solidFill>
+                <a:latin typeface="+mn-lt"/>
+                <a:ea typeface="+mn-ea"/>
+                <a:cs typeface="+mn-cs"/>
+                <a:sym typeface="Arial"/>
+              </a:defRPr>
+            </a:lvl8pPr>
+            <a:lvl9pPr marR="0" lvl="8" algn="l" rtl="0">
+              <a:lnSpc>
+                <a:spcPct val="100000"/>
+              </a:lnSpc>
+              <a:spcBef>
+                <a:spcPts val="0"/>
+              </a:spcBef>
+              <a:spcAft>
+                <a:spcPts val="0"/>
+              </a:spcAft>
+              <a:buClr>
+                <a:srgbClr val="000000"/>
+              </a:buClr>
+              <a:buFont typeface="Arial"/>
+              <a:defRPr sz="1400" b="0" i="0" u="none" strike="noStrike" cap="none">
+                <a:solidFill>
+                  <a:schemeClr val="lt1"/>
+                </a:solidFill>
+                <a:latin typeface="+mn-lt"/>
+                <a:ea typeface="+mn-ea"/>
+                <a:cs typeface="+mn-cs"/>
+                <a:sym typeface="Arial"/>
+              </a:defRPr>
+            </a:lvl9pPr>
+          </a:lstStyle>
+          <a:p>
+            <a:pPr algn="ctr"/>
+            <a:r>
+              <a:rPr lang="en-US" sz="1100" dirty="0"/>
+              <a:t>ROCKET 4</a:t>
+            </a:r>
+            <a:endParaRPr lang="en-GB" sz="1100" dirty="0"/>
+          </a:p>
+        </p:txBody>
+      </p:sp>
+      <p:cxnSp>
+        <p:nvCxnSpPr>
+          <p:cNvPr id="12" name="Straight Arrow Connector 11">
+            <a:extLst>
+              <a:ext uri="{FF2B5EF4-FFF2-40B4-BE49-F238E27FC236}">
+                <a16:creationId xmlns:a16="http://schemas.microsoft.com/office/drawing/2014/main" id="{8A2A52C8-53E7-45C8-9AB7-DE207CBCE92D}"/>
+              </a:ext>
+            </a:extLst>
+          </p:cNvPr>
+          <p:cNvCxnSpPr>
+            <a:cxnSpLocks/>
+          </p:cNvCxnSpPr>
+          <p:nvPr/>
+        </p:nvCxnSpPr>
+        <p:spPr>
+          <a:xfrm>
+            <a:off x="2729511" y="2414729"/>
+            <a:ext cx="0" cy="374613"/>
+          </a:xfrm>
+          <a:prstGeom prst="straightConnector1">
+            <a:avLst/>
+          </a:prstGeom>
+          <a:ln w="28575">
+            <a:solidFill>
+              <a:srgbClr val="00AEEF"/>
+            </a:solidFill>
+            <a:tailEnd type="triangle"/>
+          </a:ln>
+        </p:spPr>
+        <p:style>
+          <a:lnRef idx="1">
+            <a:schemeClr val="accent1"/>
+          </a:lnRef>
+          <a:fillRef idx="0">
+            <a:schemeClr val="accent1"/>
+          </a:fillRef>
+          <a:effectRef idx="0">
+            <a:schemeClr val="accent1"/>
+          </a:effectRef>
+          <a:fontRef idx="minor">
+            <a:schemeClr val="tx1"/>
+          </a:fontRef>
+        </p:style>
+      </p:cxnSp>
+      <p:sp>
+        <p:nvSpPr>
+          <p:cNvPr id="13" name="Rectangle 12">
+            <a:extLst>
+              <a:ext uri="{FF2B5EF4-FFF2-40B4-BE49-F238E27FC236}">
+                <a16:creationId xmlns:a16="http://schemas.microsoft.com/office/drawing/2014/main" id="{77A11F4B-28BA-48C2-8844-289935A17172}"/>
+              </a:ext>
+            </a:extLst>
+          </p:cNvPr>
+          <p:cNvSpPr/>
+          <p:nvPr/>
+        </p:nvSpPr>
+        <p:spPr>
+          <a:xfrm>
+            <a:off x="2583399" y="2823922"/>
+            <a:ext cx="308102" cy="374613"/>
+          </a:xfrm>
+          <a:prstGeom prst="rect">
+            <a:avLst/>
+          </a:prstGeom>
+          <a:solidFill>
+            <a:schemeClr val="bg1"/>
+          </a:solidFill>
+          <a:ln>
+            <a:solidFill>
+              <a:srgbClr val="500064"/>
+            </a:solidFill>
+          </a:ln>
+        </p:spPr>
+        <p:style>
+          <a:lnRef idx="2">
+            <a:schemeClr val="accent1">
+              <a:shade val="50000"/>
+            </a:schemeClr>
+          </a:lnRef>
+          <a:fillRef idx="1">
+            <a:schemeClr val="accent1"/>
+          </a:fillRef>
+          <a:effectRef idx="0">
+            <a:schemeClr val="accent1"/>
+          </a:effectRef>
+          <a:fontRef idx="minor">
+            <a:schemeClr val="lt1"/>
+          </a:fontRef>
+        </p:style>
+        <p:txBody>
+          <a:bodyPr rtlCol="0" anchor="ctr"/>
+          <a:lstStyle>
+            <a:defPPr marR="0" lvl="0" algn="l" rtl="0">
+              <a:lnSpc>
+                <a:spcPct val="100000"/>
+              </a:lnSpc>
+              <a:spcBef>
+                <a:spcPts val="0"/>
+              </a:spcBef>
+              <a:spcAft>
+                <a:spcPts val="0"/>
+              </a:spcAft>
+            </a:defPPr>
+            <a:lvl1pPr marR="0" lvl="0" algn="l" rtl="0">
+              <a:lnSpc>
+                <a:spcPct val="100000"/>
+              </a:lnSpc>
+              <a:spcBef>
+                <a:spcPts val="0"/>
+              </a:spcBef>
+              <a:spcAft>
+                <a:spcPts val="0"/>
+              </a:spcAft>
+              <a:buClr>
+                <a:srgbClr val="000000"/>
+              </a:buClr>
+              <a:buFont typeface="Arial"/>
+              <a:defRPr sz="1400" b="0" i="0" u="none" strike="noStrike" cap="none">
+                <a:solidFill>
+                  <a:schemeClr val="lt1"/>
+                </a:solidFill>
+                <a:latin typeface="+mn-lt"/>
+                <a:ea typeface="+mn-ea"/>
+                <a:cs typeface="+mn-cs"/>
+                <a:sym typeface="Arial"/>
+              </a:defRPr>
+            </a:lvl1pPr>
+            <a:lvl2pPr marR="0" lvl="1" algn="l" rtl="0">
+              <a:lnSpc>
+                <a:spcPct val="100000"/>
+              </a:lnSpc>
+              <a:spcBef>
+                <a:spcPts val="0"/>
+              </a:spcBef>
+              <a:spcAft>
+                <a:spcPts val="0"/>
+              </a:spcAft>
+              <a:buClr>
+                <a:srgbClr val="000000"/>
+              </a:buClr>
+              <a:buFont typeface="Arial"/>
+              <a:defRPr sz="1400" b="0" i="0" u="none" strike="noStrike" cap="none">
+                <a:solidFill>
+                  <a:schemeClr val="lt1"/>
+                </a:solidFill>
+                <a:latin typeface="+mn-lt"/>
+                <a:ea typeface="+mn-ea"/>
+                <a:cs typeface="+mn-cs"/>
+                <a:sym typeface="Arial"/>
+              </a:defRPr>
+            </a:lvl2pPr>
+            <a:lvl3pPr marR="0" lvl="2" algn="l" rtl="0">
+              <a:lnSpc>
+                <a:spcPct val="100000"/>
+              </a:lnSpc>
+              <a:spcBef>
+                <a:spcPts val="0"/>
+              </a:spcBef>
+              <a:spcAft>
+                <a:spcPts val="0"/>
+              </a:spcAft>
+              <a:buClr>
+                <a:srgbClr val="000000"/>
+              </a:buClr>
+              <a:buFont typeface="Arial"/>
+              <a:defRPr sz="1400" b="0" i="0" u="none" strike="noStrike" cap="none">
+                <a:solidFill>
+                  <a:schemeClr val="lt1"/>
+                </a:solidFill>
+                <a:latin typeface="+mn-lt"/>
+                <a:ea typeface="+mn-ea"/>
+                <a:cs typeface="+mn-cs"/>
+                <a:sym typeface="Arial"/>
+              </a:defRPr>
+            </a:lvl3pPr>
+            <a:lvl4pPr marR="0" lvl="3" algn="l" rtl="0">
+              <a:lnSpc>
+                <a:spcPct val="100000"/>
+              </a:lnSpc>
+              <a:spcBef>
+                <a:spcPts val="0"/>
+              </a:spcBef>
+              <a:spcAft>
+                <a:spcPts val="0"/>
+              </a:spcAft>
+              <a:buClr>
+                <a:srgbClr val="000000"/>
+              </a:buClr>
+              <a:buFont typeface="Arial"/>
+              <a:defRPr sz="1400" b="0" i="0" u="none" strike="noStrike" cap="none">
+                <a:solidFill>
+                  <a:schemeClr val="lt1"/>
+                </a:solidFill>
+                <a:latin typeface="+mn-lt"/>
+                <a:ea typeface="+mn-ea"/>
+                <a:cs typeface="+mn-cs"/>
+                <a:sym typeface="Arial"/>
+              </a:defRPr>
+            </a:lvl4pPr>
+            <a:lvl5pPr marR="0" lvl="4" algn="l" rtl="0">
+              <a:lnSpc>
+                <a:spcPct val="100000"/>
+              </a:lnSpc>
+              <a:spcBef>
+                <a:spcPts val="0"/>
+              </a:spcBef>
+              <a:spcAft>
+                <a:spcPts val="0"/>
+              </a:spcAft>
+              <a:buClr>
+                <a:srgbClr val="000000"/>
+              </a:buClr>
+              <a:buFont typeface="Arial"/>
+              <a:defRPr sz="1400" b="0" i="0" u="none" strike="noStrike" cap="none">
+                <a:solidFill>
+                  <a:schemeClr val="lt1"/>
+                </a:solidFill>
+                <a:latin typeface="+mn-lt"/>
+                <a:ea typeface="+mn-ea"/>
+                <a:cs typeface="+mn-cs"/>
+                <a:sym typeface="Arial"/>
+              </a:defRPr>
+            </a:lvl5pPr>
+            <a:lvl6pPr marR="0" lvl="5" algn="l" rtl="0">
+              <a:lnSpc>
+                <a:spcPct val="100000"/>
+              </a:lnSpc>
+              <a:spcBef>
+                <a:spcPts val="0"/>
+              </a:spcBef>
+              <a:spcAft>
+                <a:spcPts val="0"/>
+              </a:spcAft>
+              <a:buClr>
+                <a:srgbClr val="000000"/>
+              </a:buClr>
+              <a:buFont typeface="Arial"/>
+              <a:defRPr sz="1400" b="0" i="0" u="none" strike="noStrike" cap="none">
+                <a:solidFill>
+                  <a:schemeClr val="lt1"/>
+                </a:solidFill>
+                <a:latin typeface="+mn-lt"/>
+                <a:ea typeface="+mn-ea"/>
+                <a:cs typeface="+mn-cs"/>
+                <a:sym typeface="Arial"/>
+              </a:defRPr>
+            </a:lvl6pPr>
+            <a:lvl7pPr marR="0" lvl="6" algn="l" rtl="0">
+              <a:lnSpc>
+                <a:spcPct val="100000"/>
+              </a:lnSpc>
+              <a:spcBef>
+                <a:spcPts val="0"/>
+              </a:spcBef>
+              <a:spcAft>
+                <a:spcPts val="0"/>
+              </a:spcAft>
+              <a:buClr>
+                <a:srgbClr val="000000"/>
+              </a:buClr>
+              <a:buFont typeface="Arial"/>
+              <a:defRPr sz="1400" b="0" i="0" u="none" strike="noStrike" cap="none">
+                <a:solidFill>
+                  <a:schemeClr val="lt1"/>
+                </a:solidFill>
+                <a:latin typeface="+mn-lt"/>
+                <a:ea typeface="+mn-ea"/>
+                <a:cs typeface="+mn-cs"/>
+                <a:sym typeface="Arial"/>
+              </a:defRPr>
+            </a:lvl7pPr>
+            <a:lvl8pPr marR="0" lvl="7" algn="l" rtl="0">
+              <a:lnSpc>
+                <a:spcPct val="100000"/>
+              </a:lnSpc>
+              <a:spcBef>
+                <a:spcPts val="0"/>
+              </a:spcBef>
+              <a:spcAft>
+                <a:spcPts val="0"/>
+              </a:spcAft>
+              <a:buClr>
+                <a:srgbClr val="000000"/>
+              </a:buClr>
+              <a:buFont typeface="Arial"/>
+              <a:defRPr sz="1400" b="0" i="0" u="none" strike="noStrike" cap="none">
+                <a:solidFill>
+                  <a:schemeClr val="lt1"/>
+                </a:solidFill>
+                <a:latin typeface="+mn-lt"/>
+                <a:ea typeface="+mn-ea"/>
+                <a:cs typeface="+mn-cs"/>
+                <a:sym typeface="Arial"/>
+              </a:defRPr>
+            </a:lvl8pPr>
+            <a:lvl9pPr marR="0" lvl="8" algn="l" rtl="0">
+              <a:lnSpc>
+                <a:spcPct val="100000"/>
+              </a:lnSpc>
+              <a:spcBef>
+                <a:spcPts val="0"/>
+              </a:spcBef>
+              <a:spcAft>
+                <a:spcPts val="0"/>
+              </a:spcAft>
+              <a:buClr>
+                <a:srgbClr val="000000"/>
+              </a:buClr>
+              <a:buFont typeface="Arial"/>
+              <a:defRPr sz="1400" b="0" i="0" u="none" strike="noStrike" cap="none">
+                <a:solidFill>
+                  <a:schemeClr val="lt1"/>
+                </a:solidFill>
+                <a:latin typeface="+mn-lt"/>
+                <a:ea typeface="+mn-ea"/>
+                <a:cs typeface="+mn-cs"/>
+                <a:sym typeface="Arial"/>
+              </a:defRPr>
+            </a:lvl9pPr>
+          </a:lstStyle>
+          <a:p>
+            <a:pPr algn="ctr"/>
+            <a:r>
+              <a:rPr lang="en-US" dirty="0">
+                <a:solidFill>
+                  <a:srgbClr val="500064"/>
+                </a:solidFill>
+              </a:rPr>
+              <a:t>3</a:t>
+            </a:r>
+            <a:endParaRPr lang="en-GB" dirty="0">
+              <a:solidFill>
+                <a:srgbClr val="500064"/>
+              </a:solidFill>
+            </a:endParaRPr>
+          </a:p>
+        </p:txBody>
+      </p:sp>
+      <p:cxnSp>
+        <p:nvCxnSpPr>
+          <p:cNvPr id="14" name="Straight Arrow Connector 13">
+            <a:extLst>
+              <a:ext uri="{FF2B5EF4-FFF2-40B4-BE49-F238E27FC236}">
+                <a16:creationId xmlns:a16="http://schemas.microsoft.com/office/drawing/2014/main" id="{83BD1DE2-5CB3-4C01-AA58-13904FBE7B1C}"/>
+              </a:ext>
+            </a:extLst>
+          </p:cNvPr>
+          <p:cNvCxnSpPr>
+            <a:cxnSpLocks/>
+          </p:cNvCxnSpPr>
+          <p:nvPr/>
+        </p:nvCxnSpPr>
+        <p:spPr>
+          <a:xfrm>
+            <a:off x="3662252" y="2424636"/>
+            <a:ext cx="0" cy="374613"/>
+          </a:xfrm>
+          <a:prstGeom prst="straightConnector1">
+            <a:avLst/>
+          </a:prstGeom>
+          <a:ln w="28575">
+            <a:solidFill>
+              <a:srgbClr val="00AEEF"/>
+            </a:solidFill>
+            <a:tailEnd type="triangle"/>
+          </a:ln>
+        </p:spPr>
+        <p:style>
+          <a:lnRef idx="1">
+            <a:schemeClr val="accent1"/>
+          </a:lnRef>
+          <a:fillRef idx="0">
+            <a:schemeClr val="accent1"/>
+          </a:fillRef>
+          <a:effectRef idx="0">
+            <a:schemeClr val="accent1"/>
+          </a:effectRef>
+          <a:fontRef idx="minor">
+            <a:schemeClr val="tx1"/>
+          </a:fontRef>
+        </p:style>
+      </p:cxnSp>
+      <p:sp>
+        <p:nvSpPr>
+          <p:cNvPr id="15" name="Rectangle 14">
+            <a:extLst>
+              <a:ext uri="{FF2B5EF4-FFF2-40B4-BE49-F238E27FC236}">
+                <a16:creationId xmlns:a16="http://schemas.microsoft.com/office/drawing/2014/main" id="{6DD63656-1FF9-43B0-A3AD-5E2FC7C7E40E}"/>
+              </a:ext>
+            </a:extLst>
+          </p:cNvPr>
+          <p:cNvSpPr/>
+          <p:nvPr/>
+        </p:nvSpPr>
+        <p:spPr>
+          <a:xfrm>
+            <a:off x="3516140" y="2833829"/>
+            <a:ext cx="308102" cy="374613"/>
+          </a:xfrm>
+          <a:prstGeom prst="rect">
+            <a:avLst/>
+          </a:prstGeom>
+          <a:solidFill>
+            <a:schemeClr val="bg1"/>
+          </a:solidFill>
+          <a:ln>
+            <a:solidFill>
+              <a:srgbClr val="500064"/>
+            </a:solidFill>
+          </a:ln>
+        </p:spPr>
+        <p:style>
+          <a:lnRef idx="2">
+            <a:schemeClr val="accent1">
+              <a:shade val="50000"/>
+            </a:schemeClr>
+          </a:lnRef>
+          <a:fillRef idx="1">
+            <a:schemeClr val="accent1"/>
+          </a:fillRef>
+          <a:effectRef idx="0">
+            <a:schemeClr val="accent1"/>
+          </a:effectRef>
+          <a:fontRef idx="minor">
+            <a:schemeClr val="lt1"/>
+          </a:fontRef>
+        </p:style>
+        <p:txBody>
+          <a:bodyPr rtlCol="0" anchor="ctr"/>
+          <a:lstStyle>
+            <a:defPPr marR="0" lvl="0" algn="l" rtl="0">
+              <a:lnSpc>
+                <a:spcPct val="100000"/>
+              </a:lnSpc>
+              <a:spcBef>
+                <a:spcPts val="0"/>
+              </a:spcBef>
+              <a:spcAft>
+                <a:spcPts val="0"/>
+              </a:spcAft>
+            </a:defPPr>
+            <a:lvl1pPr marR="0" lvl="0" algn="l" rtl="0">
+              <a:lnSpc>
+                <a:spcPct val="100000"/>
+              </a:lnSpc>
+              <a:spcBef>
+                <a:spcPts val="0"/>
+              </a:spcBef>
+              <a:spcAft>
+                <a:spcPts val="0"/>
+              </a:spcAft>
+              <a:buClr>
+                <a:srgbClr val="000000"/>
+              </a:buClr>
+              <a:buFont typeface="Arial"/>
+              <a:defRPr sz="1400" b="0" i="0" u="none" strike="noStrike" cap="none">
+                <a:solidFill>
+                  <a:schemeClr val="lt1"/>
+                </a:solidFill>
+                <a:latin typeface="+mn-lt"/>
+                <a:ea typeface="+mn-ea"/>
+                <a:cs typeface="+mn-cs"/>
+                <a:sym typeface="Arial"/>
+              </a:defRPr>
+            </a:lvl1pPr>
+            <a:lvl2pPr marR="0" lvl="1" algn="l" rtl="0">
+              <a:lnSpc>
+                <a:spcPct val="100000"/>
+              </a:lnSpc>
+              <a:spcBef>
+                <a:spcPts val="0"/>
+              </a:spcBef>
+              <a:spcAft>
+                <a:spcPts val="0"/>
+              </a:spcAft>
+              <a:buClr>
+                <a:srgbClr val="000000"/>
+              </a:buClr>
+              <a:buFont typeface="Arial"/>
+              <a:defRPr sz="1400" b="0" i="0" u="none" strike="noStrike" cap="none">
+                <a:solidFill>
+                  <a:schemeClr val="lt1"/>
+                </a:solidFill>
+                <a:latin typeface="+mn-lt"/>
+                <a:ea typeface="+mn-ea"/>
+                <a:cs typeface="+mn-cs"/>
+                <a:sym typeface="Arial"/>
+              </a:defRPr>
+            </a:lvl2pPr>
+            <a:lvl3pPr marR="0" lvl="2" algn="l" rtl="0">
+              <a:lnSpc>
+                <a:spcPct val="100000"/>
+              </a:lnSpc>
+              <a:spcBef>
+                <a:spcPts val="0"/>
+              </a:spcBef>
+              <a:spcAft>
+                <a:spcPts val="0"/>
+              </a:spcAft>
+              <a:buClr>
+                <a:srgbClr val="000000"/>
+              </a:buClr>
+              <a:buFont typeface="Arial"/>
+              <a:defRPr sz="1400" b="0" i="0" u="none" strike="noStrike" cap="none">
+                <a:solidFill>
+                  <a:schemeClr val="lt1"/>
+                </a:solidFill>
+                <a:latin typeface="+mn-lt"/>
+                <a:ea typeface="+mn-ea"/>
+                <a:cs typeface="+mn-cs"/>
+                <a:sym typeface="Arial"/>
+              </a:defRPr>
+            </a:lvl3pPr>
+            <a:lvl4pPr marR="0" lvl="3" algn="l" rtl="0">
+              <a:lnSpc>
+                <a:spcPct val="100000"/>
+              </a:lnSpc>
+              <a:spcBef>
+                <a:spcPts val="0"/>
+              </a:spcBef>
+              <a:spcAft>
+                <a:spcPts val="0"/>
+              </a:spcAft>
+              <a:buClr>
+                <a:srgbClr val="000000"/>
+              </a:buClr>
+              <a:buFont typeface="Arial"/>
+              <a:defRPr sz="1400" b="0" i="0" u="none" strike="noStrike" cap="none">
+                <a:solidFill>
+                  <a:schemeClr val="lt1"/>
+                </a:solidFill>
+                <a:latin typeface="+mn-lt"/>
+                <a:ea typeface="+mn-ea"/>
+                <a:cs typeface="+mn-cs"/>
+                <a:sym typeface="Arial"/>
+              </a:defRPr>
+            </a:lvl4pPr>
+            <a:lvl5pPr marR="0" lvl="4" algn="l" rtl="0">
+              <a:lnSpc>
+                <a:spcPct val="100000"/>
+              </a:lnSpc>
+              <a:spcBef>
+                <a:spcPts val="0"/>
+              </a:spcBef>
+              <a:spcAft>
+                <a:spcPts val="0"/>
+              </a:spcAft>
+              <a:buClr>
+                <a:srgbClr val="000000"/>
+              </a:buClr>
+              <a:buFont typeface="Arial"/>
+              <a:defRPr sz="1400" b="0" i="0" u="none" strike="noStrike" cap="none">
+                <a:solidFill>
+                  <a:schemeClr val="lt1"/>
+                </a:solidFill>
+                <a:latin typeface="+mn-lt"/>
+                <a:ea typeface="+mn-ea"/>
+                <a:cs typeface="+mn-cs"/>
+                <a:sym typeface="Arial"/>
+              </a:defRPr>
+            </a:lvl5pPr>
+            <a:lvl6pPr marR="0" lvl="5" algn="l" rtl="0">
+              <a:lnSpc>
+                <a:spcPct val="100000"/>
+              </a:lnSpc>
+              <a:spcBef>
+                <a:spcPts val="0"/>
+              </a:spcBef>
+              <a:spcAft>
+                <a:spcPts val="0"/>
+              </a:spcAft>
+              <a:buClr>
+                <a:srgbClr val="000000"/>
+              </a:buClr>
+              <a:buFont typeface="Arial"/>
+              <a:defRPr sz="1400" b="0" i="0" u="none" strike="noStrike" cap="none">
+                <a:solidFill>
+                  <a:schemeClr val="lt1"/>
+                </a:solidFill>
+                <a:latin typeface="+mn-lt"/>
+                <a:ea typeface="+mn-ea"/>
+                <a:cs typeface="+mn-cs"/>
+                <a:sym typeface="Arial"/>
+              </a:defRPr>
+            </a:lvl6pPr>
+            <a:lvl7pPr marR="0" lvl="6" algn="l" rtl="0">
+              <a:lnSpc>
+                <a:spcPct val="100000"/>
+              </a:lnSpc>
+              <a:spcBef>
+                <a:spcPts val="0"/>
+              </a:spcBef>
+              <a:spcAft>
+                <a:spcPts val="0"/>
+              </a:spcAft>
+              <a:buClr>
+                <a:srgbClr val="000000"/>
+              </a:buClr>
+              <a:buFont typeface="Arial"/>
+              <a:defRPr sz="1400" b="0" i="0" u="none" strike="noStrike" cap="none">
+                <a:solidFill>
+                  <a:schemeClr val="lt1"/>
+                </a:solidFill>
+                <a:latin typeface="+mn-lt"/>
+                <a:ea typeface="+mn-ea"/>
+                <a:cs typeface="+mn-cs"/>
+                <a:sym typeface="Arial"/>
+              </a:defRPr>
+            </a:lvl7pPr>
+            <a:lvl8pPr marR="0" lvl="7" algn="l" rtl="0">
+              <a:lnSpc>
+                <a:spcPct val="100000"/>
+              </a:lnSpc>
+              <a:spcBef>
+                <a:spcPts val="0"/>
+              </a:spcBef>
+              <a:spcAft>
+                <a:spcPts val="0"/>
+              </a:spcAft>
+              <a:buClr>
+                <a:srgbClr val="000000"/>
+              </a:buClr>
+              <a:buFont typeface="Arial"/>
+              <a:defRPr sz="1400" b="0" i="0" u="none" strike="noStrike" cap="none">
+                <a:solidFill>
+                  <a:schemeClr val="lt1"/>
+                </a:solidFill>
+                <a:latin typeface="+mn-lt"/>
+                <a:ea typeface="+mn-ea"/>
+                <a:cs typeface="+mn-cs"/>
+                <a:sym typeface="Arial"/>
+              </a:defRPr>
+            </a:lvl8pPr>
+            <a:lvl9pPr marR="0" lvl="8" algn="l" rtl="0">
+              <a:lnSpc>
+                <a:spcPct val="100000"/>
+              </a:lnSpc>
+              <a:spcBef>
+                <a:spcPts val="0"/>
+              </a:spcBef>
+              <a:spcAft>
+                <a:spcPts val="0"/>
+              </a:spcAft>
+              <a:buClr>
+                <a:srgbClr val="000000"/>
+              </a:buClr>
+              <a:buFont typeface="Arial"/>
+              <a:defRPr sz="1400" b="0" i="0" u="none" strike="noStrike" cap="none">
+                <a:solidFill>
+                  <a:schemeClr val="lt1"/>
+                </a:solidFill>
+                <a:latin typeface="+mn-lt"/>
+                <a:ea typeface="+mn-ea"/>
+                <a:cs typeface="+mn-cs"/>
+                <a:sym typeface="Arial"/>
+              </a:defRPr>
+            </a:lvl9pPr>
+          </a:lstStyle>
+          <a:p>
+            <a:pPr algn="ctr"/>
+            <a:r>
+              <a:rPr lang="en-US" dirty="0">
+                <a:solidFill>
+                  <a:srgbClr val="500064"/>
+                </a:solidFill>
+              </a:rPr>
+              <a:t>2</a:t>
+            </a:r>
+            <a:endParaRPr lang="en-GB" dirty="0">
+              <a:solidFill>
+                <a:srgbClr val="500064"/>
+              </a:solidFill>
+            </a:endParaRPr>
+          </a:p>
+        </p:txBody>
+      </p:sp>
+      <p:cxnSp>
+        <p:nvCxnSpPr>
+          <p:cNvPr id="16" name="Straight Arrow Connector 15">
+            <a:extLst>
+              <a:ext uri="{FF2B5EF4-FFF2-40B4-BE49-F238E27FC236}">
+                <a16:creationId xmlns:a16="http://schemas.microsoft.com/office/drawing/2014/main" id="{042AC43C-DFE8-44C0-813C-6FFF660F403B}"/>
+              </a:ext>
+            </a:extLst>
+          </p:cNvPr>
+          <p:cNvCxnSpPr>
+            <a:cxnSpLocks/>
+          </p:cNvCxnSpPr>
+          <p:nvPr/>
+        </p:nvCxnSpPr>
+        <p:spPr>
+          <a:xfrm>
+            <a:off x="4584759" y="2414729"/>
+            <a:ext cx="0" cy="374613"/>
+          </a:xfrm>
+          <a:prstGeom prst="straightConnector1">
+            <a:avLst/>
+          </a:prstGeom>
+          <a:ln w="28575">
+            <a:solidFill>
+              <a:srgbClr val="00AEEF"/>
+            </a:solidFill>
+            <a:tailEnd type="triangle"/>
+          </a:ln>
+        </p:spPr>
+        <p:style>
+          <a:lnRef idx="1">
+            <a:schemeClr val="accent1"/>
+          </a:lnRef>
+          <a:fillRef idx="0">
+            <a:schemeClr val="accent1"/>
+          </a:fillRef>
+          <a:effectRef idx="0">
+            <a:schemeClr val="accent1"/>
+          </a:effectRef>
+          <a:fontRef idx="minor">
+            <a:schemeClr val="tx1"/>
+          </a:fontRef>
+        </p:style>
+      </p:cxnSp>
+      <p:sp>
+        <p:nvSpPr>
+          <p:cNvPr id="17" name="Rectangle 16">
+            <a:extLst>
+              <a:ext uri="{FF2B5EF4-FFF2-40B4-BE49-F238E27FC236}">
+                <a16:creationId xmlns:a16="http://schemas.microsoft.com/office/drawing/2014/main" id="{95CD61D7-8036-4E8B-8402-638C312896EB}"/>
+              </a:ext>
+            </a:extLst>
+          </p:cNvPr>
+          <p:cNvSpPr/>
+          <p:nvPr/>
+        </p:nvSpPr>
+        <p:spPr>
+          <a:xfrm>
+            <a:off x="4448881" y="2833829"/>
+            <a:ext cx="308102" cy="374613"/>
+          </a:xfrm>
+          <a:prstGeom prst="rect">
+            <a:avLst/>
+          </a:prstGeom>
+          <a:solidFill>
+            <a:schemeClr val="bg1"/>
+          </a:solidFill>
+          <a:ln>
+            <a:solidFill>
+              <a:srgbClr val="500064"/>
+            </a:solidFill>
+          </a:ln>
+        </p:spPr>
+        <p:style>
+          <a:lnRef idx="2">
+            <a:schemeClr val="accent1">
+              <a:shade val="50000"/>
+            </a:schemeClr>
+          </a:lnRef>
+          <a:fillRef idx="1">
+            <a:schemeClr val="accent1"/>
+          </a:fillRef>
+          <a:effectRef idx="0">
+            <a:schemeClr val="accent1"/>
+          </a:effectRef>
+          <a:fontRef idx="minor">
+            <a:schemeClr val="lt1"/>
+          </a:fontRef>
+        </p:style>
+        <p:txBody>
+          <a:bodyPr rtlCol="0" anchor="ctr"/>
+          <a:lstStyle>
+            <a:defPPr marR="0" lvl="0" algn="l" rtl="0">
+              <a:lnSpc>
+                <a:spcPct val="100000"/>
+              </a:lnSpc>
+              <a:spcBef>
+                <a:spcPts val="0"/>
+              </a:spcBef>
+              <a:spcAft>
+                <a:spcPts val="0"/>
+              </a:spcAft>
+            </a:defPPr>
+            <a:lvl1pPr marR="0" lvl="0" algn="l" rtl="0">
+              <a:lnSpc>
+                <a:spcPct val="100000"/>
+              </a:lnSpc>
+              <a:spcBef>
+                <a:spcPts val="0"/>
+              </a:spcBef>
+              <a:spcAft>
+                <a:spcPts val="0"/>
+              </a:spcAft>
+              <a:buClr>
+                <a:srgbClr val="000000"/>
+              </a:buClr>
+              <a:buFont typeface="Arial"/>
+              <a:defRPr sz="1400" b="0" i="0" u="none" strike="noStrike" cap="none">
+                <a:solidFill>
+                  <a:schemeClr val="lt1"/>
+                </a:solidFill>
+                <a:latin typeface="+mn-lt"/>
+                <a:ea typeface="+mn-ea"/>
+                <a:cs typeface="+mn-cs"/>
+                <a:sym typeface="Arial"/>
+              </a:defRPr>
+            </a:lvl1pPr>
+            <a:lvl2pPr marR="0" lvl="1" algn="l" rtl="0">
+              <a:lnSpc>
+                <a:spcPct val="100000"/>
+              </a:lnSpc>
+              <a:spcBef>
+                <a:spcPts val="0"/>
+              </a:spcBef>
+              <a:spcAft>
+                <a:spcPts val="0"/>
+              </a:spcAft>
+              <a:buClr>
+                <a:srgbClr val="000000"/>
+              </a:buClr>
+              <a:buFont typeface="Arial"/>
+              <a:defRPr sz="1400" b="0" i="0" u="none" strike="noStrike" cap="none">
+                <a:solidFill>
+                  <a:schemeClr val="lt1"/>
+                </a:solidFill>
+                <a:latin typeface="+mn-lt"/>
+                <a:ea typeface="+mn-ea"/>
+                <a:cs typeface="+mn-cs"/>
+                <a:sym typeface="Arial"/>
+              </a:defRPr>
+            </a:lvl2pPr>
+            <a:lvl3pPr marR="0" lvl="2" algn="l" rtl="0">
+              <a:lnSpc>
+                <a:spcPct val="100000"/>
+              </a:lnSpc>
+              <a:spcBef>
+                <a:spcPts val="0"/>
+              </a:spcBef>
+              <a:spcAft>
+                <a:spcPts val="0"/>
+              </a:spcAft>
+              <a:buClr>
+                <a:srgbClr val="000000"/>
+              </a:buClr>
+              <a:buFont typeface="Arial"/>
+              <a:defRPr sz="1400" b="0" i="0" u="none" strike="noStrike" cap="none">
+                <a:solidFill>
+                  <a:schemeClr val="lt1"/>
+                </a:solidFill>
+                <a:latin typeface="+mn-lt"/>
+                <a:ea typeface="+mn-ea"/>
+                <a:cs typeface="+mn-cs"/>
+                <a:sym typeface="Arial"/>
+              </a:defRPr>
+            </a:lvl3pPr>
+            <a:lvl4pPr marR="0" lvl="3" algn="l" rtl="0">
+              <a:lnSpc>
+                <a:spcPct val="100000"/>
+              </a:lnSpc>
+              <a:spcBef>
+                <a:spcPts val="0"/>
+              </a:spcBef>
+              <a:spcAft>
+                <a:spcPts val="0"/>
+              </a:spcAft>
+              <a:buClr>
+                <a:srgbClr val="000000"/>
+              </a:buClr>
+              <a:buFont typeface="Arial"/>
+              <a:defRPr sz="1400" b="0" i="0" u="none" strike="noStrike" cap="none">
+                <a:solidFill>
+                  <a:schemeClr val="lt1"/>
+                </a:solidFill>
+                <a:latin typeface="+mn-lt"/>
+                <a:ea typeface="+mn-ea"/>
+                <a:cs typeface="+mn-cs"/>
+                <a:sym typeface="Arial"/>
+              </a:defRPr>
+            </a:lvl4pPr>
+            <a:lvl5pPr marR="0" lvl="4" algn="l" rtl="0">
+              <a:lnSpc>
+                <a:spcPct val="100000"/>
+              </a:lnSpc>
+              <a:spcBef>
+                <a:spcPts val="0"/>
+              </a:spcBef>
+              <a:spcAft>
+                <a:spcPts val="0"/>
+              </a:spcAft>
+              <a:buClr>
+                <a:srgbClr val="000000"/>
+              </a:buClr>
+              <a:buFont typeface="Arial"/>
+              <a:defRPr sz="1400" b="0" i="0" u="none" strike="noStrike" cap="none">
+                <a:solidFill>
+                  <a:schemeClr val="lt1"/>
+                </a:solidFill>
+                <a:latin typeface="+mn-lt"/>
+                <a:ea typeface="+mn-ea"/>
+                <a:cs typeface="+mn-cs"/>
+                <a:sym typeface="Arial"/>
+              </a:defRPr>
+            </a:lvl5pPr>
+            <a:lvl6pPr marR="0" lvl="5" algn="l" rtl="0">
+              <a:lnSpc>
+                <a:spcPct val="100000"/>
+              </a:lnSpc>
+              <a:spcBef>
+                <a:spcPts val="0"/>
+              </a:spcBef>
+              <a:spcAft>
+                <a:spcPts val="0"/>
+              </a:spcAft>
+              <a:buClr>
+                <a:srgbClr val="000000"/>
+              </a:buClr>
+              <a:buFont typeface="Arial"/>
+              <a:defRPr sz="1400" b="0" i="0" u="none" strike="noStrike" cap="none">
+                <a:solidFill>
+                  <a:schemeClr val="lt1"/>
+                </a:solidFill>
+                <a:latin typeface="+mn-lt"/>
+                <a:ea typeface="+mn-ea"/>
+                <a:cs typeface="+mn-cs"/>
+                <a:sym typeface="Arial"/>
+              </a:defRPr>
+            </a:lvl6pPr>
+            <a:lvl7pPr marR="0" lvl="6" algn="l" rtl="0">
+              <a:lnSpc>
+                <a:spcPct val="100000"/>
+              </a:lnSpc>
+              <a:spcBef>
+                <a:spcPts val="0"/>
+              </a:spcBef>
+              <a:spcAft>
+                <a:spcPts val="0"/>
+              </a:spcAft>
+              <a:buClr>
+                <a:srgbClr val="000000"/>
+              </a:buClr>
+              <a:buFont typeface="Arial"/>
+              <a:defRPr sz="1400" b="0" i="0" u="none" strike="noStrike" cap="none">
+                <a:solidFill>
+                  <a:schemeClr val="lt1"/>
+                </a:solidFill>
+                <a:latin typeface="+mn-lt"/>
+                <a:ea typeface="+mn-ea"/>
+                <a:cs typeface="+mn-cs"/>
+                <a:sym typeface="Arial"/>
+              </a:defRPr>
+            </a:lvl7pPr>
+            <a:lvl8pPr marR="0" lvl="7" algn="l" rtl="0">
+              <a:lnSpc>
+                <a:spcPct val="100000"/>
+              </a:lnSpc>
+              <a:spcBef>
+                <a:spcPts val="0"/>
+              </a:spcBef>
+              <a:spcAft>
+                <a:spcPts val="0"/>
+              </a:spcAft>
+              <a:buClr>
+                <a:srgbClr val="000000"/>
+              </a:buClr>
+              <a:buFont typeface="Arial"/>
+              <a:defRPr sz="1400" b="0" i="0" u="none" strike="noStrike" cap="none">
+                <a:solidFill>
+                  <a:schemeClr val="lt1"/>
+                </a:solidFill>
+                <a:latin typeface="+mn-lt"/>
+                <a:ea typeface="+mn-ea"/>
+                <a:cs typeface="+mn-cs"/>
+                <a:sym typeface="Arial"/>
+              </a:defRPr>
+            </a:lvl8pPr>
+            <a:lvl9pPr marR="0" lvl="8" algn="l" rtl="0">
+              <a:lnSpc>
+                <a:spcPct val="100000"/>
+              </a:lnSpc>
+              <a:spcBef>
+                <a:spcPts val="0"/>
+              </a:spcBef>
+              <a:spcAft>
+                <a:spcPts val="0"/>
+              </a:spcAft>
+              <a:buClr>
+                <a:srgbClr val="000000"/>
+              </a:buClr>
+              <a:buFont typeface="Arial"/>
+              <a:defRPr sz="1400" b="0" i="0" u="none" strike="noStrike" cap="none">
+                <a:solidFill>
+                  <a:schemeClr val="lt1"/>
+                </a:solidFill>
+                <a:latin typeface="+mn-lt"/>
+                <a:ea typeface="+mn-ea"/>
+                <a:cs typeface="+mn-cs"/>
+                <a:sym typeface="Arial"/>
+              </a:defRPr>
+            </a:lvl9pPr>
+          </a:lstStyle>
+          <a:p>
+            <a:pPr algn="ctr"/>
+            <a:r>
+              <a:rPr lang="en-US" dirty="0">
+                <a:solidFill>
+                  <a:srgbClr val="500064"/>
+                </a:solidFill>
+              </a:rPr>
+              <a:t>4</a:t>
+            </a:r>
+            <a:endParaRPr lang="en-GB" dirty="0">
+              <a:solidFill>
+                <a:srgbClr val="500064"/>
+              </a:solidFill>
+            </a:endParaRPr>
+          </a:p>
+        </p:txBody>
+      </p:sp>
+      <p:sp>
+        <p:nvSpPr>
+          <p:cNvPr id="18" name="Text Placeholder 1">
+            <a:extLst>
+              <a:ext uri="{FF2B5EF4-FFF2-40B4-BE49-F238E27FC236}">
+                <a16:creationId xmlns:a16="http://schemas.microsoft.com/office/drawing/2014/main" id="{2DB4F8CB-0837-44F7-B698-B60356A24E71}"/>
+              </a:ext>
+            </a:extLst>
+          </p:cNvPr>
+          <p:cNvSpPr txBox="1">
+            <a:spLocks/>
+          </p:cNvSpPr>
+          <p:nvPr/>
+        </p:nvSpPr>
+        <p:spPr>
+          <a:xfrm>
+            <a:off x="1133319" y="1167518"/>
+            <a:ext cx="3368541" cy="576153"/>
+          </a:xfrm>
+          <a:prstGeom prst="rect">
+            <a:avLst/>
+          </a:prstGeom>
+        </p:spPr>
+        <p:txBody>
+          <a:bodyPr spcFirstLastPara="1" wrap="square" lIns="91425" tIns="91425" rIns="91425" bIns="91425" anchor="t" anchorCtr="0"/>
+          <a:lstStyle>
+            <a:defPPr marR="0" lvl="0" algn="l" rtl="0">
+              <a:lnSpc>
+                <a:spcPct val="100000"/>
+              </a:lnSpc>
+              <a:spcBef>
+                <a:spcPts val="0"/>
+              </a:spcBef>
+              <a:spcAft>
+                <a:spcPts val="0"/>
+              </a:spcAft>
+            </a:defPPr>
+            <a:lvl1pPr marR="0" lvl="0" algn="l" rtl="0">
+              <a:lnSpc>
+                <a:spcPct val="100000"/>
+              </a:lnSpc>
+              <a:spcBef>
+                <a:spcPts val="0"/>
+              </a:spcBef>
+              <a:spcAft>
+                <a:spcPts val="0"/>
+              </a:spcAft>
+              <a:buClr>
+                <a:srgbClr val="000000"/>
+              </a:buClr>
+              <a:buFont typeface="Arial"/>
+              <a:defRPr sz="1400" b="0" i="0" u="none" strike="noStrike" cap="none">
+                <a:solidFill>
+                  <a:srgbClr val="000000"/>
+                </a:solidFill>
+                <a:latin typeface="Arial"/>
+                <a:ea typeface="Arial"/>
+                <a:cs typeface="Arial"/>
+                <a:sym typeface="Arial"/>
+              </a:defRPr>
+            </a:lvl1pPr>
+            <a:lvl2pPr marR="0" lvl="1" algn="l" rtl="0">
+              <a:lnSpc>
+                <a:spcPct val="100000"/>
+              </a:lnSpc>
+              <a:spcBef>
+                <a:spcPts val="0"/>
+              </a:spcBef>
+              <a:spcAft>
+                <a:spcPts val="0"/>
+              </a:spcAft>
+              <a:buClr>
+                <a:srgbClr val="000000"/>
+              </a:buClr>
+              <a:buFont typeface="Arial"/>
+              <a:defRPr sz="1400" b="0" i="0" u="none" strike="noStrike" cap="none">
+                <a:solidFill>
+                  <a:srgbClr val="000000"/>
+                </a:solidFill>
+                <a:latin typeface="Arial"/>
+                <a:ea typeface="Arial"/>
+                <a:cs typeface="Arial"/>
+                <a:sym typeface="Arial"/>
+              </a:defRPr>
+            </a:lvl2pPr>
+            <a:lvl3pPr marR="0" lvl="2" algn="l" rtl="0">
+              <a:lnSpc>
+                <a:spcPct val="100000"/>
+              </a:lnSpc>
+              <a:spcBef>
+                <a:spcPts val="0"/>
+              </a:spcBef>
+              <a:spcAft>
+                <a:spcPts val="0"/>
+              </a:spcAft>
+              <a:buClr>
+                <a:srgbClr val="000000"/>
+              </a:buClr>
+              <a:buFont typeface="Arial"/>
+              <a:defRPr sz="1400" b="0" i="0" u="none" strike="noStrike" cap="none">
+                <a:solidFill>
+                  <a:srgbClr val="000000"/>
+                </a:solidFill>
+                <a:latin typeface="Arial"/>
+                <a:ea typeface="Arial"/>
+                <a:cs typeface="Arial"/>
+                <a:sym typeface="Arial"/>
+              </a:defRPr>
+            </a:lvl3pPr>
+            <a:lvl4pPr marR="0" lvl="3" algn="l" rtl="0">
+              <a:lnSpc>
+                <a:spcPct val="100000"/>
+              </a:lnSpc>
+              <a:spcBef>
+                <a:spcPts val="0"/>
+              </a:spcBef>
+              <a:spcAft>
+                <a:spcPts val="0"/>
+              </a:spcAft>
+              <a:buClr>
+                <a:srgbClr val="000000"/>
+              </a:buClr>
+              <a:buFont typeface="Arial"/>
+              <a:defRPr sz="1400" b="0" i="0" u="none" strike="noStrike" cap="none">
+                <a:solidFill>
+                  <a:srgbClr val="000000"/>
+                </a:solidFill>
+                <a:latin typeface="Arial"/>
+                <a:ea typeface="Arial"/>
+                <a:cs typeface="Arial"/>
+                <a:sym typeface="Arial"/>
+              </a:defRPr>
+            </a:lvl4pPr>
+            <a:lvl5pPr marR="0" lvl="4" algn="l" rtl="0">
+              <a:lnSpc>
+                <a:spcPct val="100000"/>
+              </a:lnSpc>
+              <a:spcBef>
+                <a:spcPts val="0"/>
+              </a:spcBef>
+              <a:spcAft>
+                <a:spcPts val="0"/>
+              </a:spcAft>
+              <a:buClr>
+                <a:srgbClr val="000000"/>
+              </a:buClr>
+              <a:buFont typeface="Arial"/>
+              <a:defRPr sz="1400" b="0" i="0" u="none" strike="noStrike" cap="none">
+                <a:solidFill>
+                  <a:srgbClr val="000000"/>
+                </a:solidFill>
+                <a:latin typeface="Arial"/>
+                <a:ea typeface="Arial"/>
+                <a:cs typeface="Arial"/>
+                <a:sym typeface="Arial"/>
+              </a:defRPr>
+            </a:lvl5pPr>
+            <a:lvl6pPr marR="0" lvl="5" algn="l" rtl="0">
+              <a:lnSpc>
+                <a:spcPct val="100000"/>
+              </a:lnSpc>
+              <a:spcBef>
+                <a:spcPts val="0"/>
+              </a:spcBef>
+              <a:spcAft>
+                <a:spcPts val="0"/>
+              </a:spcAft>
+              <a:buClr>
+                <a:srgbClr val="000000"/>
+              </a:buClr>
+              <a:buFont typeface="Arial"/>
+              <a:defRPr sz="1400" b="0" i="0" u="none" strike="noStrike" cap="none">
+                <a:solidFill>
+                  <a:srgbClr val="000000"/>
+                </a:solidFill>
+                <a:latin typeface="Arial"/>
+                <a:ea typeface="Arial"/>
+                <a:cs typeface="Arial"/>
+                <a:sym typeface="Arial"/>
+              </a:defRPr>
+            </a:lvl6pPr>
+            <a:lvl7pPr marR="0" lvl="6" algn="l" rtl="0">
+              <a:lnSpc>
+                <a:spcPct val="100000"/>
+              </a:lnSpc>
+              <a:spcBef>
+                <a:spcPts val="0"/>
+              </a:spcBef>
+              <a:spcAft>
+                <a:spcPts val="0"/>
+              </a:spcAft>
+              <a:buClr>
+                <a:srgbClr val="000000"/>
+              </a:buClr>
+              <a:buFont typeface="Arial"/>
+              <a:defRPr sz="1400" b="0" i="0" u="none" strike="noStrike" cap="none">
+                <a:solidFill>
+                  <a:srgbClr val="000000"/>
+                </a:solidFill>
+                <a:latin typeface="Arial"/>
+                <a:ea typeface="Arial"/>
+                <a:cs typeface="Arial"/>
+                <a:sym typeface="Arial"/>
+              </a:defRPr>
+            </a:lvl7pPr>
+            <a:lvl8pPr marR="0" lvl="7" algn="l" rtl="0">
+              <a:lnSpc>
+                <a:spcPct val="100000"/>
+              </a:lnSpc>
+              <a:spcBef>
+                <a:spcPts val="0"/>
+              </a:spcBef>
+              <a:spcAft>
+                <a:spcPts val="0"/>
+              </a:spcAft>
+              <a:buClr>
+                <a:srgbClr val="000000"/>
+              </a:buClr>
+              <a:buFont typeface="Arial"/>
+              <a:defRPr sz="1400" b="0" i="0" u="none" strike="noStrike" cap="none">
+                <a:solidFill>
+                  <a:srgbClr val="000000"/>
+                </a:solidFill>
+                <a:latin typeface="Arial"/>
+                <a:ea typeface="Arial"/>
+                <a:cs typeface="Arial"/>
+                <a:sym typeface="Arial"/>
+              </a:defRPr>
+            </a:lvl8pPr>
+            <a:lvl9pPr marR="0" lvl="8" algn="l" rtl="0">
+              <a:lnSpc>
+                <a:spcPct val="100000"/>
+              </a:lnSpc>
+              <a:spcBef>
+                <a:spcPts val="0"/>
+              </a:spcBef>
+              <a:spcAft>
+                <a:spcPts val="0"/>
+              </a:spcAft>
+              <a:buClr>
+                <a:srgbClr val="000000"/>
+              </a:buClr>
+              <a:buFont typeface="Arial"/>
+              <a:defRPr sz="1400" b="0" i="0" u="none" strike="noStrike" cap="none">
+                <a:solidFill>
+                  <a:srgbClr val="000000"/>
+                </a:solidFill>
+                <a:latin typeface="Arial"/>
+                <a:ea typeface="Arial"/>
+                <a:cs typeface="Arial"/>
+                <a:sym typeface="Arial"/>
+              </a:defRPr>
+            </a:lvl9pPr>
+          </a:lstStyle>
+          <a:p>
+            <a:pPr marL="114300" indent="0">
+              <a:buFont typeface="Arial"/>
+              <a:buNone/>
+            </a:pPr>
+            <a:r>
+              <a:rPr lang="en-GB" dirty="0">
+                <a:solidFill>
+                  <a:srgbClr val="500064"/>
+                </a:solidFill>
+              </a:rPr>
+              <a:t>Arsenal</a:t>
+            </a:r>
+          </a:p>
+        </p:txBody>
+      </p:sp>
+      <p:sp>
+        <p:nvSpPr>
+          <p:cNvPr id="19" name="Title 1">
+            <a:extLst>
+              <a:ext uri="{FF2B5EF4-FFF2-40B4-BE49-F238E27FC236}">
+                <a16:creationId xmlns:a16="http://schemas.microsoft.com/office/drawing/2014/main" id="{ACFD3D1F-361B-5880-9528-F0E893206370}"/>
+              </a:ext>
+            </a:extLst>
+          </p:cNvPr>
+          <p:cNvSpPr txBox="1">
+            <a:spLocks/>
+          </p:cNvSpPr>
+          <p:nvPr/>
+        </p:nvSpPr>
+        <p:spPr>
+          <a:xfrm>
+            <a:off x="6906118" y="3325090"/>
+            <a:ext cx="5353016" cy="2607081"/>
+          </a:xfrm>
+          <a:prstGeom prst="rect">
+            <a:avLst/>
+          </a:prstGeom>
+        </p:spPr>
+        <p:txBody>
+          <a:bodyPr vert="horz" lIns="91440" tIns="45720" rIns="91440" bIns="45720" rtlCol="0" anchor="b">
+            <a:noAutofit/>
+          </a:bodyPr>
+          <a:lstStyle>
+            <a:lvl1pPr algn="ctr" defTabSz="914400" rtl="0" eaLnBrk="1" latinLnBrk="0" hangingPunct="1">
+              <a:lnSpc>
+                <a:spcPct val="90000"/>
+              </a:lnSpc>
+              <a:spcBef>
+                <a:spcPct val="0"/>
+              </a:spcBef>
+              <a:buNone/>
+              <a:defRPr sz="6000" kern="1200">
+                <a:solidFill>
+                  <a:schemeClr val="tx1"/>
+                </a:solidFill>
+                <a:latin typeface="+mj-lt"/>
+                <a:ea typeface="+mj-ea"/>
+                <a:cs typeface="+mj-cs"/>
+              </a:defRPr>
+            </a:lvl1pPr>
+          </a:lstStyle>
+          <a:p>
+            <a:pPr marL="342900" indent="-342900" algn="l">
+              <a:buFont typeface="Arial" panose="020B0604020202020204" pitchFamily="34" charset="0"/>
+              <a:buChar char="•"/>
+            </a:pPr>
+            <a:r>
+              <a:rPr lang="en-AU" sz="2400" b="1" dirty="0"/>
+              <a:t>Design: Ensemble</a:t>
+            </a:r>
+            <a:r>
+              <a:rPr lang="en-AU" sz="2400" dirty="0"/>
+              <a:t> of </a:t>
+            </a:r>
+            <a:r>
+              <a:rPr lang="en-AU" sz="2400" dirty="0" err="1"/>
+              <a:t>RocketClassifier</a:t>
+            </a:r>
+            <a:r>
+              <a:rPr lang="en-AU" sz="2400" dirty="0"/>
+              <a:t> </a:t>
+            </a:r>
+            <a:r>
+              <a:rPr lang="en-AU" sz="2400" b="1" dirty="0"/>
+              <a:t>pipeline</a:t>
+            </a:r>
+            <a:r>
+              <a:rPr lang="en-AU" sz="2400" dirty="0"/>
+              <a:t> classifiers</a:t>
+            </a:r>
+          </a:p>
+          <a:p>
+            <a:pPr marL="342900" indent="-342900" algn="l">
+              <a:buFont typeface="Arial" panose="020B0604020202020204" pitchFamily="34" charset="0"/>
+              <a:buChar char="•"/>
+            </a:pPr>
+            <a:r>
+              <a:rPr lang="en-AU" sz="2400" b="1" dirty="0"/>
+              <a:t>Accuracy weighting:</a:t>
+            </a:r>
+            <a:r>
+              <a:rPr lang="en-AU" sz="2400" dirty="0"/>
+              <a:t> Combine Out of Bag estimates for each component</a:t>
+            </a:r>
+          </a:p>
+          <a:p>
+            <a:pPr marL="342900" indent="-342900" algn="l">
+              <a:buFont typeface="Arial" panose="020B0604020202020204" pitchFamily="34" charset="0"/>
+              <a:buChar char="•"/>
+            </a:pPr>
+            <a:r>
+              <a:rPr lang="en-AU" sz="2400" b="1" dirty="0"/>
+              <a:t>Negative Bias? </a:t>
+            </a:r>
+            <a:r>
+              <a:rPr lang="en-AU" sz="2400" dirty="0"/>
+              <a:t>likely to be slightly pessimistic because estimates from smaller train sets </a:t>
+            </a:r>
+          </a:p>
+        </p:txBody>
+      </p:sp>
+      <p:sp>
+        <p:nvSpPr>
+          <p:cNvPr id="21" name="TextBox 20">
+            <a:extLst>
+              <a:ext uri="{FF2B5EF4-FFF2-40B4-BE49-F238E27FC236}">
+                <a16:creationId xmlns:a16="http://schemas.microsoft.com/office/drawing/2014/main" id="{6BC68A2F-A7AF-A6C1-1316-4732FF1321A6}"/>
+              </a:ext>
+            </a:extLst>
+          </p:cNvPr>
+          <p:cNvSpPr txBox="1"/>
+          <p:nvPr/>
+        </p:nvSpPr>
+        <p:spPr>
+          <a:xfrm>
+            <a:off x="6446982" y="1598152"/>
+            <a:ext cx="4385118" cy="1569660"/>
+          </a:xfrm>
+          <a:prstGeom prst="rect">
+            <a:avLst/>
+          </a:prstGeom>
+          <a:noFill/>
+        </p:spPr>
+        <p:txBody>
+          <a:bodyPr wrap="square">
+            <a:spAutoFit/>
+          </a:bodyPr>
+          <a:lstStyle/>
+          <a:p>
+            <a:r>
+              <a:rPr lang="en-GB" sz="2400" dirty="0" err="1"/>
+              <a:t>RocketClassifier</a:t>
+            </a:r>
+            <a:r>
+              <a:rPr lang="en-GB" sz="2400" dirty="0"/>
+              <a:t> does not produce probability estimates, so our solution is to simply ensemble</a:t>
+            </a:r>
+          </a:p>
+        </p:txBody>
+      </p:sp>
+      <p:pic>
+        <p:nvPicPr>
+          <p:cNvPr id="78" name="Picture 77">
+            <a:extLst>
+              <a:ext uri="{FF2B5EF4-FFF2-40B4-BE49-F238E27FC236}">
+                <a16:creationId xmlns:a16="http://schemas.microsoft.com/office/drawing/2014/main" id="{6C389429-7DFC-1C53-2727-803BB4925233}"/>
+              </a:ext>
+            </a:extLst>
+          </p:cNvPr>
+          <p:cNvPicPr>
+            <a:picLocks noChangeAspect="1"/>
+          </p:cNvPicPr>
+          <p:nvPr/>
+        </p:nvPicPr>
+        <p:blipFill>
+          <a:blip r:embed="rId2"/>
+          <a:stretch>
+            <a:fillRect/>
+          </a:stretch>
+        </p:blipFill>
+        <p:spPr>
+          <a:xfrm>
+            <a:off x="33114" y="3860800"/>
+            <a:ext cx="6932336" cy="2966395"/>
+          </a:xfrm>
+          <a:prstGeom prst="rect">
+            <a:avLst/>
+          </a:prstGeom>
+        </p:spPr>
+      </p:pic>
     </p:spTree>
     <p:extLst>
       <p:ext uri="{BB962C8B-B14F-4D97-AF65-F5344CB8AC3E}">
@@ -4159,6 +9019,36 @@
           <a:chExt cx="0" cy="0"/>
         </a:xfrm>
       </p:grpSpPr>
+      <p:pic>
+        <p:nvPicPr>
+          <p:cNvPr id="4" name="Picture 3">
+            <a:extLst>
+              <a:ext uri="{FF2B5EF4-FFF2-40B4-BE49-F238E27FC236}">
+                <a16:creationId xmlns:a16="http://schemas.microsoft.com/office/drawing/2014/main" id="{13D1C80A-C5B2-5517-5691-C6E4763253BA}"/>
+              </a:ext>
+            </a:extLst>
+          </p:cNvPr>
+          <p:cNvPicPr>
+            <a:picLocks noChangeAspect="1"/>
+          </p:cNvPicPr>
+          <p:nvPr/>
+        </p:nvPicPr>
+        <p:blipFill>
+          <a:blip r:embed="rId2"/>
+          <a:stretch>
+            <a:fillRect/>
+          </a:stretch>
+        </p:blipFill>
+        <p:spPr>
+          <a:xfrm>
+            <a:off x="224408" y="1489753"/>
+            <a:ext cx="7991612" cy="3470390"/>
+          </a:xfrm>
+          <a:prstGeom prst="rect">
+            <a:avLst/>
+          </a:prstGeom>
+        </p:spPr>
+      </p:pic>
       <p:sp>
         <p:nvSpPr>
           <p:cNvPr id="2" name="Title 1"/>
@@ -4183,11 +9073,136 @@
           <a:p>
             <a:r>
               <a:rPr lang="en-GB" dirty="0"/>
-              <a:t>HC2 Module 4: Diverse representation</a:t>
-            </a:r>
+              <a:t>Interval Based: </a:t>
+            </a:r>
+            <a:r>
+              <a:rPr lang="en-GB" dirty="0" err="1"/>
+              <a:t>DrCIF</a:t>
+            </a:r>
+            <a:endParaRPr lang="en-GB" dirty="0"/>
           </a:p>
         </p:txBody>
       </p:sp>
+      <p:sp>
+        <p:nvSpPr>
+          <p:cNvPr id="5" name="Title 1">
+            <a:extLst>
+              <a:ext uri="{FF2B5EF4-FFF2-40B4-BE49-F238E27FC236}">
+                <a16:creationId xmlns:a16="http://schemas.microsoft.com/office/drawing/2014/main" id="{4409FC91-4532-D308-46C2-FE036C8FA917}"/>
+              </a:ext>
+            </a:extLst>
+          </p:cNvPr>
+          <p:cNvSpPr txBox="1">
+            <a:spLocks/>
+          </p:cNvSpPr>
+          <p:nvPr/>
+        </p:nvSpPr>
+        <p:spPr>
+          <a:xfrm>
+            <a:off x="100374" y="5066617"/>
+            <a:ext cx="11749881" cy="1270000"/>
+          </a:xfrm>
+          <a:prstGeom prst="rect">
+            <a:avLst/>
+          </a:prstGeom>
+        </p:spPr>
+        <p:txBody>
+          <a:bodyPr vert="horz" lIns="91440" tIns="45720" rIns="91440" bIns="45720" rtlCol="0" anchor="b">
+            <a:noAutofit/>
+          </a:bodyPr>
+          <a:lstStyle>
+            <a:lvl1pPr algn="ctr" defTabSz="914400" rtl="0" eaLnBrk="1" latinLnBrk="0" hangingPunct="1">
+              <a:lnSpc>
+                <a:spcPct val="90000"/>
+              </a:lnSpc>
+              <a:spcBef>
+                <a:spcPct val="0"/>
+              </a:spcBef>
+              <a:buNone/>
+              <a:defRPr sz="6000" kern="1200">
+                <a:solidFill>
+                  <a:schemeClr val="tx1"/>
+                </a:solidFill>
+                <a:latin typeface="+mj-lt"/>
+                <a:ea typeface="+mj-ea"/>
+                <a:cs typeface="+mj-cs"/>
+              </a:defRPr>
+            </a:lvl1pPr>
+          </a:lstStyle>
+          <a:p>
+            <a:pPr marL="342900" indent="-342900" algn="l">
+              <a:buFont typeface="Arial" panose="020B0604020202020204" pitchFamily="34" charset="0"/>
+              <a:buChar char="•"/>
+            </a:pPr>
+            <a:r>
+              <a:rPr lang="en-AU" sz="2400" b="1" dirty="0"/>
+              <a:t>Design: Ensemble</a:t>
+            </a:r>
+            <a:r>
+              <a:rPr lang="en-AU" sz="2400" dirty="0"/>
+              <a:t> of decision tree classifiers</a:t>
+            </a:r>
+          </a:p>
+          <a:p>
+            <a:pPr marL="342900" indent="-342900" algn="l">
+              <a:buFont typeface="Arial" panose="020B0604020202020204" pitchFamily="34" charset="0"/>
+              <a:buChar char="•"/>
+            </a:pPr>
+            <a:r>
+              <a:rPr lang="en-AU" sz="2400" b="1" dirty="0"/>
+              <a:t>Accuracy weighting:</a:t>
+            </a:r>
+            <a:r>
+              <a:rPr lang="en-AU" sz="2400" dirty="0"/>
+              <a:t> Combine out of bag estimates for each component</a:t>
+            </a:r>
+          </a:p>
+          <a:p>
+            <a:pPr marL="342900" indent="-342900" algn="l">
+              <a:buFont typeface="Arial" panose="020B0604020202020204" pitchFamily="34" charset="0"/>
+              <a:buChar char="•"/>
+            </a:pPr>
+            <a:r>
+              <a:rPr lang="en-AU" sz="2400" b="1" dirty="0"/>
+              <a:t>Negative Bias? </a:t>
+            </a:r>
+            <a:r>
+              <a:rPr lang="en-AU" sz="2400" dirty="0"/>
+              <a:t>likely to be slightly pessimistic because estimates from smaller train sets </a:t>
+            </a:r>
+          </a:p>
+        </p:txBody>
+      </p:sp>
+      <p:pic>
+        <p:nvPicPr>
+          <p:cNvPr id="7" name="Picture 6">
+            <a:extLst>
+              <a:ext uri="{FF2B5EF4-FFF2-40B4-BE49-F238E27FC236}">
+                <a16:creationId xmlns:a16="http://schemas.microsoft.com/office/drawing/2014/main" id="{C8D98726-151F-F20E-B0B0-F8653B6000FB}"/>
+              </a:ext>
+            </a:extLst>
+          </p:cNvPr>
+          <p:cNvPicPr>
+            <a:picLocks noChangeAspect="1"/>
+          </p:cNvPicPr>
+          <p:nvPr/>
+        </p:nvPicPr>
+        <p:blipFill>
+          <a:blip r:embed="rId3"/>
+          <a:stretch>
+            <a:fillRect/>
+          </a:stretch>
+        </p:blipFill>
+        <p:spPr>
+          <a:xfrm>
+            <a:off x="6979217" y="0"/>
+            <a:ext cx="5212783" cy="2054831"/>
+          </a:xfrm>
+          <a:prstGeom prst="rect">
+            <a:avLst/>
+          </a:prstGeom>
+        </p:spPr>
+      </p:pic>
     </p:spTree>
     <p:extLst>
       <p:ext uri="{BB962C8B-B14F-4D97-AF65-F5344CB8AC3E}">
@@ -4230,8 +9245,8 @@
         </p:nvSpPr>
         <p:spPr>
           <a:xfrm>
-            <a:off x="766618" y="80607"/>
-            <a:ext cx="11046691" cy="824557"/>
+            <a:off x="4455300" y="193623"/>
+            <a:ext cx="3281400" cy="824557"/>
           </a:xfrm>
         </p:spPr>
         <p:txBody>
@@ -4242,11 +9257,331 @@
           <a:p>
             <a:r>
               <a:rPr lang="en-GB" dirty="0"/>
-              <a:t>Bake off Redux (2024)</a:t>
+              <a:t>HC2 Bias</a:t>
             </a:r>
           </a:p>
         </p:txBody>
       </p:sp>
+      <p:sp>
+        <p:nvSpPr>
+          <p:cNvPr id="5" name="Title 1">
+            <a:extLst>
+              <a:ext uri="{FF2B5EF4-FFF2-40B4-BE49-F238E27FC236}">
+                <a16:creationId xmlns:a16="http://schemas.microsoft.com/office/drawing/2014/main" id="{4409FC91-4532-D308-46C2-FE036C8FA917}"/>
+              </a:ext>
+            </a:extLst>
+          </p:cNvPr>
+          <p:cNvSpPr txBox="1">
+            <a:spLocks/>
+          </p:cNvSpPr>
+          <p:nvPr/>
+        </p:nvSpPr>
+        <p:spPr>
+          <a:xfrm>
+            <a:off x="2650734" y="5615278"/>
+            <a:ext cx="5732980" cy="531336"/>
+          </a:xfrm>
+          <a:prstGeom prst="rect">
+            <a:avLst/>
+          </a:prstGeom>
+        </p:spPr>
+        <p:txBody>
+          <a:bodyPr vert="horz" lIns="91440" tIns="45720" rIns="91440" bIns="45720" rtlCol="0" anchor="b">
+            <a:noAutofit/>
+          </a:bodyPr>
+          <a:lstStyle>
+            <a:lvl1pPr algn="ctr" defTabSz="914400" rtl="0" eaLnBrk="1" latinLnBrk="0" hangingPunct="1">
+              <a:lnSpc>
+                <a:spcPct val="90000"/>
+              </a:lnSpc>
+              <a:spcBef>
+                <a:spcPct val="0"/>
+              </a:spcBef>
+              <a:buNone/>
+              <a:defRPr sz="6000" kern="1200">
+                <a:solidFill>
+                  <a:schemeClr val="tx1"/>
+                </a:solidFill>
+                <a:latin typeface="+mj-lt"/>
+                <a:ea typeface="+mj-ea"/>
+                <a:cs typeface="+mj-cs"/>
+              </a:defRPr>
+            </a:lvl1pPr>
+          </a:lstStyle>
+          <a:p>
+            <a:pPr algn="l"/>
+            <a:r>
+              <a:rPr lang="en-AU" sz="2400" dirty="0"/>
+              <a:t>Somewhat confounded our prior beliefs</a:t>
+            </a:r>
+          </a:p>
+        </p:txBody>
+      </p:sp>
+      <p:sp>
+        <p:nvSpPr>
+          <p:cNvPr id="6" name="TextBox 5">
+            <a:extLst>
+              <a:ext uri="{FF2B5EF4-FFF2-40B4-BE49-F238E27FC236}">
+                <a16:creationId xmlns:a16="http://schemas.microsoft.com/office/drawing/2014/main" id="{CF02A3AC-E78A-3AA7-E418-B32D96CA2AD1}"/>
+              </a:ext>
+            </a:extLst>
+          </p:cNvPr>
+          <p:cNvSpPr txBox="1"/>
+          <p:nvPr/>
+        </p:nvSpPr>
+        <p:spPr>
+          <a:xfrm>
+            <a:off x="480316" y="1052719"/>
+            <a:ext cx="10492484" cy="1200329"/>
+          </a:xfrm>
+          <a:prstGeom prst="rect">
+            <a:avLst/>
+          </a:prstGeom>
+          <a:noFill/>
+        </p:spPr>
+        <p:txBody>
+          <a:bodyPr wrap="square">
+            <a:spAutoFit/>
+          </a:bodyPr>
+          <a:lstStyle/>
+          <a:p>
+            <a:pPr algn="l"/>
+            <a:r>
+              <a:rPr lang="en-GB" sz="2400" b="0" i="0" u="none" strike="noStrike" baseline="0" dirty="0">
+                <a:latin typeface="CMR8"/>
+              </a:rPr>
+              <a:t>Summary of the difference between estimated and observed test accuracy for HC2</a:t>
+            </a:r>
+          </a:p>
+          <a:p>
+            <a:pPr algn="l"/>
+            <a:r>
+              <a:rPr lang="en-GB" sz="2400" b="0" i="0" u="none" strike="noStrike" baseline="0" dirty="0">
+                <a:latin typeface="CMR8"/>
+              </a:rPr>
+              <a:t>and its components. A positive value means that the classier is overestimating accuracy from the train data.</a:t>
+            </a:r>
+            <a:endParaRPr lang="en-GB" sz="2400" dirty="0"/>
+          </a:p>
+        </p:txBody>
+      </p:sp>
+      <p:pic>
+        <p:nvPicPr>
+          <p:cNvPr id="11" name="Picture 10">
+            <a:extLst>
+              <a:ext uri="{FF2B5EF4-FFF2-40B4-BE49-F238E27FC236}">
+                <a16:creationId xmlns:a16="http://schemas.microsoft.com/office/drawing/2014/main" id="{9088F8AA-B247-CD9F-8878-4A628BE17B12}"/>
+              </a:ext>
+            </a:extLst>
+          </p:cNvPr>
+          <p:cNvPicPr>
+            <a:picLocks noChangeAspect="1"/>
+          </p:cNvPicPr>
+          <p:nvPr/>
+        </p:nvPicPr>
+        <p:blipFill>
+          <a:blip r:embed="rId2"/>
+          <a:stretch>
+            <a:fillRect/>
+          </a:stretch>
+        </p:blipFill>
+        <p:spPr>
+          <a:xfrm>
+            <a:off x="778701" y="2287587"/>
+            <a:ext cx="10393225" cy="2810267"/>
+          </a:xfrm>
+          <a:prstGeom prst="rect">
+            <a:avLst/>
+          </a:prstGeom>
+        </p:spPr>
+      </p:pic>
+    </p:spTree>
+    <p:extLst>
+      <p:ext uri="{BB962C8B-B14F-4D97-AF65-F5344CB8AC3E}">
+        <p14:creationId xmlns:p14="http://schemas.microsoft.com/office/powerpoint/2010/main" val="2709267192"/>
+      </p:ext>
+    </p:extLst>
+  </p:cSld>
+  <p:clrMapOvr>
+    <a:masterClrMapping/>
+  </p:clrMapOvr>
+</p:sld>
+</file>
+
+<file path=ppt/slides/slide14.xml><?xml version="1.0" encoding="utf-8"?>
+<p:sld xmlns:a="http://schemas.openxmlformats.org/drawingml/2006/main" xmlns:r="http://schemas.openxmlformats.org/officeDocument/2006/relationships" xmlns:p="http://schemas.openxmlformats.org/presentationml/2006/main">
+  <p:cSld>
+    <p:spTree>
+      <p:nvGrpSpPr>
+        <p:cNvPr id="1" name=""/>
+        <p:cNvGrpSpPr/>
+        <p:nvPr/>
+      </p:nvGrpSpPr>
+      <p:grpSpPr>
+        <a:xfrm>
+          <a:off x="0" y="0"/>
+          <a:ext cx="0" cy="0"/>
+          <a:chOff x="0" y="0"/>
+          <a:chExt cx="0" cy="0"/>
+        </a:xfrm>
+      </p:grpSpPr>
+      <p:sp>
+        <p:nvSpPr>
+          <p:cNvPr id="2" name="Title 1"/>
+          <p:cNvSpPr>
+            <a:spLocks noGrp="1"/>
+          </p:cNvSpPr>
+          <p:nvPr>
+            <p:ph type="title"/>
+          </p:nvPr>
+        </p:nvSpPr>
+        <p:spPr>
+          <a:xfrm>
+            <a:off x="109073" y="0"/>
+            <a:ext cx="5223216" cy="824557"/>
+          </a:xfrm>
+        </p:spPr>
+        <p:txBody>
+          <a:bodyPr>
+            <a:normAutofit/>
+          </a:bodyPr>
+          <a:lstStyle/>
+          <a:p>
+            <a:r>
+              <a:rPr lang="en-GB" dirty="0"/>
+              <a:t>Bake off Redux (2024)</a:t>
+            </a:r>
+          </a:p>
+        </p:txBody>
+      </p:sp>
+      <p:sp>
+        <p:nvSpPr>
+          <p:cNvPr id="4" name="Title 1">
+            <a:extLst>
+              <a:ext uri="{FF2B5EF4-FFF2-40B4-BE49-F238E27FC236}">
+                <a16:creationId xmlns:a16="http://schemas.microsoft.com/office/drawing/2014/main" id="{357CCC16-8B38-D5F8-6F56-ADE6B5647559}"/>
+              </a:ext>
+            </a:extLst>
+          </p:cNvPr>
+          <p:cNvSpPr txBox="1">
+            <a:spLocks/>
+          </p:cNvSpPr>
+          <p:nvPr/>
+        </p:nvSpPr>
+        <p:spPr>
+          <a:xfrm>
+            <a:off x="5332289" y="0"/>
+            <a:ext cx="6759123" cy="1254244"/>
+          </a:xfrm>
+          <a:prstGeom prst="rect">
+            <a:avLst/>
+          </a:prstGeom>
+        </p:spPr>
+        <p:txBody>
+          <a:bodyPr vert="horz" lIns="91440" tIns="45720" rIns="91440" bIns="45720" rtlCol="0" anchor="b">
+            <a:noAutofit/>
+          </a:bodyPr>
+          <a:lstStyle>
+            <a:lvl1pPr algn="ctr" defTabSz="914400" rtl="0" eaLnBrk="1" latinLnBrk="0" hangingPunct="1">
+              <a:lnSpc>
+                <a:spcPct val="90000"/>
+              </a:lnSpc>
+              <a:spcBef>
+                <a:spcPct val="0"/>
+              </a:spcBef>
+              <a:buNone/>
+              <a:defRPr sz="6000" kern="1200">
+                <a:solidFill>
+                  <a:schemeClr val="tx1"/>
+                </a:solidFill>
+                <a:latin typeface="+mj-lt"/>
+                <a:ea typeface="+mj-ea"/>
+                <a:cs typeface="+mj-cs"/>
+              </a:defRPr>
+            </a:lvl1pPr>
+          </a:lstStyle>
+          <a:p>
+            <a:pPr marL="342900" indent="-342900" algn="l">
+              <a:buFont typeface="Arial" panose="020B0604020202020204" pitchFamily="34" charset="0"/>
+              <a:buChar char="•"/>
+            </a:pPr>
+            <a:r>
+              <a:rPr lang="en-AU" sz="2000" dirty="0" err="1"/>
+              <a:t>MultiRocket</a:t>
+            </a:r>
+            <a:r>
+              <a:rPr lang="en-AU" sz="2000" dirty="0"/>
+              <a:t>-Hydra and HC2 best performing</a:t>
+            </a:r>
+          </a:p>
+          <a:p>
+            <a:pPr marL="342900" indent="-342900" algn="l">
+              <a:buFont typeface="Arial" panose="020B0604020202020204" pitchFamily="34" charset="0"/>
+              <a:buChar char="•"/>
+            </a:pPr>
+            <a:r>
+              <a:rPr lang="en-AU" sz="2000" dirty="0"/>
+              <a:t>H-</a:t>
+            </a:r>
+            <a:r>
+              <a:rPr lang="en-AU" sz="2000" dirty="0" err="1"/>
+              <a:t>InceptionTime</a:t>
+            </a:r>
+            <a:r>
+              <a:rPr lang="en-AU" sz="2000" dirty="0"/>
+              <a:t> best of deep learners, and catching up?</a:t>
+            </a:r>
+          </a:p>
+          <a:p>
+            <a:pPr marL="342900" indent="-342900" algn="l">
+              <a:buFont typeface="Arial" panose="020B0604020202020204" pitchFamily="34" charset="0"/>
+              <a:buChar char="•"/>
+            </a:pPr>
+            <a:r>
+              <a:rPr lang="en-AU" sz="2000" dirty="0"/>
+              <a:t>RDST Weasel2.0 (W 2.0), QUANT, </a:t>
+            </a:r>
+            <a:r>
+              <a:rPr lang="en-AU" sz="2000" dirty="0" err="1"/>
+              <a:t>FreshPrince</a:t>
+            </a:r>
+            <a:r>
+              <a:rPr lang="en-AU" sz="2000" dirty="0"/>
+              <a:t> (FP) and Proximity Forest (PF) best in class</a:t>
+            </a:r>
+          </a:p>
+        </p:txBody>
+      </p:sp>
+      <p:pic>
+        <p:nvPicPr>
+          <p:cNvPr id="6" name="Picture 5">
+            <a:extLst>
+              <a:ext uri="{FF2B5EF4-FFF2-40B4-BE49-F238E27FC236}">
+                <a16:creationId xmlns:a16="http://schemas.microsoft.com/office/drawing/2014/main" id="{6CD8BC91-D3E4-75B0-FD5A-F591C8B6803C}"/>
+              </a:ext>
+            </a:extLst>
+          </p:cNvPr>
+          <p:cNvPicPr>
+            <a:picLocks noChangeAspect="1"/>
+          </p:cNvPicPr>
+          <p:nvPr/>
+        </p:nvPicPr>
+        <p:blipFill>
+          <a:blip r:embed="rId2"/>
+          <a:stretch>
+            <a:fillRect/>
+          </a:stretch>
+        </p:blipFill>
+        <p:spPr>
+          <a:xfrm>
+            <a:off x="10276" y="1359231"/>
+            <a:ext cx="12192000" cy="5498769"/>
+          </a:xfrm>
+          <a:prstGeom prst="rect">
+            <a:avLst/>
+          </a:prstGeom>
+        </p:spPr>
+      </p:pic>
     </p:spTree>
     <p:extLst>
       <p:ext uri="{BB962C8B-B14F-4D97-AF65-F5344CB8AC3E}">
@@ -4389,12 +9724,17 @@
         </p:nvSpPr>
         <p:spPr>
           <a:xfrm>
-            <a:off x="267128" y="3286681"/>
+            <a:off x="923144" y="4126808"/>
             <a:ext cx="9041259" cy="2281912"/>
           </a:xfrm>
           <a:prstGeom prst="rect">
             <a:avLst/>
           </a:prstGeom>
+          <a:ln>
+            <a:solidFill>
+              <a:schemeClr val="accent1"/>
+            </a:solidFill>
+          </a:ln>
         </p:spPr>
         <p:txBody>
           <a:bodyPr vert="horz" lIns="91440" tIns="45720" rIns="91440" bIns="45720" rtlCol="0" anchor="b">
@@ -4421,18 +9761,28 @@
           </a:lstStyle>
           <a:p>
             <a:r>
-              <a:rPr lang="en-US" sz="2400" dirty="0"/>
-              <a:t>Basic hypothesis: if there is no prior knowledge as to the best approach, </a:t>
-            </a:r>
-            <a:r>
-              <a:rPr lang="en-US" sz="2400" dirty="0" err="1"/>
+              <a:rPr lang="en-US" sz="3000" b="1" dirty="0"/>
+              <a:t>Basic hypothesis</a:t>
+            </a:r>
+            <a:r>
+              <a:rPr lang="en-US" sz="3000" dirty="0"/>
+              <a:t>: </a:t>
+            </a:r>
+          </a:p>
+          <a:p>
+            <a:r>
+              <a:rPr lang="en-US" sz="3000" dirty="0"/>
+              <a:t>If there is no prior knowledge as to the best approach, </a:t>
+            </a:r>
+            <a:r>
+              <a:rPr lang="en-US" sz="3000" dirty="0" err="1"/>
               <a:t>ensembling</a:t>
             </a:r>
             <a:r>
-              <a:rPr lang="en-US" sz="2400" dirty="0"/>
+              <a:rPr lang="en-US" sz="3000" dirty="0"/>
               <a:t> strong classifiers over different representations is the best approach</a:t>
             </a:r>
-            <a:endParaRPr lang="en-AU" sz="2400" dirty="0"/>
+            <a:endParaRPr lang="en-AU" sz="3000" dirty="0"/>
           </a:p>
         </p:txBody>
       </p:sp>
@@ -4452,8 +9802,8 @@
         </p:nvSpPr>
         <p:spPr>
           <a:xfrm>
-            <a:off x="912629" y="1150707"/>
-            <a:ext cx="9670641" cy="1848568"/>
+            <a:off x="912629" y="963719"/>
+            <a:ext cx="9670641" cy="2174772"/>
           </a:xfrm>
           <a:prstGeom prst="rect">
             <a:avLst/>
@@ -4496,7 +9846,7 @@
             </a:pPr>
             <a:r>
               <a:rPr lang="en-AU" sz="2400" dirty="0" err="1"/>
-              <a:t>Multirocket</a:t>
+              <a:t>MultiRocket</a:t>
             </a:r>
             <a:r>
               <a:rPr lang="en-AU" sz="2400" dirty="0"/>
@@ -4533,8 +9883,63 @@
             </a:r>
           </a:p>
           <a:p>
+            <a:pPr marL="342900" indent="-342900" algn="l">
+              <a:buFont typeface="Arial" panose="020B0604020202020204" pitchFamily="34" charset="0"/>
+              <a:buChar char="•"/>
+            </a:pPr>
+            <a:r>
+              <a:rPr lang="en-AU" sz="2400" dirty="0" err="1"/>
+              <a:t>DrCIF</a:t>
+            </a:r>
+            <a:r>
+              <a:rPr lang="en-AU" sz="2400" dirty="0"/>
+              <a:t> and WEASEL use spectral features</a:t>
+            </a:r>
+          </a:p>
+          <a:p>
             <a:pPr algn="l"/>
             <a:endParaRPr lang="en-AU" sz="2400" dirty="0"/>
+          </a:p>
+        </p:txBody>
+      </p:sp>
+      <p:sp>
+        <p:nvSpPr>
+          <p:cNvPr id="3" name="TextBox 2">
+            <a:extLst>
+              <a:ext uri="{FF2B5EF4-FFF2-40B4-BE49-F238E27FC236}">
+                <a16:creationId xmlns:a16="http://schemas.microsoft.com/office/drawing/2014/main" id="{EBD27808-17D8-8110-3DD1-B12A7C2D1D82}"/>
+              </a:ext>
+            </a:extLst>
+          </p:cNvPr>
+          <p:cNvSpPr txBox="1"/>
+          <p:nvPr/>
+        </p:nvSpPr>
+        <p:spPr>
+          <a:xfrm>
+            <a:off x="618836" y="3092992"/>
+            <a:ext cx="10039928" cy="830997"/>
+          </a:xfrm>
+          <a:prstGeom prst="rect">
+            <a:avLst/>
+          </a:prstGeom>
+          <a:noFill/>
+          <a:ln>
+            <a:solidFill>
+              <a:schemeClr val="accent1"/>
+            </a:solidFill>
+          </a:ln>
+        </p:spPr>
+        <p:txBody>
+          <a:bodyPr wrap="square">
+            <a:spAutoFit/>
+          </a:bodyPr>
+          <a:lstStyle/>
+          <a:p>
+            <a:pPr algn="l"/>
+            <a:r>
+              <a:rPr lang="en-US" sz="2400" dirty="0"/>
+              <a:t>This section focusses on meta ensembles that explicitly combine classifiers on strong classifiers built on each representation</a:t>
+            </a:r>
           </a:p>
         </p:txBody>
       </p:sp>
@@ -4678,7 +10083,7 @@
         </p:nvSpPr>
         <p:spPr>
           <a:xfrm>
-            <a:off x="16724" y="3284588"/>
+            <a:off x="0" y="2688308"/>
             <a:ext cx="12049125" cy="582879"/>
           </a:xfrm>
           <a:prstGeom prst="rightArrow">
@@ -4724,7 +10129,7 @@
         </p:nvSpPr>
         <p:spPr>
           <a:xfrm>
-            <a:off x="795851" y="2347306"/>
+            <a:off x="795851" y="2071519"/>
             <a:ext cx="1710711" cy="400110"/>
           </a:xfrm>
           <a:prstGeom prst="rect">
@@ -4764,7 +10169,7 @@
         </p:nvSpPr>
         <p:spPr>
           <a:xfrm>
-            <a:off x="3390158" y="2297413"/>
+            <a:off x="3390158" y="2021626"/>
             <a:ext cx="1710711" cy="707886"/>
           </a:xfrm>
           <a:prstGeom prst="rect">
@@ -4804,7 +10209,7 @@
         </p:nvSpPr>
         <p:spPr>
           <a:xfrm>
-            <a:off x="6278941" y="2287869"/>
+            <a:off x="6278941" y="2012082"/>
             <a:ext cx="1710711" cy="707886"/>
           </a:xfrm>
           <a:prstGeom prst="rect">
@@ -4844,7 +10249,7 @@
         </p:nvSpPr>
         <p:spPr>
           <a:xfrm>
-            <a:off x="8270416" y="2297413"/>
+            <a:off x="8270416" y="2021626"/>
             <a:ext cx="1710711" cy="707886"/>
           </a:xfrm>
           <a:prstGeom prst="rect">
@@ -4884,7 +10289,7 @@
         </p:nvSpPr>
         <p:spPr>
           <a:xfrm>
-            <a:off x="1312012" y="3372951"/>
+            <a:off x="1295288" y="2776671"/>
             <a:ext cx="678391" cy="369332"/>
           </a:xfrm>
           <a:prstGeom prst="rect">
@@ -4923,7 +10328,7 @@
         </p:nvSpPr>
         <p:spPr>
           <a:xfrm>
-            <a:off x="8834665" y="3347400"/>
+            <a:off x="8817941" y="2751120"/>
             <a:ext cx="678391" cy="369332"/>
           </a:xfrm>
           <a:prstGeom prst="rect">
@@ -4962,7 +10367,7 @@
         </p:nvSpPr>
         <p:spPr>
           <a:xfrm>
-            <a:off x="6795100" y="3378177"/>
+            <a:off x="6778376" y="2781897"/>
             <a:ext cx="678391" cy="369332"/>
           </a:xfrm>
           <a:prstGeom prst="rect">
@@ -5001,7 +10406,7 @@
         </p:nvSpPr>
         <p:spPr>
           <a:xfrm>
-            <a:off x="3903111" y="3391361"/>
+            <a:off x="3886387" y="2795081"/>
             <a:ext cx="678391" cy="369332"/>
           </a:xfrm>
           <a:prstGeom prst="rect">
@@ -5103,7 +10508,7 @@
         </p:nvSpPr>
         <p:spPr>
           <a:xfrm>
-            <a:off x="2352178" y="4204584"/>
+            <a:off x="2325180" y="3350421"/>
             <a:ext cx="1710711" cy="400110"/>
           </a:xfrm>
           <a:prstGeom prst="rect">
@@ -5124,7 +10529,7 @@
           <a:p>
             <a:r>
               <a:rPr lang="en-GB" sz="2000" dirty="0"/>
-              <a:t>TS-CHIEF</a:t>
+              <a:t>TS-CHIEF [5]</a:t>
             </a:r>
           </a:p>
         </p:txBody>
@@ -5143,8 +10548,8 @@
         </p:nvSpPr>
         <p:spPr>
           <a:xfrm>
-            <a:off x="9616578" y="4004529"/>
-            <a:ext cx="1710711" cy="707886"/>
+            <a:off x="9086180" y="3271187"/>
+            <a:ext cx="2583982" cy="400110"/>
           </a:xfrm>
           <a:prstGeom prst="rect">
             <a:avLst/>
@@ -5168,8 +10573,99 @@
             </a:r>
             <a:r>
               <a:rPr lang="en-GB" sz="2000" dirty="0"/>
-              <a:t>-Hydra</a:t>
-            </a:r>
+              <a:t>-Hydra [6]</a:t>
+            </a:r>
+          </a:p>
+        </p:txBody>
+      </p:sp>
+      <p:sp>
+        <p:nvSpPr>
+          <p:cNvPr id="16" name="TextBox 15">
+            <a:extLst>
+              <a:ext uri="{FF2B5EF4-FFF2-40B4-BE49-F238E27FC236}">
+                <a16:creationId xmlns:a16="http://schemas.microsoft.com/office/drawing/2014/main" id="{149AEB14-4565-CECC-6E63-657534230742}"/>
+              </a:ext>
+            </a:extLst>
+          </p:cNvPr>
+          <p:cNvSpPr txBox="1"/>
+          <p:nvPr/>
+        </p:nvSpPr>
+        <p:spPr>
+          <a:xfrm>
+            <a:off x="0" y="4169692"/>
+            <a:ext cx="12192000" cy="3108543"/>
+          </a:xfrm>
+          <a:prstGeom prst="rect">
+            <a:avLst/>
+          </a:prstGeom>
+          <a:noFill/>
+        </p:spPr>
+        <p:txBody>
+          <a:bodyPr wrap="square">
+            <a:spAutoFit/>
+          </a:bodyPr>
+          <a:lstStyle/>
+          <a:p>
+            <a:r>
+              <a:rPr lang="en-GB" sz="1400" dirty="0"/>
+              <a:t>[1] A Bagnall, J Lines, J Hills, A Bostrom, Time-series classification with COTE: the collective of transformation-based ensembles, </a:t>
+            </a:r>
+          </a:p>
+          <a:p>
+            <a:r>
+              <a:rPr lang="en-GB" sz="1400" dirty="0"/>
+              <a:t>IEEE Transactions on Knowledge and Data Engineering 27 (9), 2522-2535, 2015</a:t>
+            </a:r>
+          </a:p>
+          <a:p>
+            <a:r>
+              <a:rPr lang="en-GB" sz="1400" dirty="0"/>
+              <a:t>[2] J Lines, S Taylor, A Bagnall, Time series classification with HIVE-COTE: The hierarchical vote collective of transformation-based ensembles</a:t>
+            </a:r>
+          </a:p>
+          <a:p>
+            <a:r>
+              <a:rPr lang="en-GB" sz="1400" dirty="0"/>
+              <a:t>ACM Transactions on Knowledge Discovery from Data (TKDD) 12 (5), 1-35, 2018</a:t>
+            </a:r>
+          </a:p>
+          <a:p>
+            <a:r>
+              <a:rPr lang="en-GB" sz="1400" dirty="0"/>
+              <a:t>[3] A Bagnall, M Flynn, J Large, J Lines, M Middlehurst, On the usage and performance of the hierarchical vote collective of transformation-based ensembles version 1.0 (HIVE-COTE v1. 0), 5th ECML PKDD Workshop on Advanced Analytics and Learning on Temporal Data (AALTD), 2020 </a:t>
+            </a:r>
+          </a:p>
+          <a:p>
+            <a:r>
+              <a:rPr lang="en-GB" sz="1400" dirty="0"/>
+              <a:t>[4] M Middlehurst, J Large, M Flynn, J Lines, A Bostrom, A Bagnall, HIVE-COTE 2.0: a new meta ensemble for time series classification, Machine Learning 110 (11), 3211-3243, 2021</a:t>
+            </a:r>
+          </a:p>
+          <a:p>
+            <a:r>
+              <a:rPr lang="en-GB" sz="1400" dirty="0"/>
+              <a:t>[5] A Shifaz, C Pelletier, F Petitjean, GI Webb, TS-CHIEF: a scalable and accurate forest algorithm for time series classification, Data Mining and Knowledge Discovery 34 (3), 742-775, 2020</a:t>
+            </a:r>
+          </a:p>
+          <a:p>
+            <a:r>
+              <a:rPr lang="en-GB" sz="1400" dirty="0"/>
+              <a:t>[6] CW Tan, A Dempster, C Bergmeir, GI Webb, </a:t>
+            </a:r>
+            <a:r>
+              <a:rPr lang="en-GB" sz="1400" dirty="0" err="1"/>
+              <a:t>MultiRocket</a:t>
+            </a:r>
+            <a:r>
+              <a:rPr lang="en-GB" sz="1400" dirty="0"/>
+              <a:t>: multiple pooling operators and transformations for fast and effective time series classification, Data Mining and Knowledge Discovery 36 (5), 1623-1646, 2022</a:t>
+            </a:r>
+          </a:p>
+          <a:p>
+            <a:endParaRPr lang="en-GB" sz="1400" dirty="0"/>
+          </a:p>
+          <a:p>
+            <a:endParaRPr lang="en-GB" sz="1400" dirty="0"/>
           </a:p>
         </p:txBody>
       </p:sp>
@@ -6751,27 +12247,3061 @@
         </p:nvSpPr>
         <p:spPr>
           <a:xfrm>
-            <a:off x="1413164" y="172971"/>
-            <a:ext cx="10437091" cy="824557"/>
+            <a:off x="563418" y="172971"/>
+            <a:ext cx="11286837" cy="824557"/>
           </a:xfrm>
         </p:spPr>
         <p:txBody>
           <a:bodyPr>
-            <a:normAutofit/>
+            <a:normAutofit fontScale="90000"/>
           </a:bodyPr>
           <a:lstStyle/>
           <a:p>
             <a:r>
-              <a:rPr lang="en-GB" dirty="0"/>
-              <a:t>HC2 Module 1: </a:t>
-            </a:r>
-            <a:r>
               <a:rPr lang="en-GB" dirty="0" err="1"/>
               <a:t>Shapelet</a:t>
             </a:r>
             <a:r>
               <a:rPr lang="en-GB" dirty="0"/>
-              <a:t> Transform Classifier</a:t>
+              <a:t> Based: </a:t>
+            </a:r>
+            <a:r>
+              <a:rPr lang="en-GB" dirty="0" err="1"/>
+              <a:t>Shapelet</a:t>
+            </a:r>
+            <a:r>
+              <a:rPr lang="en-GB" dirty="0"/>
+              <a:t> Transform Classifier (STC)</a:t>
+            </a:r>
+          </a:p>
+        </p:txBody>
+      </p:sp>
+      <p:grpSp>
+        <p:nvGrpSpPr>
+          <p:cNvPr id="14" name="Group 13">
+            <a:extLst>
+              <a:ext uri="{FF2B5EF4-FFF2-40B4-BE49-F238E27FC236}">
+                <a16:creationId xmlns:a16="http://schemas.microsoft.com/office/drawing/2014/main" id="{B2175B72-0DC0-47B1-9B0E-B98BEC8C27CB}"/>
+              </a:ext>
+            </a:extLst>
+          </p:cNvPr>
+          <p:cNvGrpSpPr/>
+          <p:nvPr/>
+        </p:nvGrpSpPr>
+        <p:grpSpPr>
+          <a:xfrm>
+            <a:off x="211258" y="1503894"/>
+            <a:ext cx="9245357" cy="2101846"/>
+            <a:chOff x="1546763" y="2825655"/>
+            <a:chExt cx="9445453" cy="2148855"/>
+          </a:xfrm>
+        </p:grpSpPr>
+        <p:sp>
+          <p:nvSpPr>
+            <p:cNvPr id="21" name="Rectangle 20">
+              <a:extLst>
+                <a:ext uri="{FF2B5EF4-FFF2-40B4-BE49-F238E27FC236}">
+                  <a16:creationId xmlns:a16="http://schemas.microsoft.com/office/drawing/2014/main" id="{6A23D049-778B-486D-A4CE-C5AA996AF77C}"/>
+                </a:ext>
+              </a:extLst>
+            </p:cNvPr>
+            <p:cNvSpPr/>
+            <p:nvPr/>
+          </p:nvSpPr>
+          <p:spPr>
+            <a:xfrm>
+              <a:off x="2806793" y="4078088"/>
+              <a:ext cx="1300532" cy="890522"/>
+            </a:xfrm>
+            <a:prstGeom prst="rect">
+              <a:avLst/>
+            </a:prstGeom>
+            <a:solidFill>
+              <a:srgbClr val="500064"/>
+            </a:solidFill>
+            <a:ln>
+              <a:noFill/>
+            </a:ln>
+          </p:spPr>
+          <p:style>
+            <a:lnRef idx="2">
+              <a:schemeClr val="accent1">
+                <a:shade val="50000"/>
+              </a:schemeClr>
+            </a:lnRef>
+            <a:fillRef idx="1">
+              <a:schemeClr val="accent1"/>
+            </a:fillRef>
+            <a:effectRef idx="0">
+              <a:schemeClr val="accent1"/>
+            </a:effectRef>
+            <a:fontRef idx="minor">
+              <a:schemeClr val="lt1"/>
+            </a:fontRef>
+          </p:style>
+          <p:txBody>
+            <a:bodyPr rtlCol="0" anchor="ctr"/>
+            <a:lstStyle>
+              <a:defPPr marR="0" lvl="0" algn="l" rtl="0">
+                <a:lnSpc>
+                  <a:spcPct val="100000"/>
+                </a:lnSpc>
+                <a:spcBef>
+                  <a:spcPts val="0"/>
+                </a:spcBef>
+                <a:spcAft>
+                  <a:spcPts val="0"/>
+                </a:spcAft>
+              </a:defPPr>
+              <a:lvl1pPr marR="0" lvl="0" algn="l" rtl="0">
+                <a:lnSpc>
+                  <a:spcPct val="100000"/>
+                </a:lnSpc>
+                <a:spcBef>
+                  <a:spcPts val="0"/>
+                </a:spcBef>
+                <a:spcAft>
+                  <a:spcPts val="0"/>
+                </a:spcAft>
+                <a:buClr>
+                  <a:srgbClr val="000000"/>
+                </a:buClr>
+                <a:buFont typeface="Arial"/>
+                <a:defRPr sz="1400" b="0" i="0" u="none" strike="noStrike" cap="none">
+                  <a:solidFill>
+                    <a:schemeClr val="lt1"/>
+                  </a:solidFill>
+                  <a:latin typeface="+mn-lt"/>
+                  <a:ea typeface="+mn-ea"/>
+                  <a:cs typeface="+mn-cs"/>
+                  <a:sym typeface="Arial"/>
+                </a:defRPr>
+              </a:lvl1pPr>
+              <a:lvl2pPr marR="0" lvl="1" algn="l" rtl="0">
+                <a:lnSpc>
+                  <a:spcPct val="100000"/>
+                </a:lnSpc>
+                <a:spcBef>
+                  <a:spcPts val="0"/>
+                </a:spcBef>
+                <a:spcAft>
+                  <a:spcPts val="0"/>
+                </a:spcAft>
+                <a:buClr>
+                  <a:srgbClr val="000000"/>
+                </a:buClr>
+                <a:buFont typeface="Arial"/>
+                <a:defRPr sz="1400" b="0" i="0" u="none" strike="noStrike" cap="none">
+                  <a:solidFill>
+                    <a:schemeClr val="lt1"/>
+                  </a:solidFill>
+                  <a:latin typeface="+mn-lt"/>
+                  <a:ea typeface="+mn-ea"/>
+                  <a:cs typeface="+mn-cs"/>
+                  <a:sym typeface="Arial"/>
+                </a:defRPr>
+              </a:lvl2pPr>
+              <a:lvl3pPr marR="0" lvl="2" algn="l" rtl="0">
+                <a:lnSpc>
+                  <a:spcPct val="100000"/>
+                </a:lnSpc>
+                <a:spcBef>
+                  <a:spcPts val="0"/>
+                </a:spcBef>
+                <a:spcAft>
+                  <a:spcPts val="0"/>
+                </a:spcAft>
+                <a:buClr>
+                  <a:srgbClr val="000000"/>
+                </a:buClr>
+                <a:buFont typeface="Arial"/>
+                <a:defRPr sz="1400" b="0" i="0" u="none" strike="noStrike" cap="none">
+                  <a:solidFill>
+                    <a:schemeClr val="lt1"/>
+                  </a:solidFill>
+                  <a:latin typeface="+mn-lt"/>
+                  <a:ea typeface="+mn-ea"/>
+                  <a:cs typeface="+mn-cs"/>
+                  <a:sym typeface="Arial"/>
+                </a:defRPr>
+              </a:lvl3pPr>
+              <a:lvl4pPr marR="0" lvl="3" algn="l" rtl="0">
+                <a:lnSpc>
+                  <a:spcPct val="100000"/>
+                </a:lnSpc>
+                <a:spcBef>
+                  <a:spcPts val="0"/>
+                </a:spcBef>
+                <a:spcAft>
+                  <a:spcPts val="0"/>
+                </a:spcAft>
+                <a:buClr>
+                  <a:srgbClr val="000000"/>
+                </a:buClr>
+                <a:buFont typeface="Arial"/>
+                <a:defRPr sz="1400" b="0" i="0" u="none" strike="noStrike" cap="none">
+                  <a:solidFill>
+                    <a:schemeClr val="lt1"/>
+                  </a:solidFill>
+                  <a:latin typeface="+mn-lt"/>
+                  <a:ea typeface="+mn-ea"/>
+                  <a:cs typeface="+mn-cs"/>
+                  <a:sym typeface="Arial"/>
+                </a:defRPr>
+              </a:lvl4pPr>
+              <a:lvl5pPr marR="0" lvl="4" algn="l" rtl="0">
+                <a:lnSpc>
+                  <a:spcPct val="100000"/>
+                </a:lnSpc>
+                <a:spcBef>
+                  <a:spcPts val="0"/>
+                </a:spcBef>
+                <a:spcAft>
+                  <a:spcPts val="0"/>
+                </a:spcAft>
+                <a:buClr>
+                  <a:srgbClr val="000000"/>
+                </a:buClr>
+                <a:buFont typeface="Arial"/>
+                <a:defRPr sz="1400" b="0" i="0" u="none" strike="noStrike" cap="none">
+                  <a:solidFill>
+                    <a:schemeClr val="lt1"/>
+                  </a:solidFill>
+                  <a:latin typeface="+mn-lt"/>
+                  <a:ea typeface="+mn-ea"/>
+                  <a:cs typeface="+mn-cs"/>
+                  <a:sym typeface="Arial"/>
+                </a:defRPr>
+              </a:lvl5pPr>
+              <a:lvl6pPr marR="0" lvl="5" algn="l" rtl="0">
+                <a:lnSpc>
+                  <a:spcPct val="100000"/>
+                </a:lnSpc>
+                <a:spcBef>
+                  <a:spcPts val="0"/>
+                </a:spcBef>
+                <a:spcAft>
+                  <a:spcPts val="0"/>
+                </a:spcAft>
+                <a:buClr>
+                  <a:srgbClr val="000000"/>
+                </a:buClr>
+                <a:buFont typeface="Arial"/>
+                <a:defRPr sz="1400" b="0" i="0" u="none" strike="noStrike" cap="none">
+                  <a:solidFill>
+                    <a:schemeClr val="lt1"/>
+                  </a:solidFill>
+                  <a:latin typeface="+mn-lt"/>
+                  <a:ea typeface="+mn-ea"/>
+                  <a:cs typeface="+mn-cs"/>
+                  <a:sym typeface="Arial"/>
+                </a:defRPr>
+              </a:lvl6pPr>
+              <a:lvl7pPr marR="0" lvl="6" algn="l" rtl="0">
+                <a:lnSpc>
+                  <a:spcPct val="100000"/>
+                </a:lnSpc>
+                <a:spcBef>
+                  <a:spcPts val="0"/>
+                </a:spcBef>
+                <a:spcAft>
+                  <a:spcPts val="0"/>
+                </a:spcAft>
+                <a:buClr>
+                  <a:srgbClr val="000000"/>
+                </a:buClr>
+                <a:buFont typeface="Arial"/>
+                <a:defRPr sz="1400" b="0" i="0" u="none" strike="noStrike" cap="none">
+                  <a:solidFill>
+                    <a:schemeClr val="lt1"/>
+                  </a:solidFill>
+                  <a:latin typeface="+mn-lt"/>
+                  <a:ea typeface="+mn-ea"/>
+                  <a:cs typeface="+mn-cs"/>
+                  <a:sym typeface="Arial"/>
+                </a:defRPr>
+              </a:lvl7pPr>
+              <a:lvl8pPr marR="0" lvl="7" algn="l" rtl="0">
+                <a:lnSpc>
+                  <a:spcPct val="100000"/>
+                </a:lnSpc>
+                <a:spcBef>
+                  <a:spcPts val="0"/>
+                </a:spcBef>
+                <a:spcAft>
+                  <a:spcPts val="0"/>
+                </a:spcAft>
+                <a:buClr>
+                  <a:srgbClr val="000000"/>
+                </a:buClr>
+                <a:buFont typeface="Arial"/>
+                <a:defRPr sz="1400" b="0" i="0" u="none" strike="noStrike" cap="none">
+                  <a:solidFill>
+                    <a:schemeClr val="lt1"/>
+                  </a:solidFill>
+                  <a:latin typeface="+mn-lt"/>
+                  <a:ea typeface="+mn-ea"/>
+                  <a:cs typeface="+mn-cs"/>
+                  <a:sym typeface="Arial"/>
+                </a:defRPr>
+              </a:lvl8pPr>
+              <a:lvl9pPr marR="0" lvl="8" algn="l" rtl="0">
+                <a:lnSpc>
+                  <a:spcPct val="100000"/>
+                </a:lnSpc>
+                <a:spcBef>
+                  <a:spcPts val="0"/>
+                </a:spcBef>
+                <a:spcAft>
+                  <a:spcPts val="0"/>
+                </a:spcAft>
+                <a:buClr>
+                  <a:srgbClr val="000000"/>
+                </a:buClr>
+                <a:buFont typeface="Arial"/>
+                <a:defRPr sz="1400" b="0" i="0" u="none" strike="noStrike" cap="none">
+                  <a:solidFill>
+                    <a:schemeClr val="lt1"/>
+                  </a:solidFill>
+                  <a:latin typeface="+mn-lt"/>
+                  <a:ea typeface="+mn-ea"/>
+                  <a:cs typeface="+mn-cs"/>
+                  <a:sym typeface="Arial"/>
+                </a:defRPr>
+              </a:lvl9pPr>
+            </a:lstStyle>
+            <a:p>
+              <a:pPr algn="ctr"/>
+              <a:r>
+                <a:rPr lang="en-US" sz="1200" dirty="0"/>
+                <a:t>Randomly select </a:t>
+              </a:r>
+              <a:r>
+                <a:rPr lang="en-US" sz="1200" i="1" dirty="0"/>
+                <a:t>k</a:t>
+              </a:r>
+              <a:r>
+                <a:rPr lang="en-US" sz="1200" dirty="0"/>
+                <a:t> </a:t>
+              </a:r>
+              <a:r>
+                <a:rPr lang="en-US" sz="1200" dirty="0" err="1"/>
+                <a:t>shapelets</a:t>
+              </a:r>
+              <a:endParaRPr lang="en-GB" sz="1200" dirty="0"/>
+            </a:p>
+          </p:txBody>
+        </p:sp>
+        <p:cxnSp>
+          <p:nvCxnSpPr>
+            <p:cNvPr id="22" name="Straight Arrow Connector 21">
+              <a:extLst>
+                <a:ext uri="{FF2B5EF4-FFF2-40B4-BE49-F238E27FC236}">
+                  <a16:creationId xmlns:a16="http://schemas.microsoft.com/office/drawing/2014/main" id="{8126A840-FA64-4482-978D-08B55C03A3BD}"/>
+                </a:ext>
+              </a:extLst>
+            </p:cNvPr>
+            <p:cNvCxnSpPr>
+              <a:cxnSpLocks/>
+              <a:stCxn id="21" idx="3"/>
+              <a:endCxn id="24" idx="1"/>
+            </p:cNvCxnSpPr>
+            <p:nvPr/>
+          </p:nvCxnSpPr>
+          <p:spPr>
+            <a:xfrm flipV="1">
+              <a:off x="4107324" y="3270917"/>
+              <a:ext cx="986596" cy="1252432"/>
+            </a:xfrm>
+            <a:prstGeom prst="straightConnector1">
+              <a:avLst/>
+            </a:prstGeom>
+            <a:ln>
+              <a:solidFill>
+                <a:srgbClr val="00AEEF"/>
+              </a:solidFill>
+              <a:tailEnd type="triangle"/>
+            </a:ln>
+          </p:spPr>
+          <p:style>
+            <a:lnRef idx="1">
+              <a:schemeClr val="accent1"/>
+            </a:lnRef>
+            <a:fillRef idx="0">
+              <a:schemeClr val="accent1"/>
+            </a:fillRef>
+            <a:effectRef idx="0">
+              <a:schemeClr val="accent1"/>
+            </a:effectRef>
+            <a:fontRef idx="minor">
+              <a:schemeClr val="tx1"/>
+            </a:fontRef>
+          </p:style>
+        </p:cxnSp>
+        <p:sp>
+          <p:nvSpPr>
+            <p:cNvPr id="23" name="Rectangle 22">
+              <a:extLst>
+                <a:ext uri="{FF2B5EF4-FFF2-40B4-BE49-F238E27FC236}">
+                  <a16:creationId xmlns:a16="http://schemas.microsoft.com/office/drawing/2014/main" id="{7D50E4A2-D772-4E97-B49A-D910131EF245}"/>
+                </a:ext>
+              </a:extLst>
+            </p:cNvPr>
+            <p:cNvSpPr/>
+            <p:nvPr/>
+          </p:nvSpPr>
+          <p:spPr>
+            <a:xfrm>
+              <a:off x="5092190" y="4078087"/>
+              <a:ext cx="1348539" cy="890523"/>
+            </a:xfrm>
+            <a:prstGeom prst="rect">
+              <a:avLst/>
+            </a:prstGeom>
+            <a:solidFill>
+              <a:srgbClr val="500064"/>
+            </a:solidFill>
+            <a:ln>
+              <a:noFill/>
+            </a:ln>
+          </p:spPr>
+          <p:style>
+            <a:lnRef idx="2">
+              <a:schemeClr val="accent1">
+                <a:shade val="50000"/>
+              </a:schemeClr>
+            </a:lnRef>
+            <a:fillRef idx="1">
+              <a:schemeClr val="accent1"/>
+            </a:fillRef>
+            <a:effectRef idx="0">
+              <a:schemeClr val="accent1"/>
+            </a:effectRef>
+            <a:fontRef idx="minor">
+              <a:schemeClr val="lt1"/>
+            </a:fontRef>
+          </p:style>
+          <p:txBody>
+            <a:bodyPr rtlCol="0" anchor="ctr"/>
+            <a:lstStyle>
+              <a:defPPr marR="0" lvl="0" algn="l" rtl="0">
+                <a:lnSpc>
+                  <a:spcPct val="100000"/>
+                </a:lnSpc>
+                <a:spcBef>
+                  <a:spcPts val="0"/>
+                </a:spcBef>
+                <a:spcAft>
+                  <a:spcPts val="0"/>
+                </a:spcAft>
+              </a:defPPr>
+              <a:lvl1pPr marR="0" lvl="0" algn="l" rtl="0">
+                <a:lnSpc>
+                  <a:spcPct val="100000"/>
+                </a:lnSpc>
+                <a:spcBef>
+                  <a:spcPts val="0"/>
+                </a:spcBef>
+                <a:spcAft>
+                  <a:spcPts val="0"/>
+                </a:spcAft>
+                <a:buClr>
+                  <a:srgbClr val="000000"/>
+                </a:buClr>
+                <a:buFont typeface="Arial"/>
+                <a:defRPr sz="1400" b="0" i="0" u="none" strike="noStrike" cap="none">
+                  <a:solidFill>
+                    <a:schemeClr val="lt1"/>
+                  </a:solidFill>
+                  <a:latin typeface="+mn-lt"/>
+                  <a:ea typeface="+mn-ea"/>
+                  <a:cs typeface="+mn-cs"/>
+                  <a:sym typeface="Arial"/>
+                </a:defRPr>
+              </a:lvl1pPr>
+              <a:lvl2pPr marR="0" lvl="1" algn="l" rtl="0">
+                <a:lnSpc>
+                  <a:spcPct val="100000"/>
+                </a:lnSpc>
+                <a:spcBef>
+                  <a:spcPts val="0"/>
+                </a:spcBef>
+                <a:spcAft>
+                  <a:spcPts val="0"/>
+                </a:spcAft>
+                <a:buClr>
+                  <a:srgbClr val="000000"/>
+                </a:buClr>
+                <a:buFont typeface="Arial"/>
+                <a:defRPr sz="1400" b="0" i="0" u="none" strike="noStrike" cap="none">
+                  <a:solidFill>
+                    <a:schemeClr val="lt1"/>
+                  </a:solidFill>
+                  <a:latin typeface="+mn-lt"/>
+                  <a:ea typeface="+mn-ea"/>
+                  <a:cs typeface="+mn-cs"/>
+                  <a:sym typeface="Arial"/>
+                </a:defRPr>
+              </a:lvl2pPr>
+              <a:lvl3pPr marR="0" lvl="2" algn="l" rtl="0">
+                <a:lnSpc>
+                  <a:spcPct val="100000"/>
+                </a:lnSpc>
+                <a:spcBef>
+                  <a:spcPts val="0"/>
+                </a:spcBef>
+                <a:spcAft>
+                  <a:spcPts val="0"/>
+                </a:spcAft>
+                <a:buClr>
+                  <a:srgbClr val="000000"/>
+                </a:buClr>
+                <a:buFont typeface="Arial"/>
+                <a:defRPr sz="1400" b="0" i="0" u="none" strike="noStrike" cap="none">
+                  <a:solidFill>
+                    <a:schemeClr val="lt1"/>
+                  </a:solidFill>
+                  <a:latin typeface="+mn-lt"/>
+                  <a:ea typeface="+mn-ea"/>
+                  <a:cs typeface="+mn-cs"/>
+                  <a:sym typeface="Arial"/>
+                </a:defRPr>
+              </a:lvl3pPr>
+              <a:lvl4pPr marR="0" lvl="3" algn="l" rtl="0">
+                <a:lnSpc>
+                  <a:spcPct val="100000"/>
+                </a:lnSpc>
+                <a:spcBef>
+                  <a:spcPts val="0"/>
+                </a:spcBef>
+                <a:spcAft>
+                  <a:spcPts val="0"/>
+                </a:spcAft>
+                <a:buClr>
+                  <a:srgbClr val="000000"/>
+                </a:buClr>
+                <a:buFont typeface="Arial"/>
+                <a:defRPr sz="1400" b="0" i="0" u="none" strike="noStrike" cap="none">
+                  <a:solidFill>
+                    <a:schemeClr val="lt1"/>
+                  </a:solidFill>
+                  <a:latin typeface="+mn-lt"/>
+                  <a:ea typeface="+mn-ea"/>
+                  <a:cs typeface="+mn-cs"/>
+                  <a:sym typeface="Arial"/>
+                </a:defRPr>
+              </a:lvl4pPr>
+              <a:lvl5pPr marR="0" lvl="4" algn="l" rtl="0">
+                <a:lnSpc>
+                  <a:spcPct val="100000"/>
+                </a:lnSpc>
+                <a:spcBef>
+                  <a:spcPts val="0"/>
+                </a:spcBef>
+                <a:spcAft>
+                  <a:spcPts val="0"/>
+                </a:spcAft>
+                <a:buClr>
+                  <a:srgbClr val="000000"/>
+                </a:buClr>
+                <a:buFont typeface="Arial"/>
+                <a:defRPr sz="1400" b="0" i="0" u="none" strike="noStrike" cap="none">
+                  <a:solidFill>
+                    <a:schemeClr val="lt1"/>
+                  </a:solidFill>
+                  <a:latin typeface="+mn-lt"/>
+                  <a:ea typeface="+mn-ea"/>
+                  <a:cs typeface="+mn-cs"/>
+                  <a:sym typeface="Arial"/>
+                </a:defRPr>
+              </a:lvl5pPr>
+              <a:lvl6pPr marR="0" lvl="5" algn="l" rtl="0">
+                <a:lnSpc>
+                  <a:spcPct val="100000"/>
+                </a:lnSpc>
+                <a:spcBef>
+                  <a:spcPts val="0"/>
+                </a:spcBef>
+                <a:spcAft>
+                  <a:spcPts val="0"/>
+                </a:spcAft>
+                <a:buClr>
+                  <a:srgbClr val="000000"/>
+                </a:buClr>
+                <a:buFont typeface="Arial"/>
+                <a:defRPr sz="1400" b="0" i="0" u="none" strike="noStrike" cap="none">
+                  <a:solidFill>
+                    <a:schemeClr val="lt1"/>
+                  </a:solidFill>
+                  <a:latin typeface="+mn-lt"/>
+                  <a:ea typeface="+mn-ea"/>
+                  <a:cs typeface="+mn-cs"/>
+                  <a:sym typeface="Arial"/>
+                </a:defRPr>
+              </a:lvl6pPr>
+              <a:lvl7pPr marR="0" lvl="6" algn="l" rtl="0">
+                <a:lnSpc>
+                  <a:spcPct val="100000"/>
+                </a:lnSpc>
+                <a:spcBef>
+                  <a:spcPts val="0"/>
+                </a:spcBef>
+                <a:spcAft>
+                  <a:spcPts val="0"/>
+                </a:spcAft>
+                <a:buClr>
+                  <a:srgbClr val="000000"/>
+                </a:buClr>
+                <a:buFont typeface="Arial"/>
+                <a:defRPr sz="1400" b="0" i="0" u="none" strike="noStrike" cap="none">
+                  <a:solidFill>
+                    <a:schemeClr val="lt1"/>
+                  </a:solidFill>
+                  <a:latin typeface="+mn-lt"/>
+                  <a:ea typeface="+mn-ea"/>
+                  <a:cs typeface="+mn-cs"/>
+                  <a:sym typeface="Arial"/>
+                </a:defRPr>
+              </a:lvl7pPr>
+              <a:lvl8pPr marR="0" lvl="7" algn="l" rtl="0">
+                <a:lnSpc>
+                  <a:spcPct val="100000"/>
+                </a:lnSpc>
+                <a:spcBef>
+                  <a:spcPts val="0"/>
+                </a:spcBef>
+                <a:spcAft>
+                  <a:spcPts val="0"/>
+                </a:spcAft>
+                <a:buClr>
+                  <a:srgbClr val="000000"/>
+                </a:buClr>
+                <a:buFont typeface="Arial"/>
+                <a:defRPr sz="1400" b="0" i="0" u="none" strike="noStrike" cap="none">
+                  <a:solidFill>
+                    <a:schemeClr val="lt1"/>
+                  </a:solidFill>
+                  <a:latin typeface="+mn-lt"/>
+                  <a:ea typeface="+mn-ea"/>
+                  <a:cs typeface="+mn-cs"/>
+                  <a:sym typeface="Arial"/>
+                </a:defRPr>
+              </a:lvl8pPr>
+              <a:lvl9pPr marR="0" lvl="8" algn="l" rtl="0">
+                <a:lnSpc>
+                  <a:spcPct val="100000"/>
+                </a:lnSpc>
+                <a:spcBef>
+                  <a:spcPts val="0"/>
+                </a:spcBef>
+                <a:spcAft>
+                  <a:spcPts val="0"/>
+                </a:spcAft>
+                <a:buClr>
+                  <a:srgbClr val="000000"/>
+                </a:buClr>
+                <a:buFont typeface="Arial"/>
+                <a:defRPr sz="1400" b="0" i="0" u="none" strike="noStrike" cap="none">
+                  <a:solidFill>
+                    <a:schemeClr val="lt1"/>
+                  </a:solidFill>
+                  <a:latin typeface="+mn-lt"/>
+                  <a:ea typeface="+mn-ea"/>
+                  <a:cs typeface="+mn-cs"/>
+                  <a:sym typeface="Arial"/>
+                </a:defRPr>
+              </a:lvl9pPr>
+            </a:lstStyle>
+            <a:p>
+              <a:pPr algn="ctr"/>
+              <a:r>
+                <a:rPr lang="en-US" sz="1200" dirty="0"/>
+                <a:t>Keep top </a:t>
+              </a:r>
+              <a:r>
+                <a:rPr lang="en-US" sz="1200" i="1" dirty="0"/>
+                <a:t>s </a:t>
+              </a:r>
+              <a:r>
+                <a:rPr lang="en-US" sz="1200" dirty="0" err="1"/>
+                <a:t>shapelets</a:t>
+              </a:r>
+              <a:r>
+                <a:rPr lang="en-US" sz="1200" dirty="0"/>
+                <a:t> by information gain</a:t>
+              </a:r>
+              <a:endParaRPr lang="en-GB" sz="1200" i="1" dirty="0"/>
+            </a:p>
+          </p:txBody>
+        </p:sp>
+        <p:sp>
+          <p:nvSpPr>
+            <p:cNvPr id="24" name="Rectangle 23">
+              <a:extLst>
+                <a:ext uri="{FF2B5EF4-FFF2-40B4-BE49-F238E27FC236}">
+                  <a16:creationId xmlns:a16="http://schemas.microsoft.com/office/drawing/2014/main" id="{3DD16593-5DF0-4D4C-94C6-DF49E342FA4C}"/>
+                </a:ext>
+              </a:extLst>
+            </p:cNvPr>
+            <p:cNvSpPr/>
+            <p:nvPr/>
+          </p:nvSpPr>
+          <p:spPr>
+            <a:xfrm>
+              <a:off x="5093920" y="2825655"/>
+              <a:ext cx="1348539" cy="890523"/>
+            </a:xfrm>
+            <a:prstGeom prst="rect">
+              <a:avLst/>
+            </a:prstGeom>
+            <a:solidFill>
+              <a:srgbClr val="500064"/>
+            </a:solidFill>
+            <a:ln>
+              <a:noFill/>
+            </a:ln>
+          </p:spPr>
+          <p:style>
+            <a:lnRef idx="2">
+              <a:schemeClr val="accent1">
+                <a:shade val="50000"/>
+              </a:schemeClr>
+            </a:lnRef>
+            <a:fillRef idx="1">
+              <a:schemeClr val="accent1"/>
+            </a:fillRef>
+            <a:effectRef idx="0">
+              <a:schemeClr val="accent1"/>
+            </a:effectRef>
+            <a:fontRef idx="minor">
+              <a:schemeClr val="lt1"/>
+            </a:fontRef>
+          </p:style>
+          <p:txBody>
+            <a:bodyPr rtlCol="0" anchor="ctr"/>
+            <a:lstStyle>
+              <a:defPPr marR="0" lvl="0" algn="l" rtl="0">
+                <a:lnSpc>
+                  <a:spcPct val="100000"/>
+                </a:lnSpc>
+                <a:spcBef>
+                  <a:spcPts val="0"/>
+                </a:spcBef>
+                <a:spcAft>
+                  <a:spcPts val="0"/>
+                </a:spcAft>
+              </a:defPPr>
+              <a:lvl1pPr marR="0" lvl="0" algn="l" rtl="0">
+                <a:lnSpc>
+                  <a:spcPct val="100000"/>
+                </a:lnSpc>
+                <a:spcBef>
+                  <a:spcPts val="0"/>
+                </a:spcBef>
+                <a:spcAft>
+                  <a:spcPts val="0"/>
+                </a:spcAft>
+                <a:buClr>
+                  <a:srgbClr val="000000"/>
+                </a:buClr>
+                <a:buFont typeface="Arial"/>
+                <a:defRPr sz="1400" b="0" i="0" u="none" strike="noStrike" cap="none">
+                  <a:solidFill>
+                    <a:schemeClr val="lt1"/>
+                  </a:solidFill>
+                  <a:latin typeface="+mn-lt"/>
+                  <a:ea typeface="+mn-ea"/>
+                  <a:cs typeface="+mn-cs"/>
+                  <a:sym typeface="Arial"/>
+                </a:defRPr>
+              </a:lvl1pPr>
+              <a:lvl2pPr marR="0" lvl="1" algn="l" rtl="0">
+                <a:lnSpc>
+                  <a:spcPct val="100000"/>
+                </a:lnSpc>
+                <a:spcBef>
+                  <a:spcPts val="0"/>
+                </a:spcBef>
+                <a:spcAft>
+                  <a:spcPts val="0"/>
+                </a:spcAft>
+                <a:buClr>
+                  <a:srgbClr val="000000"/>
+                </a:buClr>
+                <a:buFont typeface="Arial"/>
+                <a:defRPr sz="1400" b="0" i="0" u="none" strike="noStrike" cap="none">
+                  <a:solidFill>
+                    <a:schemeClr val="lt1"/>
+                  </a:solidFill>
+                  <a:latin typeface="+mn-lt"/>
+                  <a:ea typeface="+mn-ea"/>
+                  <a:cs typeface="+mn-cs"/>
+                  <a:sym typeface="Arial"/>
+                </a:defRPr>
+              </a:lvl2pPr>
+              <a:lvl3pPr marR="0" lvl="2" algn="l" rtl="0">
+                <a:lnSpc>
+                  <a:spcPct val="100000"/>
+                </a:lnSpc>
+                <a:spcBef>
+                  <a:spcPts val="0"/>
+                </a:spcBef>
+                <a:spcAft>
+                  <a:spcPts val="0"/>
+                </a:spcAft>
+                <a:buClr>
+                  <a:srgbClr val="000000"/>
+                </a:buClr>
+                <a:buFont typeface="Arial"/>
+                <a:defRPr sz="1400" b="0" i="0" u="none" strike="noStrike" cap="none">
+                  <a:solidFill>
+                    <a:schemeClr val="lt1"/>
+                  </a:solidFill>
+                  <a:latin typeface="+mn-lt"/>
+                  <a:ea typeface="+mn-ea"/>
+                  <a:cs typeface="+mn-cs"/>
+                  <a:sym typeface="Arial"/>
+                </a:defRPr>
+              </a:lvl3pPr>
+              <a:lvl4pPr marR="0" lvl="3" algn="l" rtl="0">
+                <a:lnSpc>
+                  <a:spcPct val="100000"/>
+                </a:lnSpc>
+                <a:spcBef>
+                  <a:spcPts val="0"/>
+                </a:spcBef>
+                <a:spcAft>
+                  <a:spcPts val="0"/>
+                </a:spcAft>
+                <a:buClr>
+                  <a:srgbClr val="000000"/>
+                </a:buClr>
+                <a:buFont typeface="Arial"/>
+                <a:defRPr sz="1400" b="0" i="0" u="none" strike="noStrike" cap="none">
+                  <a:solidFill>
+                    <a:schemeClr val="lt1"/>
+                  </a:solidFill>
+                  <a:latin typeface="+mn-lt"/>
+                  <a:ea typeface="+mn-ea"/>
+                  <a:cs typeface="+mn-cs"/>
+                  <a:sym typeface="Arial"/>
+                </a:defRPr>
+              </a:lvl4pPr>
+              <a:lvl5pPr marR="0" lvl="4" algn="l" rtl="0">
+                <a:lnSpc>
+                  <a:spcPct val="100000"/>
+                </a:lnSpc>
+                <a:spcBef>
+                  <a:spcPts val="0"/>
+                </a:spcBef>
+                <a:spcAft>
+                  <a:spcPts val="0"/>
+                </a:spcAft>
+                <a:buClr>
+                  <a:srgbClr val="000000"/>
+                </a:buClr>
+                <a:buFont typeface="Arial"/>
+                <a:defRPr sz="1400" b="0" i="0" u="none" strike="noStrike" cap="none">
+                  <a:solidFill>
+                    <a:schemeClr val="lt1"/>
+                  </a:solidFill>
+                  <a:latin typeface="+mn-lt"/>
+                  <a:ea typeface="+mn-ea"/>
+                  <a:cs typeface="+mn-cs"/>
+                  <a:sym typeface="Arial"/>
+                </a:defRPr>
+              </a:lvl5pPr>
+              <a:lvl6pPr marR="0" lvl="5" algn="l" rtl="0">
+                <a:lnSpc>
+                  <a:spcPct val="100000"/>
+                </a:lnSpc>
+                <a:spcBef>
+                  <a:spcPts val="0"/>
+                </a:spcBef>
+                <a:spcAft>
+                  <a:spcPts val="0"/>
+                </a:spcAft>
+                <a:buClr>
+                  <a:srgbClr val="000000"/>
+                </a:buClr>
+                <a:buFont typeface="Arial"/>
+                <a:defRPr sz="1400" b="0" i="0" u="none" strike="noStrike" cap="none">
+                  <a:solidFill>
+                    <a:schemeClr val="lt1"/>
+                  </a:solidFill>
+                  <a:latin typeface="+mn-lt"/>
+                  <a:ea typeface="+mn-ea"/>
+                  <a:cs typeface="+mn-cs"/>
+                  <a:sym typeface="Arial"/>
+                </a:defRPr>
+              </a:lvl6pPr>
+              <a:lvl7pPr marR="0" lvl="6" algn="l" rtl="0">
+                <a:lnSpc>
+                  <a:spcPct val="100000"/>
+                </a:lnSpc>
+                <a:spcBef>
+                  <a:spcPts val="0"/>
+                </a:spcBef>
+                <a:spcAft>
+                  <a:spcPts val="0"/>
+                </a:spcAft>
+                <a:buClr>
+                  <a:srgbClr val="000000"/>
+                </a:buClr>
+                <a:buFont typeface="Arial"/>
+                <a:defRPr sz="1400" b="0" i="0" u="none" strike="noStrike" cap="none">
+                  <a:solidFill>
+                    <a:schemeClr val="lt1"/>
+                  </a:solidFill>
+                  <a:latin typeface="+mn-lt"/>
+                  <a:ea typeface="+mn-ea"/>
+                  <a:cs typeface="+mn-cs"/>
+                  <a:sym typeface="Arial"/>
+                </a:defRPr>
+              </a:lvl7pPr>
+              <a:lvl8pPr marR="0" lvl="7" algn="l" rtl="0">
+                <a:lnSpc>
+                  <a:spcPct val="100000"/>
+                </a:lnSpc>
+                <a:spcBef>
+                  <a:spcPts val="0"/>
+                </a:spcBef>
+                <a:spcAft>
+                  <a:spcPts val="0"/>
+                </a:spcAft>
+                <a:buClr>
+                  <a:srgbClr val="000000"/>
+                </a:buClr>
+                <a:buFont typeface="Arial"/>
+                <a:defRPr sz="1400" b="0" i="0" u="none" strike="noStrike" cap="none">
+                  <a:solidFill>
+                    <a:schemeClr val="lt1"/>
+                  </a:solidFill>
+                  <a:latin typeface="+mn-lt"/>
+                  <a:ea typeface="+mn-ea"/>
+                  <a:cs typeface="+mn-cs"/>
+                  <a:sym typeface="Arial"/>
+                </a:defRPr>
+              </a:lvl8pPr>
+              <a:lvl9pPr marR="0" lvl="8" algn="l" rtl="0">
+                <a:lnSpc>
+                  <a:spcPct val="100000"/>
+                </a:lnSpc>
+                <a:spcBef>
+                  <a:spcPts val="0"/>
+                </a:spcBef>
+                <a:spcAft>
+                  <a:spcPts val="0"/>
+                </a:spcAft>
+                <a:buClr>
+                  <a:srgbClr val="000000"/>
+                </a:buClr>
+                <a:buFont typeface="Arial"/>
+                <a:defRPr sz="1400" b="0" i="0" u="none" strike="noStrike" cap="none">
+                  <a:solidFill>
+                    <a:schemeClr val="lt1"/>
+                  </a:solidFill>
+                  <a:latin typeface="+mn-lt"/>
+                  <a:ea typeface="+mn-ea"/>
+                  <a:cs typeface="+mn-cs"/>
+                  <a:sym typeface="Arial"/>
+                </a:defRPr>
+              </a:lvl9pPr>
+            </a:lstStyle>
+            <a:p>
+              <a:pPr algn="ctr"/>
+              <a:r>
+                <a:rPr lang="en-US" sz="1200" dirty="0">
+                  <a:solidFill>
+                    <a:schemeClr val="bg1"/>
+                  </a:solidFill>
+                </a:rPr>
+                <a:t>Randomly select dimension for each </a:t>
+              </a:r>
+              <a:r>
+                <a:rPr lang="en-US" sz="1200" dirty="0" err="1">
+                  <a:solidFill>
+                    <a:schemeClr val="bg1"/>
+                  </a:solidFill>
+                </a:rPr>
+                <a:t>shapelet</a:t>
+              </a:r>
+              <a:endParaRPr lang="en-GB" sz="1200" dirty="0">
+                <a:solidFill>
+                  <a:schemeClr val="bg1"/>
+                </a:solidFill>
+              </a:endParaRPr>
+            </a:p>
+          </p:txBody>
+        </p:sp>
+        <p:sp>
+          <p:nvSpPr>
+            <p:cNvPr id="25" name="TextBox 24">
+              <a:extLst>
+                <a:ext uri="{FF2B5EF4-FFF2-40B4-BE49-F238E27FC236}">
+                  <a16:creationId xmlns:a16="http://schemas.microsoft.com/office/drawing/2014/main" id="{3E3E1027-6C7E-4919-B021-02610DD2097D}"/>
+                </a:ext>
+              </a:extLst>
+            </p:cNvPr>
+            <p:cNvSpPr txBox="1"/>
+            <p:nvPr/>
+          </p:nvSpPr>
+          <p:spPr>
+            <a:xfrm>
+              <a:off x="4041897" y="3160034"/>
+              <a:ext cx="986596" cy="597854"/>
+            </a:xfrm>
+            <a:prstGeom prst="rect">
+              <a:avLst/>
+            </a:prstGeom>
+            <a:noFill/>
+          </p:spPr>
+          <p:txBody>
+            <a:bodyPr wrap="square" rtlCol="0">
+              <a:spAutoFit/>
+            </a:bodyPr>
+            <a:lstStyle>
+              <a:defPPr marR="0" lvl="0" algn="l" rtl="0">
+                <a:lnSpc>
+                  <a:spcPct val="100000"/>
+                </a:lnSpc>
+                <a:spcBef>
+                  <a:spcPts val="0"/>
+                </a:spcBef>
+                <a:spcAft>
+                  <a:spcPts val="0"/>
+                </a:spcAft>
+              </a:defPPr>
+              <a:lvl1pPr marR="0" lvl="0" algn="l" rtl="0">
+                <a:lnSpc>
+                  <a:spcPct val="100000"/>
+                </a:lnSpc>
+                <a:spcBef>
+                  <a:spcPts val="0"/>
+                </a:spcBef>
+                <a:spcAft>
+                  <a:spcPts val="0"/>
+                </a:spcAft>
+                <a:buClr>
+                  <a:srgbClr val="000000"/>
+                </a:buClr>
+                <a:buFont typeface="Arial"/>
+                <a:defRPr sz="1400" b="0" i="0" u="none" strike="noStrike" cap="none">
+                  <a:solidFill>
+                    <a:srgbClr val="000000"/>
+                  </a:solidFill>
+                  <a:latin typeface="Arial"/>
+                  <a:ea typeface="Arial"/>
+                  <a:cs typeface="Arial"/>
+                  <a:sym typeface="Arial"/>
+                </a:defRPr>
+              </a:lvl1pPr>
+              <a:lvl2pPr marR="0" lvl="1" algn="l" rtl="0">
+                <a:lnSpc>
+                  <a:spcPct val="100000"/>
+                </a:lnSpc>
+                <a:spcBef>
+                  <a:spcPts val="0"/>
+                </a:spcBef>
+                <a:spcAft>
+                  <a:spcPts val="0"/>
+                </a:spcAft>
+                <a:buClr>
+                  <a:srgbClr val="000000"/>
+                </a:buClr>
+                <a:buFont typeface="Arial"/>
+                <a:defRPr sz="1400" b="0" i="0" u="none" strike="noStrike" cap="none">
+                  <a:solidFill>
+                    <a:srgbClr val="000000"/>
+                  </a:solidFill>
+                  <a:latin typeface="Arial"/>
+                  <a:ea typeface="Arial"/>
+                  <a:cs typeface="Arial"/>
+                  <a:sym typeface="Arial"/>
+                </a:defRPr>
+              </a:lvl2pPr>
+              <a:lvl3pPr marR="0" lvl="2" algn="l" rtl="0">
+                <a:lnSpc>
+                  <a:spcPct val="100000"/>
+                </a:lnSpc>
+                <a:spcBef>
+                  <a:spcPts val="0"/>
+                </a:spcBef>
+                <a:spcAft>
+                  <a:spcPts val="0"/>
+                </a:spcAft>
+                <a:buClr>
+                  <a:srgbClr val="000000"/>
+                </a:buClr>
+                <a:buFont typeface="Arial"/>
+                <a:defRPr sz="1400" b="0" i="0" u="none" strike="noStrike" cap="none">
+                  <a:solidFill>
+                    <a:srgbClr val="000000"/>
+                  </a:solidFill>
+                  <a:latin typeface="Arial"/>
+                  <a:ea typeface="Arial"/>
+                  <a:cs typeface="Arial"/>
+                  <a:sym typeface="Arial"/>
+                </a:defRPr>
+              </a:lvl3pPr>
+              <a:lvl4pPr marR="0" lvl="3" algn="l" rtl="0">
+                <a:lnSpc>
+                  <a:spcPct val="100000"/>
+                </a:lnSpc>
+                <a:spcBef>
+                  <a:spcPts val="0"/>
+                </a:spcBef>
+                <a:spcAft>
+                  <a:spcPts val="0"/>
+                </a:spcAft>
+                <a:buClr>
+                  <a:srgbClr val="000000"/>
+                </a:buClr>
+                <a:buFont typeface="Arial"/>
+                <a:defRPr sz="1400" b="0" i="0" u="none" strike="noStrike" cap="none">
+                  <a:solidFill>
+                    <a:srgbClr val="000000"/>
+                  </a:solidFill>
+                  <a:latin typeface="Arial"/>
+                  <a:ea typeface="Arial"/>
+                  <a:cs typeface="Arial"/>
+                  <a:sym typeface="Arial"/>
+                </a:defRPr>
+              </a:lvl4pPr>
+              <a:lvl5pPr marR="0" lvl="4" algn="l" rtl="0">
+                <a:lnSpc>
+                  <a:spcPct val="100000"/>
+                </a:lnSpc>
+                <a:spcBef>
+                  <a:spcPts val="0"/>
+                </a:spcBef>
+                <a:spcAft>
+                  <a:spcPts val="0"/>
+                </a:spcAft>
+                <a:buClr>
+                  <a:srgbClr val="000000"/>
+                </a:buClr>
+                <a:buFont typeface="Arial"/>
+                <a:defRPr sz="1400" b="0" i="0" u="none" strike="noStrike" cap="none">
+                  <a:solidFill>
+                    <a:srgbClr val="000000"/>
+                  </a:solidFill>
+                  <a:latin typeface="Arial"/>
+                  <a:ea typeface="Arial"/>
+                  <a:cs typeface="Arial"/>
+                  <a:sym typeface="Arial"/>
+                </a:defRPr>
+              </a:lvl5pPr>
+              <a:lvl6pPr marR="0" lvl="5" algn="l" rtl="0">
+                <a:lnSpc>
+                  <a:spcPct val="100000"/>
+                </a:lnSpc>
+                <a:spcBef>
+                  <a:spcPts val="0"/>
+                </a:spcBef>
+                <a:spcAft>
+                  <a:spcPts val="0"/>
+                </a:spcAft>
+                <a:buClr>
+                  <a:srgbClr val="000000"/>
+                </a:buClr>
+                <a:buFont typeface="Arial"/>
+                <a:defRPr sz="1400" b="0" i="0" u="none" strike="noStrike" cap="none">
+                  <a:solidFill>
+                    <a:srgbClr val="000000"/>
+                  </a:solidFill>
+                  <a:latin typeface="Arial"/>
+                  <a:ea typeface="Arial"/>
+                  <a:cs typeface="Arial"/>
+                  <a:sym typeface="Arial"/>
+                </a:defRPr>
+              </a:lvl6pPr>
+              <a:lvl7pPr marR="0" lvl="6" algn="l" rtl="0">
+                <a:lnSpc>
+                  <a:spcPct val="100000"/>
+                </a:lnSpc>
+                <a:spcBef>
+                  <a:spcPts val="0"/>
+                </a:spcBef>
+                <a:spcAft>
+                  <a:spcPts val="0"/>
+                </a:spcAft>
+                <a:buClr>
+                  <a:srgbClr val="000000"/>
+                </a:buClr>
+                <a:buFont typeface="Arial"/>
+                <a:defRPr sz="1400" b="0" i="0" u="none" strike="noStrike" cap="none">
+                  <a:solidFill>
+                    <a:srgbClr val="000000"/>
+                  </a:solidFill>
+                  <a:latin typeface="Arial"/>
+                  <a:ea typeface="Arial"/>
+                  <a:cs typeface="Arial"/>
+                  <a:sym typeface="Arial"/>
+                </a:defRPr>
+              </a:lvl7pPr>
+              <a:lvl8pPr marR="0" lvl="7" algn="l" rtl="0">
+                <a:lnSpc>
+                  <a:spcPct val="100000"/>
+                </a:lnSpc>
+                <a:spcBef>
+                  <a:spcPts val="0"/>
+                </a:spcBef>
+                <a:spcAft>
+                  <a:spcPts val="0"/>
+                </a:spcAft>
+                <a:buClr>
+                  <a:srgbClr val="000000"/>
+                </a:buClr>
+                <a:buFont typeface="Arial"/>
+                <a:defRPr sz="1400" b="0" i="0" u="none" strike="noStrike" cap="none">
+                  <a:solidFill>
+                    <a:srgbClr val="000000"/>
+                  </a:solidFill>
+                  <a:latin typeface="Arial"/>
+                  <a:ea typeface="Arial"/>
+                  <a:cs typeface="Arial"/>
+                  <a:sym typeface="Arial"/>
+                </a:defRPr>
+              </a:lvl8pPr>
+              <a:lvl9pPr marR="0" lvl="8" algn="l" rtl="0">
+                <a:lnSpc>
+                  <a:spcPct val="100000"/>
+                </a:lnSpc>
+                <a:spcBef>
+                  <a:spcPts val="0"/>
+                </a:spcBef>
+                <a:spcAft>
+                  <a:spcPts val="0"/>
+                </a:spcAft>
+                <a:buClr>
+                  <a:srgbClr val="000000"/>
+                </a:buClr>
+                <a:buFont typeface="Arial"/>
+                <a:defRPr sz="1400" b="0" i="0" u="none" strike="noStrike" cap="none">
+                  <a:solidFill>
+                    <a:srgbClr val="000000"/>
+                  </a:solidFill>
+                  <a:latin typeface="Arial"/>
+                  <a:ea typeface="Arial"/>
+                  <a:cs typeface="Arial"/>
+                  <a:sym typeface="Arial"/>
+                </a:defRPr>
+              </a:lvl9pPr>
+            </a:lstStyle>
+            <a:p>
+              <a:r>
+                <a:rPr lang="en-US" sz="1100" b="1" dirty="0">
+                  <a:solidFill>
+                    <a:srgbClr val="500064"/>
+                  </a:solidFill>
+                </a:rPr>
+                <a:t>IF</a:t>
+              </a:r>
+              <a:r>
+                <a:rPr lang="en-US" sz="1050" dirty="0">
+                  <a:solidFill>
+                    <a:srgbClr val="500064"/>
+                  </a:solidFill>
+                </a:rPr>
+                <a:t> </a:t>
+              </a:r>
+              <a:r>
+                <a:rPr lang="en-GB" sz="1050" dirty="0">
+                  <a:solidFill>
+                    <a:srgbClr val="500064"/>
+                  </a:solidFill>
+                </a:rPr>
+                <a:t>data is multivariate</a:t>
+              </a:r>
+            </a:p>
+            <a:p>
+              <a:endParaRPr lang="en-GB" sz="1050" dirty="0">
+                <a:solidFill>
+                  <a:srgbClr val="500064"/>
+                </a:solidFill>
+              </a:endParaRPr>
+            </a:p>
+          </p:txBody>
+        </p:sp>
+        <p:sp>
+          <p:nvSpPr>
+            <p:cNvPr id="26" name="TextBox 26">
+              <a:extLst>
+                <a:ext uri="{FF2B5EF4-FFF2-40B4-BE49-F238E27FC236}">
+                  <a16:creationId xmlns:a16="http://schemas.microsoft.com/office/drawing/2014/main" id="{0263FB99-FB06-4E26-A3F0-5BB860B57706}"/>
+                </a:ext>
+              </a:extLst>
+            </p:cNvPr>
+            <p:cNvSpPr txBox="1"/>
+            <p:nvPr/>
+          </p:nvSpPr>
+          <p:spPr>
+            <a:xfrm>
+              <a:off x="4293746" y="4612249"/>
+              <a:ext cx="1092088" cy="267461"/>
+            </a:xfrm>
+            <a:prstGeom prst="rect">
+              <a:avLst/>
+            </a:prstGeom>
+            <a:noFill/>
+          </p:spPr>
+          <p:txBody>
+            <a:bodyPr wrap="square" rtlCol="0">
+              <a:spAutoFit/>
+            </a:bodyPr>
+            <a:lstStyle>
+              <a:defPPr marR="0" lvl="0" algn="l" rtl="0">
+                <a:lnSpc>
+                  <a:spcPct val="100000"/>
+                </a:lnSpc>
+                <a:spcBef>
+                  <a:spcPts val="0"/>
+                </a:spcBef>
+                <a:spcAft>
+                  <a:spcPts val="0"/>
+                </a:spcAft>
+              </a:defPPr>
+              <a:lvl1pPr marR="0" lvl="0" algn="l" rtl="0">
+                <a:lnSpc>
+                  <a:spcPct val="100000"/>
+                </a:lnSpc>
+                <a:spcBef>
+                  <a:spcPts val="0"/>
+                </a:spcBef>
+                <a:spcAft>
+                  <a:spcPts val="0"/>
+                </a:spcAft>
+                <a:buClr>
+                  <a:srgbClr val="000000"/>
+                </a:buClr>
+                <a:buFont typeface="Arial"/>
+                <a:defRPr sz="1400" b="0" i="0" u="none" strike="noStrike" cap="none">
+                  <a:solidFill>
+                    <a:srgbClr val="000000"/>
+                  </a:solidFill>
+                  <a:latin typeface="Arial"/>
+                  <a:ea typeface="Arial"/>
+                  <a:cs typeface="Arial"/>
+                  <a:sym typeface="Arial"/>
+                </a:defRPr>
+              </a:lvl1pPr>
+              <a:lvl2pPr marR="0" lvl="1" algn="l" rtl="0">
+                <a:lnSpc>
+                  <a:spcPct val="100000"/>
+                </a:lnSpc>
+                <a:spcBef>
+                  <a:spcPts val="0"/>
+                </a:spcBef>
+                <a:spcAft>
+                  <a:spcPts val="0"/>
+                </a:spcAft>
+                <a:buClr>
+                  <a:srgbClr val="000000"/>
+                </a:buClr>
+                <a:buFont typeface="Arial"/>
+                <a:defRPr sz="1400" b="0" i="0" u="none" strike="noStrike" cap="none">
+                  <a:solidFill>
+                    <a:srgbClr val="000000"/>
+                  </a:solidFill>
+                  <a:latin typeface="Arial"/>
+                  <a:ea typeface="Arial"/>
+                  <a:cs typeface="Arial"/>
+                  <a:sym typeface="Arial"/>
+                </a:defRPr>
+              </a:lvl2pPr>
+              <a:lvl3pPr marR="0" lvl="2" algn="l" rtl="0">
+                <a:lnSpc>
+                  <a:spcPct val="100000"/>
+                </a:lnSpc>
+                <a:spcBef>
+                  <a:spcPts val="0"/>
+                </a:spcBef>
+                <a:spcAft>
+                  <a:spcPts val="0"/>
+                </a:spcAft>
+                <a:buClr>
+                  <a:srgbClr val="000000"/>
+                </a:buClr>
+                <a:buFont typeface="Arial"/>
+                <a:defRPr sz="1400" b="0" i="0" u="none" strike="noStrike" cap="none">
+                  <a:solidFill>
+                    <a:srgbClr val="000000"/>
+                  </a:solidFill>
+                  <a:latin typeface="Arial"/>
+                  <a:ea typeface="Arial"/>
+                  <a:cs typeface="Arial"/>
+                  <a:sym typeface="Arial"/>
+                </a:defRPr>
+              </a:lvl3pPr>
+              <a:lvl4pPr marR="0" lvl="3" algn="l" rtl="0">
+                <a:lnSpc>
+                  <a:spcPct val="100000"/>
+                </a:lnSpc>
+                <a:spcBef>
+                  <a:spcPts val="0"/>
+                </a:spcBef>
+                <a:spcAft>
+                  <a:spcPts val="0"/>
+                </a:spcAft>
+                <a:buClr>
+                  <a:srgbClr val="000000"/>
+                </a:buClr>
+                <a:buFont typeface="Arial"/>
+                <a:defRPr sz="1400" b="0" i="0" u="none" strike="noStrike" cap="none">
+                  <a:solidFill>
+                    <a:srgbClr val="000000"/>
+                  </a:solidFill>
+                  <a:latin typeface="Arial"/>
+                  <a:ea typeface="Arial"/>
+                  <a:cs typeface="Arial"/>
+                  <a:sym typeface="Arial"/>
+                </a:defRPr>
+              </a:lvl4pPr>
+              <a:lvl5pPr marR="0" lvl="4" algn="l" rtl="0">
+                <a:lnSpc>
+                  <a:spcPct val="100000"/>
+                </a:lnSpc>
+                <a:spcBef>
+                  <a:spcPts val="0"/>
+                </a:spcBef>
+                <a:spcAft>
+                  <a:spcPts val="0"/>
+                </a:spcAft>
+                <a:buClr>
+                  <a:srgbClr val="000000"/>
+                </a:buClr>
+                <a:buFont typeface="Arial"/>
+                <a:defRPr sz="1400" b="0" i="0" u="none" strike="noStrike" cap="none">
+                  <a:solidFill>
+                    <a:srgbClr val="000000"/>
+                  </a:solidFill>
+                  <a:latin typeface="Arial"/>
+                  <a:ea typeface="Arial"/>
+                  <a:cs typeface="Arial"/>
+                  <a:sym typeface="Arial"/>
+                </a:defRPr>
+              </a:lvl5pPr>
+              <a:lvl6pPr marR="0" lvl="5" algn="l" rtl="0">
+                <a:lnSpc>
+                  <a:spcPct val="100000"/>
+                </a:lnSpc>
+                <a:spcBef>
+                  <a:spcPts val="0"/>
+                </a:spcBef>
+                <a:spcAft>
+                  <a:spcPts val="0"/>
+                </a:spcAft>
+                <a:buClr>
+                  <a:srgbClr val="000000"/>
+                </a:buClr>
+                <a:buFont typeface="Arial"/>
+                <a:defRPr sz="1400" b="0" i="0" u="none" strike="noStrike" cap="none">
+                  <a:solidFill>
+                    <a:srgbClr val="000000"/>
+                  </a:solidFill>
+                  <a:latin typeface="Arial"/>
+                  <a:ea typeface="Arial"/>
+                  <a:cs typeface="Arial"/>
+                  <a:sym typeface="Arial"/>
+                </a:defRPr>
+              </a:lvl6pPr>
+              <a:lvl7pPr marR="0" lvl="6" algn="l" rtl="0">
+                <a:lnSpc>
+                  <a:spcPct val="100000"/>
+                </a:lnSpc>
+                <a:spcBef>
+                  <a:spcPts val="0"/>
+                </a:spcBef>
+                <a:spcAft>
+                  <a:spcPts val="0"/>
+                </a:spcAft>
+                <a:buClr>
+                  <a:srgbClr val="000000"/>
+                </a:buClr>
+                <a:buFont typeface="Arial"/>
+                <a:defRPr sz="1400" b="0" i="0" u="none" strike="noStrike" cap="none">
+                  <a:solidFill>
+                    <a:srgbClr val="000000"/>
+                  </a:solidFill>
+                  <a:latin typeface="Arial"/>
+                  <a:ea typeface="Arial"/>
+                  <a:cs typeface="Arial"/>
+                  <a:sym typeface="Arial"/>
+                </a:defRPr>
+              </a:lvl7pPr>
+              <a:lvl8pPr marR="0" lvl="7" algn="l" rtl="0">
+                <a:lnSpc>
+                  <a:spcPct val="100000"/>
+                </a:lnSpc>
+                <a:spcBef>
+                  <a:spcPts val="0"/>
+                </a:spcBef>
+                <a:spcAft>
+                  <a:spcPts val="0"/>
+                </a:spcAft>
+                <a:buClr>
+                  <a:srgbClr val="000000"/>
+                </a:buClr>
+                <a:buFont typeface="Arial"/>
+                <a:defRPr sz="1400" b="0" i="0" u="none" strike="noStrike" cap="none">
+                  <a:solidFill>
+                    <a:srgbClr val="000000"/>
+                  </a:solidFill>
+                  <a:latin typeface="Arial"/>
+                  <a:ea typeface="Arial"/>
+                  <a:cs typeface="Arial"/>
+                  <a:sym typeface="Arial"/>
+                </a:defRPr>
+              </a:lvl8pPr>
+              <a:lvl9pPr marR="0" lvl="8" algn="l" rtl="0">
+                <a:lnSpc>
+                  <a:spcPct val="100000"/>
+                </a:lnSpc>
+                <a:spcBef>
+                  <a:spcPts val="0"/>
+                </a:spcBef>
+                <a:spcAft>
+                  <a:spcPts val="0"/>
+                </a:spcAft>
+                <a:buClr>
+                  <a:srgbClr val="000000"/>
+                </a:buClr>
+                <a:buFont typeface="Arial"/>
+                <a:defRPr sz="1400" b="0" i="0" u="none" strike="noStrike" cap="none">
+                  <a:solidFill>
+                    <a:srgbClr val="000000"/>
+                  </a:solidFill>
+                  <a:latin typeface="Arial"/>
+                  <a:ea typeface="Arial"/>
+                  <a:cs typeface="Arial"/>
+                  <a:sym typeface="Arial"/>
+                </a:defRPr>
+              </a:lvl9pPr>
+            </a:lstStyle>
+            <a:p>
+              <a:r>
+                <a:rPr lang="en-US" sz="1100" b="1" dirty="0">
+                  <a:solidFill>
+                    <a:srgbClr val="500064"/>
+                  </a:solidFill>
+                </a:rPr>
+                <a:t>ELSE</a:t>
+              </a:r>
+              <a:endParaRPr lang="en-GB" sz="1050" dirty="0">
+                <a:solidFill>
+                  <a:srgbClr val="500064"/>
+                </a:solidFill>
+              </a:endParaRPr>
+            </a:p>
+          </p:txBody>
+        </p:sp>
+        <p:cxnSp>
+          <p:nvCxnSpPr>
+            <p:cNvPr id="27" name="Straight Arrow Connector 26">
+              <a:extLst>
+                <a:ext uri="{FF2B5EF4-FFF2-40B4-BE49-F238E27FC236}">
+                  <a16:creationId xmlns:a16="http://schemas.microsoft.com/office/drawing/2014/main" id="{08CE7FFA-88DB-493D-ADFA-C988C903BAD2}"/>
+                </a:ext>
+              </a:extLst>
+            </p:cNvPr>
+            <p:cNvCxnSpPr>
+              <a:cxnSpLocks/>
+              <a:stCxn id="21" idx="3"/>
+              <a:endCxn id="23" idx="1"/>
+            </p:cNvCxnSpPr>
+            <p:nvPr/>
+          </p:nvCxnSpPr>
+          <p:spPr>
+            <a:xfrm flipV="1">
+              <a:off x="4107324" y="4523348"/>
+              <a:ext cx="984865" cy="1"/>
+            </a:xfrm>
+            <a:prstGeom prst="straightConnector1">
+              <a:avLst/>
+            </a:prstGeom>
+            <a:ln>
+              <a:solidFill>
+                <a:srgbClr val="00AEEF"/>
+              </a:solidFill>
+              <a:tailEnd type="triangle"/>
+            </a:ln>
+          </p:spPr>
+          <p:style>
+            <a:lnRef idx="1">
+              <a:schemeClr val="accent1"/>
+            </a:lnRef>
+            <a:fillRef idx="0">
+              <a:schemeClr val="accent1"/>
+            </a:fillRef>
+            <a:effectRef idx="0">
+              <a:schemeClr val="accent1"/>
+            </a:effectRef>
+            <a:fontRef idx="minor">
+              <a:schemeClr val="tx1"/>
+            </a:fontRef>
+          </p:style>
+        </p:cxnSp>
+        <p:sp>
+          <p:nvSpPr>
+            <p:cNvPr id="28" name="Rectangle 27">
+              <a:extLst>
+                <a:ext uri="{FF2B5EF4-FFF2-40B4-BE49-F238E27FC236}">
+                  <a16:creationId xmlns:a16="http://schemas.microsoft.com/office/drawing/2014/main" id="{5564F2A2-2B7A-4430-83B1-5890EDBF43F9}"/>
+                </a:ext>
+              </a:extLst>
+            </p:cNvPr>
+            <p:cNvSpPr/>
+            <p:nvPr/>
+          </p:nvSpPr>
+          <p:spPr>
+            <a:xfrm>
+              <a:off x="1546763" y="4069111"/>
+              <a:ext cx="960124" cy="890522"/>
+            </a:xfrm>
+            <a:prstGeom prst="rect">
+              <a:avLst/>
+            </a:prstGeom>
+            <a:solidFill>
+              <a:srgbClr val="70AD46"/>
+            </a:solidFill>
+            <a:ln>
+              <a:noFill/>
+            </a:ln>
+          </p:spPr>
+          <p:style>
+            <a:lnRef idx="2">
+              <a:schemeClr val="accent1">
+                <a:shade val="50000"/>
+              </a:schemeClr>
+            </a:lnRef>
+            <a:fillRef idx="1">
+              <a:schemeClr val="accent1"/>
+            </a:fillRef>
+            <a:effectRef idx="0">
+              <a:schemeClr val="accent1"/>
+            </a:effectRef>
+            <a:fontRef idx="minor">
+              <a:schemeClr val="lt1"/>
+            </a:fontRef>
+          </p:style>
+          <p:txBody>
+            <a:bodyPr rtlCol="0" anchor="ctr"/>
+            <a:lstStyle>
+              <a:defPPr marR="0" lvl="0" algn="l" rtl="0">
+                <a:lnSpc>
+                  <a:spcPct val="100000"/>
+                </a:lnSpc>
+                <a:spcBef>
+                  <a:spcPts val="0"/>
+                </a:spcBef>
+                <a:spcAft>
+                  <a:spcPts val="0"/>
+                </a:spcAft>
+              </a:defPPr>
+              <a:lvl1pPr marR="0" lvl="0" algn="l" rtl="0">
+                <a:lnSpc>
+                  <a:spcPct val="100000"/>
+                </a:lnSpc>
+                <a:spcBef>
+                  <a:spcPts val="0"/>
+                </a:spcBef>
+                <a:spcAft>
+                  <a:spcPts val="0"/>
+                </a:spcAft>
+                <a:buClr>
+                  <a:srgbClr val="000000"/>
+                </a:buClr>
+                <a:buFont typeface="Arial"/>
+                <a:defRPr sz="1400" b="0" i="0" u="none" strike="noStrike" cap="none">
+                  <a:solidFill>
+                    <a:schemeClr val="lt1"/>
+                  </a:solidFill>
+                  <a:latin typeface="+mn-lt"/>
+                  <a:ea typeface="+mn-ea"/>
+                  <a:cs typeface="+mn-cs"/>
+                  <a:sym typeface="Arial"/>
+                </a:defRPr>
+              </a:lvl1pPr>
+              <a:lvl2pPr marR="0" lvl="1" algn="l" rtl="0">
+                <a:lnSpc>
+                  <a:spcPct val="100000"/>
+                </a:lnSpc>
+                <a:spcBef>
+                  <a:spcPts val="0"/>
+                </a:spcBef>
+                <a:spcAft>
+                  <a:spcPts val="0"/>
+                </a:spcAft>
+                <a:buClr>
+                  <a:srgbClr val="000000"/>
+                </a:buClr>
+                <a:buFont typeface="Arial"/>
+                <a:defRPr sz="1400" b="0" i="0" u="none" strike="noStrike" cap="none">
+                  <a:solidFill>
+                    <a:schemeClr val="lt1"/>
+                  </a:solidFill>
+                  <a:latin typeface="+mn-lt"/>
+                  <a:ea typeface="+mn-ea"/>
+                  <a:cs typeface="+mn-cs"/>
+                  <a:sym typeface="Arial"/>
+                </a:defRPr>
+              </a:lvl2pPr>
+              <a:lvl3pPr marR="0" lvl="2" algn="l" rtl="0">
+                <a:lnSpc>
+                  <a:spcPct val="100000"/>
+                </a:lnSpc>
+                <a:spcBef>
+                  <a:spcPts val="0"/>
+                </a:spcBef>
+                <a:spcAft>
+                  <a:spcPts val="0"/>
+                </a:spcAft>
+                <a:buClr>
+                  <a:srgbClr val="000000"/>
+                </a:buClr>
+                <a:buFont typeface="Arial"/>
+                <a:defRPr sz="1400" b="0" i="0" u="none" strike="noStrike" cap="none">
+                  <a:solidFill>
+                    <a:schemeClr val="lt1"/>
+                  </a:solidFill>
+                  <a:latin typeface="+mn-lt"/>
+                  <a:ea typeface="+mn-ea"/>
+                  <a:cs typeface="+mn-cs"/>
+                  <a:sym typeface="Arial"/>
+                </a:defRPr>
+              </a:lvl3pPr>
+              <a:lvl4pPr marR="0" lvl="3" algn="l" rtl="0">
+                <a:lnSpc>
+                  <a:spcPct val="100000"/>
+                </a:lnSpc>
+                <a:spcBef>
+                  <a:spcPts val="0"/>
+                </a:spcBef>
+                <a:spcAft>
+                  <a:spcPts val="0"/>
+                </a:spcAft>
+                <a:buClr>
+                  <a:srgbClr val="000000"/>
+                </a:buClr>
+                <a:buFont typeface="Arial"/>
+                <a:defRPr sz="1400" b="0" i="0" u="none" strike="noStrike" cap="none">
+                  <a:solidFill>
+                    <a:schemeClr val="lt1"/>
+                  </a:solidFill>
+                  <a:latin typeface="+mn-lt"/>
+                  <a:ea typeface="+mn-ea"/>
+                  <a:cs typeface="+mn-cs"/>
+                  <a:sym typeface="Arial"/>
+                </a:defRPr>
+              </a:lvl4pPr>
+              <a:lvl5pPr marR="0" lvl="4" algn="l" rtl="0">
+                <a:lnSpc>
+                  <a:spcPct val="100000"/>
+                </a:lnSpc>
+                <a:spcBef>
+                  <a:spcPts val="0"/>
+                </a:spcBef>
+                <a:spcAft>
+                  <a:spcPts val="0"/>
+                </a:spcAft>
+                <a:buClr>
+                  <a:srgbClr val="000000"/>
+                </a:buClr>
+                <a:buFont typeface="Arial"/>
+                <a:defRPr sz="1400" b="0" i="0" u="none" strike="noStrike" cap="none">
+                  <a:solidFill>
+                    <a:schemeClr val="lt1"/>
+                  </a:solidFill>
+                  <a:latin typeface="+mn-lt"/>
+                  <a:ea typeface="+mn-ea"/>
+                  <a:cs typeface="+mn-cs"/>
+                  <a:sym typeface="Arial"/>
+                </a:defRPr>
+              </a:lvl5pPr>
+              <a:lvl6pPr marR="0" lvl="5" algn="l" rtl="0">
+                <a:lnSpc>
+                  <a:spcPct val="100000"/>
+                </a:lnSpc>
+                <a:spcBef>
+                  <a:spcPts val="0"/>
+                </a:spcBef>
+                <a:spcAft>
+                  <a:spcPts val="0"/>
+                </a:spcAft>
+                <a:buClr>
+                  <a:srgbClr val="000000"/>
+                </a:buClr>
+                <a:buFont typeface="Arial"/>
+                <a:defRPr sz="1400" b="0" i="0" u="none" strike="noStrike" cap="none">
+                  <a:solidFill>
+                    <a:schemeClr val="lt1"/>
+                  </a:solidFill>
+                  <a:latin typeface="+mn-lt"/>
+                  <a:ea typeface="+mn-ea"/>
+                  <a:cs typeface="+mn-cs"/>
+                  <a:sym typeface="Arial"/>
+                </a:defRPr>
+              </a:lvl6pPr>
+              <a:lvl7pPr marR="0" lvl="6" algn="l" rtl="0">
+                <a:lnSpc>
+                  <a:spcPct val="100000"/>
+                </a:lnSpc>
+                <a:spcBef>
+                  <a:spcPts val="0"/>
+                </a:spcBef>
+                <a:spcAft>
+                  <a:spcPts val="0"/>
+                </a:spcAft>
+                <a:buClr>
+                  <a:srgbClr val="000000"/>
+                </a:buClr>
+                <a:buFont typeface="Arial"/>
+                <a:defRPr sz="1400" b="0" i="0" u="none" strike="noStrike" cap="none">
+                  <a:solidFill>
+                    <a:schemeClr val="lt1"/>
+                  </a:solidFill>
+                  <a:latin typeface="+mn-lt"/>
+                  <a:ea typeface="+mn-ea"/>
+                  <a:cs typeface="+mn-cs"/>
+                  <a:sym typeface="Arial"/>
+                </a:defRPr>
+              </a:lvl7pPr>
+              <a:lvl8pPr marR="0" lvl="7" algn="l" rtl="0">
+                <a:lnSpc>
+                  <a:spcPct val="100000"/>
+                </a:lnSpc>
+                <a:spcBef>
+                  <a:spcPts val="0"/>
+                </a:spcBef>
+                <a:spcAft>
+                  <a:spcPts val="0"/>
+                </a:spcAft>
+                <a:buClr>
+                  <a:srgbClr val="000000"/>
+                </a:buClr>
+                <a:buFont typeface="Arial"/>
+                <a:defRPr sz="1400" b="0" i="0" u="none" strike="noStrike" cap="none">
+                  <a:solidFill>
+                    <a:schemeClr val="lt1"/>
+                  </a:solidFill>
+                  <a:latin typeface="+mn-lt"/>
+                  <a:ea typeface="+mn-ea"/>
+                  <a:cs typeface="+mn-cs"/>
+                  <a:sym typeface="Arial"/>
+                </a:defRPr>
+              </a:lvl8pPr>
+              <a:lvl9pPr marR="0" lvl="8" algn="l" rtl="0">
+                <a:lnSpc>
+                  <a:spcPct val="100000"/>
+                </a:lnSpc>
+                <a:spcBef>
+                  <a:spcPts val="0"/>
+                </a:spcBef>
+                <a:spcAft>
+                  <a:spcPts val="0"/>
+                </a:spcAft>
+                <a:buClr>
+                  <a:srgbClr val="000000"/>
+                </a:buClr>
+                <a:buFont typeface="Arial"/>
+                <a:defRPr sz="1400" b="0" i="0" u="none" strike="noStrike" cap="none">
+                  <a:solidFill>
+                    <a:schemeClr val="lt1"/>
+                  </a:solidFill>
+                  <a:latin typeface="+mn-lt"/>
+                  <a:ea typeface="+mn-ea"/>
+                  <a:cs typeface="+mn-cs"/>
+                  <a:sym typeface="Arial"/>
+                </a:defRPr>
+              </a:lvl9pPr>
+            </a:lstStyle>
+            <a:p>
+              <a:pPr algn="ctr"/>
+              <a:r>
+                <a:rPr lang="en-US" sz="1200" dirty="0"/>
+                <a:t>Start</a:t>
+              </a:r>
+              <a:endParaRPr lang="en-GB" sz="1200" dirty="0"/>
+            </a:p>
+          </p:txBody>
+        </p:sp>
+        <p:sp>
+          <p:nvSpPr>
+            <p:cNvPr id="29" name="Rectangle 28">
+              <a:extLst>
+                <a:ext uri="{FF2B5EF4-FFF2-40B4-BE49-F238E27FC236}">
+                  <a16:creationId xmlns:a16="http://schemas.microsoft.com/office/drawing/2014/main" id="{ED2B6DE4-981D-4BF6-913C-882A67B2ACFC}"/>
+                </a:ext>
+              </a:extLst>
+            </p:cNvPr>
+            <p:cNvSpPr/>
+            <p:nvPr/>
+          </p:nvSpPr>
+          <p:spPr>
+            <a:xfrm>
+              <a:off x="10032092" y="4083988"/>
+              <a:ext cx="960124" cy="890522"/>
+            </a:xfrm>
+            <a:prstGeom prst="rect">
+              <a:avLst/>
+            </a:prstGeom>
+            <a:solidFill>
+              <a:srgbClr val="FF3300"/>
+            </a:solidFill>
+            <a:ln>
+              <a:noFill/>
+            </a:ln>
+          </p:spPr>
+          <p:style>
+            <a:lnRef idx="2">
+              <a:schemeClr val="accent1">
+                <a:shade val="50000"/>
+              </a:schemeClr>
+            </a:lnRef>
+            <a:fillRef idx="1">
+              <a:schemeClr val="accent1"/>
+            </a:fillRef>
+            <a:effectRef idx="0">
+              <a:schemeClr val="accent1"/>
+            </a:effectRef>
+            <a:fontRef idx="minor">
+              <a:schemeClr val="lt1"/>
+            </a:fontRef>
+          </p:style>
+          <p:txBody>
+            <a:bodyPr rtlCol="0" anchor="ctr"/>
+            <a:lstStyle>
+              <a:defPPr marR="0" lvl="0" algn="l" rtl="0">
+                <a:lnSpc>
+                  <a:spcPct val="100000"/>
+                </a:lnSpc>
+                <a:spcBef>
+                  <a:spcPts val="0"/>
+                </a:spcBef>
+                <a:spcAft>
+                  <a:spcPts val="0"/>
+                </a:spcAft>
+              </a:defPPr>
+              <a:lvl1pPr marR="0" lvl="0" algn="l" rtl="0">
+                <a:lnSpc>
+                  <a:spcPct val="100000"/>
+                </a:lnSpc>
+                <a:spcBef>
+                  <a:spcPts val="0"/>
+                </a:spcBef>
+                <a:spcAft>
+                  <a:spcPts val="0"/>
+                </a:spcAft>
+                <a:buClr>
+                  <a:srgbClr val="000000"/>
+                </a:buClr>
+                <a:buFont typeface="Arial"/>
+                <a:defRPr sz="1400" b="0" i="0" u="none" strike="noStrike" cap="none">
+                  <a:solidFill>
+                    <a:schemeClr val="lt1"/>
+                  </a:solidFill>
+                  <a:latin typeface="+mn-lt"/>
+                  <a:ea typeface="+mn-ea"/>
+                  <a:cs typeface="+mn-cs"/>
+                  <a:sym typeface="Arial"/>
+                </a:defRPr>
+              </a:lvl1pPr>
+              <a:lvl2pPr marR="0" lvl="1" algn="l" rtl="0">
+                <a:lnSpc>
+                  <a:spcPct val="100000"/>
+                </a:lnSpc>
+                <a:spcBef>
+                  <a:spcPts val="0"/>
+                </a:spcBef>
+                <a:spcAft>
+                  <a:spcPts val="0"/>
+                </a:spcAft>
+                <a:buClr>
+                  <a:srgbClr val="000000"/>
+                </a:buClr>
+                <a:buFont typeface="Arial"/>
+                <a:defRPr sz="1400" b="0" i="0" u="none" strike="noStrike" cap="none">
+                  <a:solidFill>
+                    <a:schemeClr val="lt1"/>
+                  </a:solidFill>
+                  <a:latin typeface="+mn-lt"/>
+                  <a:ea typeface="+mn-ea"/>
+                  <a:cs typeface="+mn-cs"/>
+                  <a:sym typeface="Arial"/>
+                </a:defRPr>
+              </a:lvl2pPr>
+              <a:lvl3pPr marR="0" lvl="2" algn="l" rtl="0">
+                <a:lnSpc>
+                  <a:spcPct val="100000"/>
+                </a:lnSpc>
+                <a:spcBef>
+                  <a:spcPts val="0"/>
+                </a:spcBef>
+                <a:spcAft>
+                  <a:spcPts val="0"/>
+                </a:spcAft>
+                <a:buClr>
+                  <a:srgbClr val="000000"/>
+                </a:buClr>
+                <a:buFont typeface="Arial"/>
+                <a:defRPr sz="1400" b="0" i="0" u="none" strike="noStrike" cap="none">
+                  <a:solidFill>
+                    <a:schemeClr val="lt1"/>
+                  </a:solidFill>
+                  <a:latin typeface="+mn-lt"/>
+                  <a:ea typeface="+mn-ea"/>
+                  <a:cs typeface="+mn-cs"/>
+                  <a:sym typeface="Arial"/>
+                </a:defRPr>
+              </a:lvl3pPr>
+              <a:lvl4pPr marR="0" lvl="3" algn="l" rtl="0">
+                <a:lnSpc>
+                  <a:spcPct val="100000"/>
+                </a:lnSpc>
+                <a:spcBef>
+                  <a:spcPts val="0"/>
+                </a:spcBef>
+                <a:spcAft>
+                  <a:spcPts val="0"/>
+                </a:spcAft>
+                <a:buClr>
+                  <a:srgbClr val="000000"/>
+                </a:buClr>
+                <a:buFont typeface="Arial"/>
+                <a:defRPr sz="1400" b="0" i="0" u="none" strike="noStrike" cap="none">
+                  <a:solidFill>
+                    <a:schemeClr val="lt1"/>
+                  </a:solidFill>
+                  <a:latin typeface="+mn-lt"/>
+                  <a:ea typeface="+mn-ea"/>
+                  <a:cs typeface="+mn-cs"/>
+                  <a:sym typeface="Arial"/>
+                </a:defRPr>
+              </a:lvl4pPr>
+              <a:lvl5pPr marR="0" lvl="4" algn="l" rtl="0">
+                <a:lnSpc>
+                  <a:spcPct val="100000"/>
+                </a:lnSpc>
+                <a:spcBef>
+                  <a:spcPts val="0"/>
+                </a:spcBef>
+                <a:spcAft>
+                  <a:spcPts val="0"/>
+                </a:spcAft>
+                <a:buClr>
+                  <a:srgbClr val="000000"/>
+                </a:buClr>
+                <a:buFont typeface="Arial"/>
+                <a:defRPr sz="1400" b="0" i="0" u="none" strike="noStrike" cap="none">
+                  <a:solidFill>
+                    <a:schemeClr val="lt1"/>
+                  </a:solidFill>
+                  <a:latin typeface="+mn-lt"/>
+                  <a:ea typeface="+mn-ea"/>
+                  <a:cs typeface="+mn-cs"/>
+                  <a:sym typeface="Arial"/>
+                </a:defRPr>
+              </a:lvl5pPr>
+              <a:lvl6pPr marR="0" lvl="5" algn="l" rtl="0">
+                <a:lnSpc>
+                  <a:spcPct val="100000"/>
+                </a:lnSpc>
+                <a:spcBef>
+                  <a:spcPts val="0"/>
+                </a:spcBef>
+                <a:spcAft>
+                  <a:spcPts val="0"/>
+                </a:spcAft>
+                <a:buClr>
+                  <a:srgbClr val="000000"/>
+                </a:buClr>
+                <a:buFont typeface="Arial"/>
+                <a:defRPr sz="1400" b="0" i="0" u="none" strike="noStrike" cap="none">
+                  <a:solidFill>
+                    <a:schemeClr val="lt1"/>
+                  </a:solidFill>
+                  <a:latin typeface="+mn-lt"/>
+                  <a:ea typeface="+mn-ea"/>
+                  <a:cs typeface="+mn-cs"/>
+                  <a:sym typeface="Arial"/>
+                </a:defRPr>
+              </a:lvl6pPr>
+              <a:lvl7pPr marR="0" lvl="6" algn="l" rtl="0">
+                <a:lnSpc>
+                  <a:spcPct val="100000"/>
+                </a:lnSpc>
+                <a:spcBef>
+                  <a:spcPts val="0"/>
+                </a:spcBef>
+                <a:spcAft>
+                  <a:spcPts val="0"/>
+                </a:spcAft>
+                <a:buClr>
+                  <a:srgbClr val="000000"/>
+                </a:buClr>
+                <a:buFont typeface="Arial"/>
+                <a:defRPr sz="1400" b="0" i="0" u="none" strike="noStrike" cap="none">
+                  <a:solidFill>
+                    <a:schemeClr val="lt1"/>
+                  </a:solidFill>
+                  <a:latin typeface="+mn-lt"/>
+                  <a:ea typeface="+mn-ea"/>
+                  <a:cs typeface="+mn-cs"/>
+                  <a:sym typeface="Arial"/>
+                </a:defRPr>
+              </a:lvl7pPr>
+              <a:lvl8pPr marR="0" lvl="7" algn="l" rtl="0">
+                <a:lnSpc>
+                  <a:spcPct val="100000"/>
+                </a:lnSpc>
+                <a:spcBef>
+                  <a:spcPts val="0"/>
+                </a:spcBef>
+                <a:spcAft>
+                  <a:spcPts val="0"/>
+                </a:spcAft>
+                <a:buClr>
+                  <a:srgbClr val="000000"/>
+                </a:buClr>
+                <a:buFont typeface="Arial"/>
+                <a:defRPr sz="1400" b="0" i="0" u="none" strike="noStrike" cap="none">
+                  <a:solidFill>
+                    <a:schemeClr val="lt1"/>
+                  </a:solidFill>
+                  <a:latin typeface="+mn-lt"/>
+                  <a:ea typeface="+mn-ea"/>
+                  <a:cs typeface="+mn-cs"/>
+                  <a:sym typeface="Arial"/>
+                </a:defRPr>
+              </a:lvl8pPr>
+              <a:lvl9pPr marR="0" lvl="8" algn="l" rtl="0">
+                <a:lnSpc>
+                  <a:spcPct val="100000"/>
+                </a:lnSpc>
+                <a:spcBef>
+                  <a:spcPts val="0"/>
+                </a:spcBef>
+                <a:spcAft>
+                  <a:spcPts val="0"/>
+                </a:spcAft>
+                <a:buClr>
+                  <a:srgbClr val="000000"/>
+                </a:buClr>
+                <a:buFont typeface="Arial"/>
+                <a:defRPr sz="1400" b="0" i="0" u="none" strike="noStrike" cap="none">
+                  <a:solidFill>
+                    <a:schemeClr val="lt1"/>
+                  </a:solidFill>
+                  <a:latin typeface="+mn-lt"/>
+                  <a:ea typeface="+mn-ea"/>
+                  <a:cs typeface="+mn-cs"/>
+                  <a:sym typeface="Arial"/>
+                </a:defRPr>
+              </a:lvl9pPr>
+            </a:lstStyle>
+            <a:p>
+              <a:pPr algn="ctr"/>
+              <a:r>
+                <a:rPr lang="en-US" sz="1200" dirty="0">
+                  <a:solidFill>
+                    <a:schemeClr val="bg1"/>
+                  </a:solidFill>
+                </a:rPr>
+                <a:t>End</a:t>
+              </a:r>
+              <a:endParaRPr lang="en-GB" sz="1200" dirty="0">
+                <a:solidFill>
+                  <a:schemeClr val="bg1"/>
+                </a:solidFill>
+              </a:endParaRPr>
+            </a:p>
+          </p:txBody>
+        </p:sp>
+        <p:cxnSp>
+          <p:nvCxnSpPr>
+            <p:cNvPr id="30" name="Straight Arrow Connector 29">
+              <a:extLst>
+                <a:ext uri="{FF2B5EF4-FFF2-40B4-BE49-F238E27FC236}">
+                  <a16:creationId xmlns:a16="http://schemas.microsoft.com/office/drawing/2014/main" id="{79E92436-D0D6-424A-B6F5-0E3044248FA3}"/>
+                </a:ext>
+              </a:extLst>
+            </p:cNvPr>
+            <p:cNvCxnSpPr>
+              <a:cxnSpLocks/>
+              <a:stCxn id="24" idx="2"/>
+              <a:endCxn id="23" idx="0"/>
+            </p:cNvCxnSpPr>
+            <p:nvPr/>
+          </p:nvCxnSpPr>
+          <p:spPr>
+            <a:xfrm flipH="1">
+              <a:off x="5766460" y="3716178"/>
+              <a:ext cx="1731" cy="361908"/>
+            </a:xfrm>
+            <a:prstGeom prst="straightConnector1">
+              <a:avLst/>
+            </a:prstGeom>
+            <a:ln>
+              <a:solidFill>
+                <a:srgbClr val="00AEEF"/>
+              </a:solidFill>
+              <a:tailEnd type="triangle"/>
+            </a:ln>
+          </p:spPr>
+          <p:style>
+            <a:lnRef idx="1">
+              <a:schemeClr val="accent1"/>
+            </a:lnRef>
+            <a:fillRef idx="0">
+              <a:schemeClr val="accent1"/>
+            </a:fillRef>
+            <a:effectRef idx="0">
+              <a:schemeClr val="accent1"/>
+            </a:effectRef>
+            <a:fontRef idx="minor">
+              <a:schemeClr val="tx1"/>
+            </a:fontRef>
+          </p:style>
+        </p:cxnSp>
+      </p:grpSp>
+      <p:sp>
+        <p:nvSpPr>
+          <p:cNvPr id="15" name="Rectangle 14">
+            <a:extLst>
+              <a:ext uri="{FF2B5EF4-FFF2-40B4-BE49-F238E27FC236}">
+                <a16:creationId xmlns:a16="http://schemas.microsoft.com/office/drawing/2014/main" id="{9B3A3AB3-06DB-4BCD-A5E6-B1FB00731E3B}"/>
+              </a:ext>
+            </a:extLst>
+          </p:cNvPr>
+          <p:cNvSpPr/>
+          <p:nvPr/>
+        </p:nvSpPr>
+        <p:spPr>
+          <a:xfrm>
+            <a:off x="6950727" y="2725918"/>
+            <a:ext cx="1272981" cy="871041"/>
+          </a:xfrm>
+          <a:prstGeom prst="rect">
+            <a:avLst/>
+          </a:prstGeom>
+          <a:solidFill>
+            <a:srgbClr val="500064"/>
+          </a:solidFill>
+          <a:ln>
+            <a:noFill/>
+          </a:ln>
+        </p:spPr>
+        <p:style>
+          <a:lnRef idx="2">
+            <a:schemeClr val="accent1">
+              <a:shade val="50000"/>
+            </a:schemeClr>
+          </a:lnRef>
+          <a:fillRef idx="1">
+            <a:schemeClr val="accent1"/>
+          </a:fillRef>
+          <a:effectRef idx="0">
+            <a:schemeClr val="accent1"/>
+          </a:effectRef>
+          <a:fontRef idx="minor">
+            <a:schemeClr val="lt1"/>
+          </a:fontRef>
+        </p:style>
+        <p:txBody>
+          <a:bodyPr rtlCol="0" anchor="ctr"/>
+          <a:lstStyle>
+            <a:defPPr marR="0" lvl="0" algn="l" rtl="0">
+              <a:lnSpc>
+                <a:spcPct val="100000"/>
+              </a:lnSpc>
+              <a:spcBef>
+                <a:spcPts val="0"/>
+              </a:spcBef>
+              <a:spcAft>
+                <a:spcPts val="0"/>
+              </a:spcAft>
+            </a:defPPr>
+            <a:lvl1pPr marR="0" lvl="0" algn="l" rtl="0">
+              <a:lnSpc>
+                <a:spcPct val="100000"/>
+              </a:lnSpc>
+              <a:spcBef>
+                <a:spcPts val="0"/>
+              </a:spcBef>
+              <a:spcAft>
+                <a:spcPts val="0"/>
+              </a:spcAft>
+              <a:buClr>
+                <a:srgbClr val="000000"/>
+              </a:buClr>
+              <a:buFont typeface="Arial"/>
+              <a:defRPr sz="1400" b="0" i="0" u="none" strike="noStrike" cap="none">
+                <a:solidFill>
+                  <a:schemeClr val="lt1"/>
+                </a:solidFill>
+                <a:latin typeface="+mn-lt"/>
+                <a:ea typeface="+mn-ea"/>
+                <a:cs typeface="+mn-cs"/>
+                <a:sym typeface="Arial"/>
+              </a:defRPr>
+            </a:lvl1pPr>
+            <a:lvl2pPr marR="0" lvl="1" algn="l" rtl="0">
+              <a:lnSpc>
+                <a:spcPct val="100000"/>
+              </a:lnSpc>
+              <a:spcBef>
+                <a:spcPts val="0"/>
+              </a:spcBef>
+              <a:spcAft>
+                <a:spcPts val="0"/>
+              </a:spcAft>
+              <a:buClr>
+                <a:srgbClr val="000000"/>
+              </a:buClr>
+              <a:buFont typeface="Arial"/>
+              <a:defRPr sz="1400" b="0" i="0" u="none" strike="noStrike" cap="none">
+                <a:solidFill>
+                  <a:schemeClr val="lt1"/>
+                </a:solidFill>
+                <a:latin typeface="+mn-lt"/>
+                <a:ea typeface="+mn-ea"/>
+                <a:cs typeface="+mn-cs"/>
+                <a:sym typeface="Arial"/>
+              </a:defRPr>
+            </a:lvl2pPr>
+            <a:lvl3pPr marR="0" lvl="2" algn="l" rtl="0">
+              <a:lnSpc>
+                <a:spcPct val="100000"/>
+              </a:lnSpc>
+              <a:spcBef>
+                <a:spcPts val="0"/>
+              </a:spcBef>
+              <a:spcAft>
+                <a:spcPts val="0"/>
+              </a:spcAft>
+              <a:buClr>
+                <a:srgbClr val="000000"/>
+              </a:buClr>
+              <a:buFont typeface="Arial"/>
+              <a:defRPr sz="1400" b="0" i="0" u="none" strike="noStrike" cap="none">
+                <a:solidFill>
+                  <a:schemeClr val="lt1"/>
+                </a:solidFill>
+                <a:latin typeface="+mn-lt"/>
+                <a:ea typeface="+mn-ea"/>
+                <a:cs typeface="+mn-cs"/>
+                <a:sym typeface="Arial"/>
+              </a:defRPr>
+            </a:lvl3pPr>
+            <a:lvl4pPr marR="0" lvl="3" algn="l" rtl="0">
+              <a:lnSpc>
+                <a:spcPct val="100000"/>
+              </a:lnSpc>
+              <a:spcBef>
+                <a:spcPts val="0"/>
+              </a:spcBef>
+              <a:spcAft>
+                <a:spcPts val="0"/>
+              </a:spcAft>
+              <a:buClr>
+                <a:srgbClr val="000000"/>
+              </a:buClr>
+              <a:buFont typeface="Arial"/>
+              <a:defRPr sz="1400" b="0" i="0" u="none" strike="noStrike" cap="none">
+                <a:solidFill>
+                  <a:schemeClr val="lt1"/>
+                </a:solidFill>
+                <a:latin typeface="+mn-lt"/>
+                <a:ea typeface="+mn-ea"/>
+                <a:cs typeface="+mn-cs"/>
+                <a:sym typeface="Arial"/>
+              </a:defRPr>
+            </a:lvl4pPr>
+            <a:lvl5pPr marR="0" lvl="4" algn="l" rtl="0">
+              <a:lnSpc>
+                <a:spcPct val="100000"/>
+              </a:lnSpc>
+              <a:spcBef>
+                <a:spcPts val="0"/>
+              </a:spcBef>
+              <a:spcAft>
+                <a:spcPts val="0"/>
+              </a:spcAft>
+              <a:buClr>
+                <a:srgbClr val="000000"/>
+              </a:buClr>
+              <a:buFont typeface="Arial"/>
+              <a:defRPr sz="1400" b="0" i="0" u="none" strike="noStrike" cap="none">
+                <a:solidFill>
+                  <a:schemeClr val="lt1"/>
+                </a:solidFill>
+                <a:latin typeface="+mn-lt"/>
+                <a:ea typeface="+mn-ea"/>
+                <a:cs typeface="+mn-cs"/>
+                <a:sym typeface="Arial"/>
+              </a:defRPr>
+            </a:lvl5pPr>
+            <a:lvl6pPr marR="0" lvl="5" algn="l" rtl="0">
+              <a:lnSpc>
+                <a:spcPct val="100000"/>
+              </a:lnSpc>
+              <a:spcBef>
+                <a:spcPts val="0"/>
+              </a:spcBef>
+              <a:spcAft>
+                <a:spcPts val="0"/>
+              </a:spcAft>
+              <a:buClr>
+                <a:srgbClr val="000000"/>
+              </a:buClr>
+              <a:buFont typeface="Arial"/>
+              <a:defRPr sz="1400" b="0" i="0" u="none" strike="noStrike" cap="none">
+                <a:solidFill>
+                  <a:schemeClr val="lt1"/>
+                </a:solidFill>
+                <a:latin typeface="+mn-lt"/>
+                <a:ea typeface="+mn-ea"/>
+                <a:cs typeface="+mn-cs"/>
+                <a:sym typeface="Arial"/>
+              </a:defRPr>
+            </a:lvl6pPr>
+            <a:lvl7pPr marR="0" lvl="6" algn="l" rtl="0">
+              <a:lnSpc>
+                <a:spcPct val="100000"/>
+              </a:lnSpc>
+              <a:spcBef>
+                <a:spcPts val="0"/>
+              </a:spcBef>
+              <a:spcAft>
+                <a:spcPts val="0"/>
+              </a:spcAft>
+              <a:buClr>
+                <a:srgbClr val="000000"/>
+              </a:buClr>
+              <a:buFont typeface="Arial"/>
+              <a:defRPr sz="1400" b="0" i="0" u="none" strike="noStrike" cap="none">
+                <a:solidFill>
+                  <a:schemeClr val="lt1"/>
+                </a:solidFill>
+                <a:latin typeface="+mn-lt"/>
+                <a:ea typeface="+mn-ea"/>
+                <a:cs typeface="+mn-cs"/>
+                <a:sym typeface="Arial"/>
+              </a:defRPr>
+            </a:lvl7pPr>
+            <a:lvl8pPr marR="0" lvl="7" algn="l" rtl="0">
+              <a:lnSpc>
+                <a:spcPct val="100000"/>
+              </a:lnSpc>
+              <a:spcBef>
+                <a:spcPts val="0"/>
+              </a:spcBef>
+              <a:spcAft>
+                <a:spcPts val="0"/>
+              </a:spcAft>
+              <a:buClr>
+                <a:srgbClr val="000000"/>
+              </a:buClr>
+              <a:buFont typeface="Arial"/>
+              <a:defRPr sz="1400" b="0" i="0" u="none" strike="noStrike" cap="none">
+                <a:solidFill>
+                  <a:schemeClr val="lt1"/>
+                </a:solidFill>
+                <a:latin typeface="+mn-lt"/>
+                <a:ea typeface="+mn-ea"/>
+                <a:cs typeface="+mn-cs"/>
+                <a:sym typeface="Arial"/>
+              </a:defRPr>
+            </a:lvl8pPr>
+            <a:lvl9pPr marR="0" lvl="8" algn="l" rtl="0">
+              <a:lnSpc>
+                <a:spcPct val="100000"/>
+              </a:lnSpc>
+              <a:spcBef>
+                <a:spcPts val="0"/>
+              </a:spcBef>
+              <a:spcAft>
+                <a:spcPts val="0"/>
+              </a:spcAft>
+              <a:buClr>
+                <a:srgbClr val="000000"/>
+              </a:buClr>
+              <a:buFont typeface="Arial"/>
+              <a:defRPr sz="1400" b="0" i="0" u="none" strike="noStrike" cap="none">
+                <a:solidFill>
+                  <a:schemeClr val="lt1"/>
+                </a:solidFill>
+                <a:latin typeface="+mn-lt"/>
+                <a:ea typeface="+mn-ea"/>
+                <a:cs typeface="+mn-cs"/>
+                <a:sym typeface="Arial"/>
+              </a:defRPr>
+            </a:lvl9pPr>
+          </a:lstStyle>
+          <a:p>
+            <a:pPr algn="ctr"/>
+            <a:r>
+              <a:rPr lang="en-US" sz="1200" dirty="0"/>
+              <a:t>Build rotation forest classifier on features</a:t>
+            </a:r>
+            <a:endParaRPr lang="en-GB" sz="1200" dirty="0"/>
+          </a:p>
+        </p:txBody>
+      </p:sp>
+      <p:sp>
+        <p:nvSpPr>
+          <p:cNvPr id="16" name="Rectangle 15">
+            <a:extLst>
+              <a:ext uri="{FF2B5EF4-FFF2-40B4-BE49-F238E27FC236}">
+                <a16:creationId xmlns:a16="http://schemas.microsoft.com/office/drawing/2014/main" id="{6BBC71FD-9B87-48FD-87D4-06B144725D47}"/>
+              </a:ext>
+            </a:extLst>
+          </p:cNvPr>
+          <p:cNvSpPr/>
+          <p:nvPr/>
+        </p:nvSpPr>
+        <p:spPr>
+          <a:xfrm>
+            <a:off x="5362253" y="2734699"/>
+            <a:ext cx="1294925" cy="871041"/>
+          </a:xfrm>
+          <a:prstGeom prst="rect">
+            <a:avLst/>
+          </a:prstGeom>
+          <a:solidFill>
+            <a:srgbClr val="500064"/>
+          </a:solidFill>
+          <a:ln>
+            <a:noFill/>
+          </a:ln>
+        </p:spPr>
+        <p:style>
+          <a:lnRef idx="2">
+            <a:schemeClr val="accent1">
+              <a:shade val="50000"/>
+            </a:schemeClr>
+          </a:lnRef>
+          <a:fillRef idx="1">
+            <a:schemeClr val="accent1"/>
+          </a:fillRef>
+          <a:effectRef idx="0">
+            <a:schemeClr val="accent1"/>
+          </a:effectRef>
+          <a:fontRef idx="minor">
+            <a:schemeClr val="lt1"/>
+          </a:fontRef>
+        </p:style>
+        <p:txBody>
+          <a:bodyPr rtlCol="0" anchor="ctr"/>
+          <a:lstStyle>
+            <a:defPPr marR="0" lvl="0" algn="l" rtl="0">
+              <a:lnSpc>
+                <a:spcPct val="100000"/>
+              </a:lnSpc>
+              <a:spcBef>
+                <a:spcPts val="0"/>
+              </a:spcBef>
+              <a:spcAft>
+                <a:spcPts val="0"/>
+              </a:spcAft>
+            </a:defPPr>
+            <a:lvl1pPr marR="0" lvl="0" algn="l" rtl="0">
+              <a:lnSpc>
+                <a:spcPct val="100000"/>
+              </a:lnSpc>
+              <a:spcBef>
+                <a:spcPts val="0"/>
+              </a:spcBef>
+              <a:spcAft>
+                <a:spcPts val="0"/>
+              </a:spcAft>
+              <a:buClr>
+                <a:srgbClr val="000000"/>
+              </a:buClr>
+              <a:buFont typeface="Arial"/>
+              <a:defRPr sz="1400" b="0" i="0" u="none" strike="noStrike" cap="none">
+                <a:solidFill>
+                  <a:schemeClr val="lt1"/>
+                </a:solidFill>
+                <a:latin typeface="+mn-lt"/>
+                <a:ea typeface="+mn-ea"/>
+                <a:cs typeface="+mn-cs"/>
+                <a:sym typeface="Arial"/>
+              </a:defRPr>
+            </a:lvl1pPr>
+            <a:lvl2pPr marR="0" lvl="1" algn="l" rtl="0">
+              <a:lnSpc>
+                <a:spcPct val="100000"/>
+              </a:lnSpc>
+              <a:spcBef>
+                <a:spcPts val="0"/>
+              </a:spcBef>
+              <a:spcAft>
+                <a:spcPts val="0"/>
+              </a:spcAft>
+              <a:buClr>
+                <a:srgbClr val="000000"/>
+              </a:buClr>
+              <a:buFont typeface="Arial"/>
+              <a:defRPr sz="1400" b="0" i="0" u="none" strike="noStrike" cap="none">
+                <a:solidFill>
+                  <a:schemeClr val="lt1"/>
+                </a:solidFill>
+                <a:latin typeface="+mn-lt"/>
+                <a:ea typeface="+mn-ea"/>
+                <a:cs typeface="+mn-cs"/>
+                <a:sym typeface="Arial"/>
+              </a:defRPr>
+            </a:lvl2pPr>
+            <a:lvl3pPr marR="0" lvl="2" algn="l" rtl="0">
+              <a:lnSpc>
+                <a:spcPct val="100000"/>
+              </a:lnSpc>
+              <a:spcBef>
+                <a:spcPts val="0"/>
+              </a:spcBef>
+              <a:spcAft>
+                <a:spcPts val="0"/>
+              </a:spcAft>
+              <a:buClr>
+                <a:srgbClr val="000000"/>
+              </a:buClr>
+              <a:buFont typeface="Arial"/>
+              <a:defRPr sz="1400" b="0" i="0" u="none" strike="noStrike" cap="none">
+                <a:solidFill>
+                  <a:schemeClr val="lt1"/>
+                </a:solidFill>
+                <a:latin typeface="+mn-lt"/>
+                <a:ea typeface="+mn-ea"/>
+                <a:cs typeface="+mn-cs"/>
+                <a:sym typeface="Arial"/>
+              </a:defRPr>
+            </a:lvl3pPr>
+            <a:lvl4pPr marR="0" lvl="3" algn="l" rtl="0">
+              <a:lnSpc>
+                <a:spcPct val="100000"/>
+              </a:lnSpc>
+              <a:spcBef>
+                <a:spcPts val="0"/>
+              </a:spcBef>
+              <a:spcAft>
+                <a:spcPts val="0"/>
+              </a:spcAft>
+              <a:buClr>
+                <a:srgbClr val="000000"/>
+              </a:buClr>
+              <a:buFont typeface="Arial"/>
+              <a:defRPr sz="1400" b="0" i="0" u="none" strike="noStrike" cap="none">
+                <a:solidFill>
+                  <a:schemeClr val="lt1"/>
+                </a:solidFill>
+                <a:latin typeface="+mn-lt"/>
+                <a:ea typeface="+mn-ea"/>
+                <a:cs typeface="+mn-cs"/>
+                <a:sym typeface="Arial"/>
+              </a:defRPr>
+            </a:lvl4pPr>
+            <a:lvl5pPr marR="0" lvl="4" algn="l" rtl="0">
+              <a:lnSpc>
+                <a:spcPct val="100000"/>
+              </a:lnSpc>
+              <a:spcBef>
+                <a:spcPts val="0"/>
+              </a:spcBef>
+              <a:spcAft>
+                <a:spcPts val="0"/>
+              </a:spcAft>
+              <a:buClr>
+                <a:srgbClr val="000000"/>
+              </a:buClr>
+              <a:buFont typeface="Arial"/>
+              <a:defRPr sz="1400" b="0" i="0" u="none" strike="noStrike" cap="none">
+                <a:solidFill>
+                  <a:schemeClr val="lt1"/>
+                </a:solidFill>
+                <a:latin typeface="+mn-lt"/>
+                <a:ea typeface="+mn-ea"/>
+                <a:cs typeface="+mn-cs"/>
+                <a:sym typeface="Arial"/>
+              </a:defRPr>
+            </a:lvl5pPr>
+            <a:lvl6pPr marR="0" lvl="5" algn="l" rtl="0">
+              <a:lnSpc>
+                <a:spcPct val="100000"/>
+              </a:lnSpc>
+              <a:spcBef>
+                <a:spcPts val="0"/>
+              </a:spcBef>
+              <a:spcAft>
+                <a:spcPts val="0"/>
+              </a:spcAft>
+              <a:buClr>
+                <a:srgbClr val="000000"/>
+              </a:buClr>
+              <a:buFont typeface="Arial"/>
+              <a:defRPr sz="1400" b="0" i="0" u="none" strike="noStrike" cap="none">
+                <a:solidFill>
+                  <a:schemeClr val="lt1"/>
+                </a:solidFill>
+                <a:latin typeface="+mn-lt"/>
+                <a:ea typeface="+mn-ea"/>
+                <a:cs typeface="+mn-cs"/>
+                <a:sym typeface="Arial"/>
+              </a:defRPr>
+            </a:lvl6pPr>
+            <a:lvl7pPr marR="0" lvl="6" algn="l" rtl="0">
+              <a:lnSpc>
+                <a:spcPct val="100000"/>
+              </a:lnSpc>
+              <a:spcBef>
+                <a:spcPts val="0"/>
+              </a:spcBef>
+              <a:spcAft>
+                <a:spcPts val="0"/>
+              </a:spcAft>
+              <a:buClr>
+                <a:srgbClr val="000000"/>
+              </a:buClr>
+              <a:buFont typeface="Arial"/>
+              <a:defRPr sz="1400" b="0" i="0" u="none" strike="noStrike" cap="none">
+                <a:solidFill>
+                  <a:schemeClr val="lt1"/>
+                </a:solidFill>
+                <a:latin typeface="+mn-lt"/>
+                <a:ea typeface="+mn-ea"/>
+                <a:cs typeface="+mn-cs"/>
+                <a:sym typeface="Arial"/>
+              </a:defRPr>
+            </a:lvl7pPr>
+            <a:lvl8pPr marR="0" lvl="7" algn="l" rtl="0">
+              <a:lnSpc>
+                <a:spcPct val="100000"/>
+              </a:lnSpc>
+              <a:spcBef>
+                <a:spcPts val="0"/>
+              </a:spcBef>
+              <a:spcAft>
+                <a:spcPts val="0"/>
+              </a:spcAft>
+              <a:buClr>
+                <a:srgbClr val="000000"/>
+              </a:buClr>
+              <a:buFont typeface="Arial"/>
+              <a:defRPr sz="1400" b="0" i="0" u="none" strike="noStrike" cap="none">
+                <a:solidFill>
+                  <a:schemeClr val="lt1"/>
+                </a:solidFill>
+                <a:latin typeface="+mn-lt"/>
+                <a:ea typeface="+mn-ea"/>
+                <a:cs typeface="+mn-cs"/>
+                <a:sym typeface="Arial"/>
+              </a:defRPr>
+            </a:lvl8pPr>
+            <a:lvl9pPr marR="0" lvl="8" algn="l" rtl="0">
+              <a:lnSpc>
+                <a:spcPct val="100000"/>
+              </a:lnSpc>
+              <a:spcBef>
+                <a:spcPts val="0"/>
+              </a:spcBef>
+              <a:spcAft>
+                <a:spcPts val="0"/>
+              </a:spcAft>
+              <a:buClr>
+                <a:srgbClr val="000000"/>
+              </a:buClr>
+              <a:buFont typeface="Arial"/>
+              <a:defRPr sz="1400" b="0" i="0" u="none" strike="noStrike" cap="none">
+                <a:solidFill>
+                  <a:schemeClr val="lt1"/>
+                </a:solidFill>
+                <a:latin typeface="+mn-lt"/>
+                <a:ea typeface="+mn-ea"/>
+                <a:cs typeface="+mn-cs"/>
+                <a:sym typeface="Arial"/>
+              </a:defRPr>
+            </a:lvl9pPr>
+          </a:lstStyle>
+          <a:p>
+            <a:pPr algn="ctr"/>
+            <a:r>
+              <a:rPr lang="en-US" sz="1200" dirty="0"/>
+              <a:t>Concatenate distances to all </a:t>
+            </a:r>
+            <a:r>
+              <a:rPr lang="en-US" sz="1200" dirty="0" err="1"/>
+              <a:t>shapelets</a:t>
+            </a:r>
+            <a:endParaRPr lang="en-GB" sz="1200" dirty="0"/>
+          </a:p>
+        </p:txBody>
+      </p:sp>
+      <p:cxnSp>
+        <p:nvCxnSpPr>
+          <p:cNvPr id="17" name="Straight Arrow Connector 16">
+            <a:extLst>
+              <a:ext uri="{FF2B5EF4-FFF2-40B4-BE49-F238E27FC236}">
+                <a16:creationId xmlns:a16="http://schemas.microsoft.com/office/drawing/2014/main" id="{B3887861-8C32-47FD-AFE6-333510D4EBB1}"/>
+              </a:ext>
+            </a:extLst>
+          </p:cNvPr>
+          <p:cNvCxnSpPr>
+            <a:cxnSpLocks/>
+            <a:stCxn id="16" idx="3"/>
+            <a:endCxn id="15" idx="1"/>
+          </p:cNvCxnSpPr>
+          <p:nvPr/>
+        </p:nvCxnSpPr>
+        <p:spPr>
+          <a:xfrm flipV="1">
+            <a:off x="6657178" y="3161439"/>
+            <a:ext cx="293549" cy="8781"/>
+          </a:xfrm>
+          <a:prstGeom prst="straightConnector1">
+            <a:avLst/>
+          </a:prstGeom>
+          <a:ln>
+            <a:solidFill>
+              <a:srgbClr val="00AEEF"/>
+            </a:solidFill>
+            <a:tailEnd type="triangle"/>
+          </a:ln>
+        </p:spPr>
+        <p:style>
+          <a:lnRef idx="1">
+            <a:schemeClr val="accent1"/>
+          </a:lnRef>
+          <a:fillRef idx="0">
+            <a:schemeClr val="accent1"/>
+          </a:fillRef>
+          <a:effectRef idx="0">
+            <a:schemeClr val="accent1"/>
+          </a:effectRef>
+          <a:fontRef idx="minor">
+            <a:schemeClr val="tx1"/>
+          </a:fontRef>
+        </p:style>
+      </p:cxnSp>
+      <p:cxnSp>
+        <p:nvCxnSpPr>
+          <p:cNvPr id="18" name="Straight Arrow Connector 17">
+            <a:extLst>
+              <a:ext uri="{FF2B5EF4-FFF2-40B4-BE49-F238E27FC236}">
+                <a16:creationId xmlns:a16="http://schemas.microsoft.com/office/drawing/2014/main" id="{1F53BBB3-7618-44C9-A387-6940FBEF6A36}"/>
+              </a:ext>
+            </a:extLst>
+          </p:cNvPr>
+          <p:cNvCxnSpPr>
+            <a:cxnSpLocks/>
+            <a:stCxn id="23" idx="3"/>
+          </p:cNvCxnSpPr>
+          <p:nvPr/>
+        </p:nvCxnSpPr>
+        <p:spPr>
+          <a:xfrm flipV="1">
+            <a:off x="5001547" y="3155669"/>
+            <a:ext cx="335171" cy="8780"/>
+          </a:xfrm>
+          <a:prstGeom prst="straightConnector1">
+            <a:avLst/>
+          </a:prstGeom>
+          <a:ln>
+            <a:solidFill>
+              <a:srgbClr val="00AEEF"/>
+            </a:solidFill>
+            <a:tailEnd type="triangle"/>
+          </a:ln>
+        </p:spPr>
+        <p:style>
+          <a:lnRef idx="1">
+            <a:schemeClr val="accent1"/>
+          </a:lnRef>
+          <a:fillRef idx="0">
+            <a:schemeClr val="accent1"/>
+          </a:fillRef>
+          <a:effectRef idx="0">
+            <a:schemeClr val="accent1"/>
+          </a:effectRef>
+          <a:fontRef idx="minor">
+            <a:schemeClr val="tx1"/>
+          </a:fontRef>
+        </p:style>
+      </p:cxnSp>
+      <p:cxnSp>
+        <p:nvCxnSpPr>
+          <p:cNvPr id="19" name="Straight Arrow Connector 18">
+            <a:extLst>
+              <a:ext uri="{FF2B5EF4-FFF2-40B4-BE49-F238E27FC236}">
+                <a16:creationId xmlns:a16="http://schemas.microsoft.com/office/drawing/2014/main" id="{2F36C610-CAEB-497F-8C83-71318744463C}"/>
+              </a:ext>
+            </a:extLst>
+          </p:cNvPr>
+          <p:cNvCxnSpPr>
+            <a:cxnSpLocks/>
+          </p:cNvCxnSpPr>
+          <p:nvPr/>
+        </p:nvCxnSpPr>
+        <p:spPr>
+          <a:xfrm flipV="1">
+            <a:off x="8197709" y="3175042"/>
+            <a:ext cx="293549" cy="8781"/>
+          </a:xfrm>
+          <a:prstGeom prst="straightConnector1">
+            <a:avLst/>
+          </a:prstGeom>
+          <a:ln>
+            <a:solidFill>
+              <a:srgbClr val="00AEEF"/>
+            </a:solidFill>
+            <a:tailEnd type="triangle"/>
+          </a:ln>
+        </p:spPr>
+        <p:style>
+          <a:lnRef idx="1">
+            <a:schemeClr val="accent1"/>
+          </a:lnRef>
+          <a:fillRef idx="0">
+            <a:schemeClr val="accent1"/>
+          </a:fillRef>
+          <a:effectRef idx="0">
+            <a:schemeClr val="accent1"/>
+          </a:effectRef>
+          <a:fontRef idx="minor">
+            <a:schemeClr val="tx1"/>
+          </a:fontRef>
+        </p:style>
+      </p:cxnSp>
+      <p:cxnSp>
+        <p:nvCxnSpPr>
+          <p:cNvPr id="20" name="Straight Arrow Connector 19">
+            <a:extLst>
+              <a:ext uri="{FF2B5EF4-FFF2-40B4-BE49-F238E27FC236}">
+                <a16:creationId xmlns:a16="http://schemas.microsoft.com/office/drawing/2014/main" id="{6D50134A-0CDD-44FD-A9BC-838D31CE47A1}"/>
+              </a:ext>
+            </a:extLst>
+          </p:cNvPr>
+          <p:cNvCxnSpPr>
+            <a:cxnSpLocks/>
+          </p:cNvCxnSpPr>
+          <p:nvPr/>
+        </p:nvCxnSpPr>
+        <p:spPr>
+          <a:xfrm flipV="1">
+            <a:off x="1104055" y="3166261"/>
+            <a:ext cx="293549" cy="8781"/>
+          </a:xfrm>
+          <a:prstGeom prst="straightConnector1">
+            <a:avLst/>
+          </a:prstGeom>
+          <a:ln>
+            <a:solidFill>
+              <a:srgbClr val="00AEEF"/>
+            </a:solidFill>
+            <a:tailEnd type="triangle"/>
+          </a:ln>
+        </p:spPr>
+        <p:style>
+          <a:lnRef idx="1">
+            <a:schemeClr val="accent1"/>
+          </a:lnRef>
+          <a:fillRef idx="0">
+            <a:schemeClr val="accent1"/>
+          </a:fillRef>
+          <a:effectRef idx="0">
+            <a:schemeClr val="accent1"/>
+          </a:effectRef>
+          <a:fontRef idx="minor">
+            <a:schemeClr val="tx1"/>
+          </a:fontRef>
+        </p:style>
+      </p:cxnSp>
+      <p:sp>
+        <p:nvSpPr>
+          <p:cNvPr id="48" name="Title 1">
+            <a:extLst>
+              <a:ext uri="{FF2B5EF4-FFF2-40B4-BE49-F238E27FC236}">
+                <a16:creationId xmlns:a16="http://schemas.microsoft.com/office/drawing/2014/main" id="{29672F3A-124A-E8EC-BF22-A63B6D9F91CA}"/>
+              </a:ext>
+            </a:extLst>
+          </p:cNvPr>
+          <p:cNvSpPr txBox="1">
+            <a:spLocks/>
+          </p:cNvSpPr>
+          <p:nvPr/>
+        </p:nvSpPr>
+        <p:spPr>
+          <a:xfrm>
+            <a:off x="211258" y="3904384"/>
+            <a:ext cx="10761542" cy="1571112"/>
+          </a:xfrm>
+          <a:prstGeom prst="rect">
+            <a:avLst/>
+          </a:prstGeom>
+        </p:spPr>
+        <p:txBody>
+          <a:bodyPr vert="horz" lIns="91440" tIns="45720" rIns="91440" bIns="45720" rtlCol="0" anchor="b">
+            <a:noAutofit/>
+          </a:bodyPr>
+          <a:lstStyle>
+            <a:lvl1pPr algn="ctr" defTabSz="914400" rtl="0" eaLnBrk="1" latinLnBrk="0" hangingPunct="1">
+              <a:lnSpc>
+                <a:spcPct val="90000"/>
+              </a:lnSpc>
+              <a:spcBef>
+                <a:spcPct val="0"/>
+              </a:spcBef>
+              <a:buNone/>
+              <a:defRPr sz="6000" kern="1200">
+                <a:solidFill>
+                  <a:schemeClr val="tx1"/>
+                </a:solidFill>
+                <a:latin typeface="+mj-lt"/>
+                <a:ea typeface="+mj-ea"/>
+                <a:cs typeface="+mj-cs"/>
+              </a:defRPr>
+            </a:lvl1pPr>
+          </a:lstStyle>
+          <a:p>
+            <a:pPr marL="342900" indent="-342900" algn="l">
+              <a:buFont typeface="Arial" panose="020B0604020202020204" pitchFamily="34" charset="0"/>
+              <a:buChar char="•"/>
+            </a:pPr>
+            <a:r>
+              <a:rPr lang="en-AU" sz="2400" b="1" dirty="0"/>
+              <a:t>Design: Pipeline</a:t>
+            </a:r>
+            <a:r>
+              <a:rPr lang="en-AU" sz="2400" dirty="0"/>
+              <a:t> of supervised transformation and rotation forest classifier</a:t>
+            </a:r>
+          </a:p>
+          <a:p>
+            <a:pPr marL="342900" indent="-342900" algn="l">
+              <a:buFont typeface="Arial" panose="020B0604020202020204" pitchFamily="34" charset="0"/>
+              <a:buChar char="•"/>
+            </a:pPr>
+            <a:r>
+              <a:rPr lang="en-AU" sz="2400" b="1" dirty="0"/>
+              <a:t>Accuracy weighting:</a:t>
+            </a:r>
+            <a:r>
+              <a:rPr lang="en-AU" sz="2400" dirty="0"/>
+              <a:t> Do supervised transform, use rotation forest Out of Bag Accuracy as weight</a:t>
+            </a:r>
+          </a:p>
+          <a:p>
+            <a:pPr marL="342900" indent="-342900" algn="l">
+              <a:buFont typeface="Arial" panose="020B0604020202020204" pitchFamily="34" charset="0"/>
+              <a:buChar char="•"/>
+            </a:pPr>
+            <a:r>
+              <a:rPr lang="en-AU" sz="2400" b="1" dirty="0"/>
+              <a:t>Positive Bias? </a:t>
+            </a:r>
+            <a:r>
+              <a:rPr lang="en-AU" sz="2400" dirty="0"/>
+              <a:t>likely to be optimistic since weight found supervised transform</a:t>
             </a:r>
           </a:p>
         </p:txBody>

--- a/KDD-2024/Slides/part9_hybrids.pptx
+++ b/KDD-2024/Slides/part9_hybrids.pptx
@@ -221,7 +221,7 @@
           <a:p>
             <a:fld id="{A208CC58-AEBA-4B81-AD4F-648E402612BD}" type="datetimeFigureOut">
               <a:rPr lang="en-GB" smtClean="0"/>
-              <a:t>21/08/2024</a:t>
+              <a:t>22/08/2024</a:t>
             </a:fld>
             <a:endParaRPr lang="en-GB"/>
           </a:p>
@@ -638,7 +638,7 @@
           <a:p>
             <a:fld id="{EDEC158B-FB0A-43FC-87BA-79B801717EB2}" type="datetimeFigureOut">
               <a:rPr lang="en-AU" smtClean="0"/>
-              <a:t>21/08/2024</a:t>
+              <a:t>22/08/2024</a:t>
             </a:fld>
             <a:endParaRPr lang="en-AU"/>
           </a:p>
@@ -838,7 +838,7 @@
           <a:p>
             <a:fld id="{EDEC158B-FB0A-43FC-87BA-79B801717EB2}" type="datetimeFigureOut">
               <a:rPr lang="en-AU" smtClean="0"/>
-              <a:t>21/08/2024</a:t>
+              <a:t>22/08/2024</a:t>
             </a:fld>
             <a:endParaRPr lang="en-AU"/>
           </a:p>
@@ -1048,7 +1048,7 @@
           <a:p>
             <a:fld id="{EDEC158B-FB0A-43FC-87BA-79B801717EB2}" type="datetimeFigureOut">
               <a:rPr lang="en-AU" smtClean="0"/>
-              <a:t>21/08/2024</a:t>
+              <a:t>22/08/2024</a:t>
             </a:fld>
             <a:endParaRPr lang="en-AU"/>
           </a:p>
@@ -1248,7 +1248,7 @@
           <a:p>
             <a:fld id="{EDEC158B-FB0A-43FC-87BA-79B801717EB2}" type="datetimeFigureOut">
               <a:rPr lang="en-AU" smtClean="0"/>
-              <a:t>21/08/2024</a:t>
+              <a:t>22/08/2024</a:t>
             </a:fld>
             <a:endParaRPr lang="en-AU"/>
           </a:p>
@@ -1524,7 +1524,7 @@
           <a:p>
             <a:fld id="{EDEC158B-FB0A-43FC-87BA-79B801717EB2}" type="datetimeFigureOut">
               <a:rPr lang="en-AU" smtClean="0"/>
-              <a:t>21/08/2024</a:t>
+              <a:t>22/08/2024</a:t>
             </a:fld>
             <a:endParaRPr lang="en-AU"/>
           </a:p>
@@ -1792,7 +1792,7 @@
           <a:p>
             <a:fld id="{EDEC158B-FB0A-43FC-87BA-79B801717EB2}" type="datetimeFigureOut">
               <a:rPr lang="en-AU" smtClean="0"/>
-              <a:t>21/08/2024</a:t>
+              <a:t>22/08/2024</a:t>
             </a:fld>
             <a:endParaRPr lang="en-AU"/>
           </a:p>
@@ -2207,7 +2207,7 @@
           <a:p>
             <a:fld id="{EDEC158B-FB0A-43FC-87BA-79B801717EB2}" type="datetimeFigureOut">
               <a:rPr lang="en-AU" smtClean="0"/>
-              <a:t>21/08/2024</a:t>
+              <a:t>22/08/2024</a:t>
             </a:fld>
             <a:endParaRPr lang="en-AU"/>
           </a:p>
@@ -2349,7 +2349,7 @@
           <a:p>
             <a:fld id="{EDEC158B-FB0A-43FC-87BA-79B801717EB2}" type="datetimeFigureOut">
               <a:rPr lang="en-AU" smtClean="0"/>
-              <a:t>21/08/2024</a:t>
+              <a:t>22/08/2024</a:t>
             </a:fld>
             <a:endParaRPr lang="en-AU"/>
           </a:p>
@@ -2462,7 +2462,7 @@
           <a:p>
             <a:fld id="{EDEC158B-FB0A-43FC-87BA-79B801717EB2}" type="datetimeFigureOut">
               <a:rPr lang="en-AU" smtClean="0"/>
-              <a:t>21/08/2024</a:t>
+              <a:t>22/08/2024</a:t>
             </a:fld>
             <a:endParaRPr lang="en-AU"/>
           </a:p>
@@ -2775,7 +2775,7 @@
           <a:p>
             <a:fld id="{EDEC158B-FB0A-43FC-87BA-79B801717EB2}" type="datetimeFigureOut">
               <a:rPr lang="en-AU" smtClean="0"/>
-              <a:t>21/08/2024</a:t>
+              <a:t>22/08/2024</a:t>
             </a:fld>
             <a:endParaRPr lang="en-AU"/>
           </a:p>
@@ -3064,7 +3064,7 @@
           <a:p>
             <a:fld id="{EDEC158B-FB0A-43FC-87BA-79B801717EB2}" type="datetimeFigureOut">
               <a:rPr lang="en-AU" smtClean="0"/>
-              <a:t>21/08/2024</a:t>
+              <a:t>22/08/2024</a:t>
             </a:fld>
             <a:endParaRPr lang="en-AU"/>
           </a:p>
@@ -3307,7 +3307,7 @@
           <a:p>
             <a:fld id="{EDEC158B-FB0A-43FC-87BA-79B801717EB2}" type="datetimeFigureOut">
               <a:rPr lang="en-AU" smtClean="0"/>
-              <a:t>21/08/2024</a:t>
+              <a:t>22/08/2024</a:t>
             </a:fld>
             <a:endParaRPr lang="en-AU"/>
           </a:p>
@@ -9041,8 +9041,8 @@
         </p:blipFill>
         <p:spPr>
           <a:xfrm>
-            <a:off x="224408" y="1489753"/>
-            <a:ext cx="7991612" cy="3470390"/>
+            <a:off x="0" y="1136072"/>
+            <a:ext cx="6870542" cy="2983561"/>
           </a:xfrm>
           <a:prstGeom prst="rect">
             <a:avLst/>
@@ -9061,8 +9061,8 @@
         </p:nvSpPr>
         <p:spPr>
           <a:xfrm>
-            <a:off x="766618" y="80607"/>
-            <a:ext cx="11046691" cy="824557"/>
+            <a:off x="2115127" y="178894"/>
+            <a:ext cx="6511637" cy="824557"/>
           </a:xfrm>
         </p:spPr>
         <p:txBody>
@@ -9099,7 +9099,7 @@
         </p:nvSpPr>
         <p:spPr>
           <a:xfrm>
-            <a:off x="100374" y="5066617"/>
+            <a:off x="221059" y="4451928"/>
             <a:ext cx="11749881" cy="1270000"/>
           </a:xfrm>
           <a:prstGeom prst="rect">
@@ -9173,12 +9173,57 @@
           </a:p>
         </p:txBody>
       </p:sp>
+      <p:sp>
+        <p:nvSpPr>
+          <p:cNvPr id="3" name="AutoShape 2">
+            <a:extLst>
+              <a:ext uri="{FF2B5EF4-FFF2-40B4-BE49-F238E27FC236}">
+                <a16:creationId xmlns:a16="http://schemas.microsoft.com/office/drawing/2014/main" id="{BB382987-710D-6EEF-F9C3-57D2B3EEA093}"/>
+              </a:ext>
+            </a:extLst>
+          </p:cNvPr>
+          <p:cNvSpPr>
+            <a:spLocks noChangeAspect="1" noChangeArrowheads="1"/>
+          </p:cNvSpPr>
+          <p:nvPr/>
+        </p:nvSpPr>
+        <p:spPr bwMode="auto">
+          <a:xfrm>
+            <a:off x="5943600" y="3276600"/>
+            <a:ext cx="304800" cy="304800"/>
+          </a:xfrm>
+          <a:prstGeom prst="rect">
+            <a:avLst/>
+          </a:prstGeom>
+          <a:noFill/>
+          <a:extLst>
+            <a:ext uri="{909E8E84-426E-40DD-AFC4-6F175D3DCCD1}">
+              <a14:hiddenFill xmlns:a14="http://schemas.microsoft.com/office/drawing/2010/main">
+                <a:solidFill>
+                  <a:srgbClr val="FFFFFF"/>
+                </a:solidFill>
+              </a14:hiddenFill>
+            </a:ext>
+          </a:extLst>
+        </p:spPr>
+        <p:txBody>
+          <a:bodyPr vert="horz" wrap="square" lIns="91440" tIns="45720" rIns="91440" bIns="45720" numCol="1" anchor="t" anchorCtr="0" compatLnSpc="1">
+            <a:prstTxWarp prst="textNoShape">
+              <a:avLst/>
+            </a:prstTxWarp>
+          </a:bodyPr>
+          <a:lstStyle/>
+          <a:p>
+            <a:endParaRPr lang="en-GB"/>
+          </a:p>
+        </p:txBody>
+      </p:sp>
       <p:pic>
         <p:nvPicPr>
-          <p:cNvPr id="7" name="Picture 6">
-            <a:extLst>
-              <a:ext uri="{FF2B5EF4-FFF2-40B4-BE49-F238E27FC236}">
-                <a16:creationId xmlns:a16="http://schemas.microsoft.com/office/drawing/2014/main" id="{C8D98726-151F-F20E-B0B0-F8653B6000FB}"/>
+          <p:cNvPr id="8" name="Picture 7">
+            <a:extLst>
+              <a:ext uri="{FF2B5EF4-FFF2-40B4-BE49-F238E27FC236}">
+                <a16:creationId xmlns:a16="http://schemas.microsoft.com/office/drawing/2014/main" id="{709DD174-64C0-3C05-DA7B-4D0CD6248C4C}"/>
               </a:ext>
             </a:extLst>
           </p:cNvPr>
@@ -9195,8 +9240,8 @@
         </p:blipFill>
         <p:spPr>
           <a:xfrm>
-            <a:off x="6979217" y="0"/>
-            <a:ext cx="5212783" cy="2054831"/>
+            <a:off x="6721266" y="1169599"/>
+            <a:ext cx="5260031" cy="2626546"/>
           </a:xfrm>
           <a:prstGeom prst="rect">
             <a:avLst/>
